--- a/Meetings management.pptx
+++ b/Meetings management.pptx
@@ -15,8 +15,8 @@
     <p:sldId id="260" r:id="rId6"/>
     <p:sldId id="277" r:id="rId7"/>
     <p:sldId id="308" r:id="rId8"/>
-    <p:sldId id="263" r:id="rId9"/>
-    <p:sldId id="264" r:id="rId10"/>
+    <p:sldId id="264" r:id="rId9"/>
+    <p:sldId id="265" r:id="rId10"/>
     <p:sldId id="283" r:id="rId11"/>
     <p:sldId id="287" r:id="rId12"/>
   </p:sldIdLst>
@@ -1539,7 +1539,7 @@
   <p:cSld>
     <p:spTree>
       <p:nvGrpSpPr>
-        <p:cNvPr id="1" name="Shape 186"/>
+        <p:cNvPr id="1" name="Shape 192"/>
         <p:cNvGrpSpPr/>
         <p:nvPr/>
       </p:nvGrpSpPr>
@@ -1553,7 +1553,7 @@
       </p:grpSpPr>
       <p:sp>
         <p:nvSpPr>
-          <p:cNvPr id="187" name="Google Shape;187;g70e28bffb8_2_170:notes"/>
+          <p:cNvPr id="193" name="Google Shape;193;g70e28bffb8_2_175:notes"/>
           <p:cNvSpPr txBox="1">
             <a:spLocks noGrp="1"/>
           </p:cNvSpPr>
@@ -1591,7 +1591,7 @@
       </p:sp>
       <p:sp>
         <p:nvSpPr>
-          <p:cNvPr id="188" name="Google Shape;188;g70e28bffb8_2_170:notes"/>
+          <p:cNvPr id="194" name="Google Shape;194;g70e28bffb8_2_175:notes"/>
           <p:cNvSpPr>
             <a:spLocks noGrp="1" noRot="1" noChangeAspect="1"/>
           </p:cNvSpPr>
@@ -1643,7 +1643,7 @@
   <p:cSld>
     <p:spTree>
       <p:nvGrpSpPr>
-        <p:cNvPr id="1" name="Shape 192"/>
+        <p:cNvPr id="1" name="Shape 215"/>
         <p:cNvGrpSpPr/>
         <p:nvPr/>
       </p:nvGrpSpPr>
@@ -1657,7 +1657,7 @@
       </p:grpSpPr>
       <p:sp>
         <p:nvSpPr>
-          <p:cNvPr id="193" name="Google Shape;193;g70e28bffb8_2_175:notes"/>
+          <p:cNvPr id="216" name="Google Shape;216;g70e28bffb8_6_14:notes"/>
           <p:cNvSpPr txBox="1">
             <a:spLocks noGrp="1"/>
           </p:cNvSpPr>
@@ -1695,7 +1695,7 @@
       </p:sp>
       <p:sp>
         <p:nvSpPr>
-          <p:cNvPr id="194" name="Google Shape;194;g70e28bffb8_2_175:notes"/>
+          <p:cNvPr id="217" name="Google Shape;217;g70e28bffb8_6_14:notes"/>
           <p:cNvSpPr>
             <a:spLocks noGrp="1" noRot="1" noChangeAspect="1"/>
           </p:cNvSpPr>
@@ -12286,7 +12286,7 @@
           <a:p>
             <a:r>
               <a:rPr lang="en-US" dirty="0"/>
-              <a:t>The only state that is held will be the id. It will be saved as a cookie. The </a:t>
+              <a:t>The only state that is held will be the id. It will be saved as a cookie.</a:t>
             </a:r>
           </a:p>
         </p:txBody>
@@ -16148,224 +16148,6 @@
   <p:cSld>
     <p:spTree>
       <p:nvGrpSpPr>
-        <p:cNvPr id="1" name="Shape 189"/>
-        <p:cNvGrpSpPr/>
-        <p:nvPr/>
-      </p:nvGrpSpPr>
-      <p:grpSpPr>
-        <a:xfrm>
-          <a:off x="0" y="0"/>
-          <a:ext cx="0" cy="0"/>
-          <a:chOff x="0" y="0"/>
-          <a:chExt cx="0" cy="0"/>
-        </a:xfrm>
-      </p:grpSpPr>
-      <p:sp>
-        <p:nvSpPr>
-          <p:cNvPr id="190" name="Google Shape;190;p32"/>
-          <p:cNvSpPr txBox="1">
-            <a:spLocks noGrp="1"/>
-          </p:cNvSpPr>
-          <p:nvPr>
-            <p:ph type="title"/>
-          </p:nvPr>
-        </p:nvSpPr>
-        <p:spPr>
-          <a:xfrm>
-            <a:off x="495300" y="274637"/>
-            <a:ext cx="8915400" cy="1143000"/>
-          </a:xfrm>
-          <a:prstGeom prst="rect">
-            <a:avLst/>
-          </a:prstGeom>
-          <a:noFill/>
-          <a:ln>
-            <a:noFill/>
-          </a:ln>
-        </p:spPr>
-        <p:txBody>
-          <a:bodyPr spcFirstLastPara="1" wrap="square" lIns="107269" tIns="53620" rIns="107269" bIns="53620" anchor="ctr" anchorCtr="0">
-            <a:noAutofit/>
-          </a:bodyPr>
-          <a:lstStyle/>
-          <a:p>
-            <a:pPr>
-              <a:buSzPts val="4400"/>
-            </a:pPr>
-            <a:br>
-              <a:rPr lang="en-US" dirty="0"/>
-            </a:br>
-            <a:r>
-              <a:rPr lang="en-US" dirty="0">
-                <a:solidFill>
-                  <a:srgbClr val="222222"/>
-                </a:solidFill>
-                <a:latin typeface="arial" panose="020B0604020202020204" pitchFamily="34" charset="0"/>
-              </a:rPr>
-              <a:t>I</a:t>
-            </a:r>
-            <a:r>
-              <a:rPr lang="en-US" b="0" i="0" dirty="0">
-                <a:solidFill>
-                  <a:srgbClr val="222222"/>
-                </a:solidFill>
-                <a:effectLst/>
-                <a:latin typeface="arial" panose="020B0604020202020204" pitchFamily="34" charset="0"/>
-              </a:rPr>
-              <a:t>mplementation of specifications</a:t>
-            </a:r>
-            <a:endParaRPr dirty="0"/>
-          </a:p>
-        </p:txBody>
-      </p:sp>
-      <p:sp>
-        <p:nvSpPr>
-          <p:cNvPr id="191" name="Google Shape;191;p32"/>
-          <p:cNvSpPr txBox="1">
-            <a:spLocks noGrp="1"/>
-          </p:cNvSpPr>
-          <p:nvPr>
-            <p:ph type="body" idx="1"/>
-          </p:nvPr>
-        </p:nvSpPr>
-        <p:spPr>
-          <a:xfrm>
-            <a:off x="495300" y="1600200"/>
-            <a:ext cx="9138220" cy="4925144"/>
-          </a:xfrm>
-          <a:prstGeom prst="rect">
-            <a:avLst/>
-          </a:prstGeom>
-          <a:noFill/>
-          <a:ln>
-            <a:noFill/>
-          </a:ln>
-        </p:spPr>
-        <p:txBody>
-          <a:bodyPr spcFirstLastPara="1" wrap="square" lIns="107269" tIns="53620" rIns="107269" bIns="53620" anchor="t" anchorCtr="0">
-            <a:noAutofit/>
-          </a:bodyPr>
-          <a:lstStyle/>
-          <a:p>
-            <a:pPr marL="402325">
-              <a:lnSpc>
-                <a:spcPct val="80000"/>
-              </a:lnSpc>
-              <a:spcBef>
-                <a:spcPts val="469"/>
-              </a:spcBef>
-              <a:buClr>
-                <a:srgbClr val="000000"/>
-              </a:buClr>
-              <a:buSzPts val="2000"/>
-            </a:pPr>
-            <a:r>
-              <a:rPr lang="es-419" sz="2300" dirty="0" err="1">
-                <a:solidFill>
-                  <a:srgbClr val="000000"/>
-                </a:solidFill>
-              </a:rPr>
-              <a:t>The</a:t>
-            </a:r>
-            <a:r>
-              <a:rPr lang="es-419" sz="2300" dirty="0">
-                <a:solidFill>
-                  <a:srgbClr val="000000"/>
-                </a:solidFill>
-              </a:rPr>
-              <a:t> </a:t>
-            </a:r>
-            <a:r>
-              <a:rPr lang="es-419" sz="2300" dirty="0" err="1">
-                <a:solidFill>
-                  <a:srgbClr val="000000"/>
-                </a:solidFill>
-              </a:rPr>
-              <a:t>homePage</a:t>
-            </a:r>
-            <a:r>
-              <a:rPr lang="es-419" sz="2300" dirty="0">
-                <a:solidFill>
-                  <a:srgbClr val="000000"/>
-                </a:solidFill>
-              </a:rPr>
-              <a:t> </a:t>
-            </a:r>
-            <a:r>
-              <a:rPr lang="es-419" sz="2300" dirty="0" err="1">
-                <a:solidFill>
-                  <a:srgbClr val="000000"/>
-                </a:solidFill>
-              </a:rPr>
-              <a:t>is</a:t>
-            </a:r>
-            <a:r>
-              <a:rPr lang="es-419" sz="2300" dirty="0">
-                <a:solidFill>
-                  <a:srgbClr val="000000"/>
-                </a:solidFill>
-              </a:rPr>
-              <a:t> </a:t>
-            </a:r>
-            <a:r>
-              <a:rPr lang="es-419" sz="2300" dirty="0" err="1">
-                <a:solidFill>
-                  <a:srgbClr val="000000"/>
-                </a:solidFill>
-              </a:rPr>
-              <a:t>the</a:t>
-            </a:r>
-            <a:r>
-              <a:rPr lang="es-419" sz="2300" dirty="0">
-                <a:solidFill>
-                  <a:srgbClr val="000000"/>
-                </a:solidFill>
-              </a:rPr>
-              <a:t> default page </a:t>
-            </a:r>
-          </a:p>
-          <a:p>
-            <a:pPr marL="402325">
-              <a:lnSpc>
-                <a:spcPct val="80000"/>
-              </a:lnSpc>
-              <a:spcBef>
-                <a:spcPts val="469"/>
-              </a:spcBef>
-              <a:buClr>
-                <a:srgbClr val="000000"/>
-              </a:buClr>
-              <a:buSzPts val="2000"/>
-            </a:pPr>
-            <a:r>
-              <a:rPr lang="en-US" sz="2300" dirty="0">
-                <a:solidFill>
-                  <a:srgbClr val="000000"/>
-                </a:solidFill>
-              </a:rPr>
-              <a:t>A meeting Will have a start date and end date instead of date and duration. The start date can be before the current date, instead, the end date can’t be before the start date or the current date</a:t>
-            </a:r>
-            <a:endParaRPr sz="2300" dirty="0">
-              <a:solidFill>
-                <a:srgbClr val="000000"/>
-              </a:solidFill>
-            </a:endParaRPr>
-          </a:p>
-        </p:txBody>
-      </p:sp>
-    </p:spTree>
-  </p:cSld>
-  <p:clrMapOvr>
-    <a:masterClrMapping/>
-  </p:clrMapOvr>
-</p:sld>
-</file>
-
-<file path=ppt/slides/slide9.xml><?xml version="1.0" encoding="utf-8"?>
-<p:sld xmlns:a="http://schemas.openxmlformats.org/drawingml/2006/main" xmlns:r="http://schemas.openxmlformats.org/officeDocument/2006/relationships" xmlns:p="http://schemas.openxmlformats.org/presentationml/2006/main">
-  <p:cSld>
-    <p:spTree>
-      <p:nvGrpSpPr>
         <p:cNvPr id="1" name="Shape 195"/>
         <p:cNvGrpSpPr/>
         <p:nvPr/>
@@ -17250,6 +17032,1480 @@
                 <a:sym typeface="Calibri"/>
               </a:rPr>
               <a:t>meetings</a:t>
+            </a:r>
+            <a:endParaRPr sz="2100" dirty="0">
+              <a:solidFill>
+                <a:schemeClr val="dk1"/>
+              </a:solidFill>
+              <a:latin typeface="Calibri"/>
+              <a:ea typeface="Calibri"/>
+              <a:cs typeface="Calibri"/>
+              <a:sym typeface="Calibri"/>
+            </a:endParaRPr>
+          </a:p>
+        </p:txBody>
+      </p:sp>
+    </p:spTree>
+  </p:cSld>
+  <p:clrMapOvr>
+    <a:masterClrMapping/>
+  </p:clrMapOvr>
+</p:sld>
+</file>
+
+<file path=ppt/slides/slide9.xml><?xml version="1.0" encoding="utf-8"?>
+<p:sld xmlns:a="http://schemas.openxmlformats.org/drawingml/2006/main" xmlns:r="http://schemas.openxmlformats.org/officeDocument/2006/relationships" xmlns:p="http://schemas.openxmlformats.org/presentationml/2006/main">
+  <p:cSld>
+    <p:spTree>
+      <p:nvGrpSpPr>
+        <p:cNvPr id="1" name="Shape 218"/>
+        <p:cNvGrpSpPr/>
+        <p:nvPr/>
+      </p:nvGrpSpPr>
+      <p:grpSpPr>
+        <a:xfrm>
+          <a:off x="0" y="0"/>
+          <a:ext cx="0" cy="0"/>
+          <a:chOff x="0" y="0"/>
+          <a:chExt cx="0" cy="0"/>
+        </a:xfrm>
+      </p:grpSpPr>
+      <p:sp>
+        <p:nvSpPr>
+          <p:cNvPr id="219" name="Google Shape;219;p34"/>
+          <p:cNvSpPr txBox="1">
+            <a:spLocks noGrp="1"/>
+          </p:cNvSpPr>
+          <p:nvPr>
+            <p:ph type="title"/>
+          </p:nvPr>
+        </p:nvSpPr>
+        <p:spPr>
+          <a:xfrm>
+            <a:off x="495300" y="274637"/>
+            <a:ext cx="8915400" cy="1143200"/>
+          </a:xfrm>
+          <a:prstGeom prst="rect">
+            <a:avLst/>
+          </a:prstGeom>
+          <a:noFill/>
+          <a:ln>
+            <a:noFill/>
+          </a:ln>
+        </p:spPr>
+        <p:txBody>
+          <a:bodyPr spcFirstLastPara="1" wrap="square" lIns="107269" tIns="53620" rIns="107269" bIns="53620" anchor="ctr" anchorCtr="0">
+            <a:noAutofit/>
+          </a:bodyPr>
+          <a:lstStyle/>
+          <a:p>
+            <a:pPr>
+              <a:buSzPts val="4400"/>
+            </a:pPr>
+            <a:r>
+              <a:rPr lang="es-419" dirty="0" err="1"/>
+              <a:t>Application</a:t>
+            </a:r>
+            <a:r>
+              <a:rPr lang="es-419" dirty="0"/>
+              <a:t> </a:t>
+            </a:r>
+            <a:r>
+              <a:rPr lang="es-419" dirty="0" err="1"/>
+              <a:t>design</a:t>
+            </a:r>
+            <a:endParaRPr dirty="0"/>
+          </a:p>
+        </p:txBody>
+      </p:sp>
+      <p:sp>
+        <p:nvSpPr>
+          <p:cNvPr id="220" name="Google Shape;220;p34"/>
+          <p:cNvSpPr/>
+          <p:nvPr/>
+        </p:nvSpPr>
+        <p:spPr>
+          <a:xfrm>
+            <a:off x="229809" y="2442754"/>
+            <a:ext cx="8527173" cy="4219743"/>
+          </a:xfrm>
+          <a:prstGeom prst="rect">
+            <a:avLst/>
+          </a:prstGeom>
+          <a:solidFill>
+            <a:schemeClr val="lt1"/>
+          </a:solidFill>
+          <a:ln w="25400" cap="flat" cmpd="sng">
+            <a:solidFill>
+              <a:schemeClr val="dk1"/>
+            </a:solidFill>
+            <a:prstDash val="solid"/>
+            <a:round/>
+            <a:headEnd type="none" w="sm" len="sm"/>
+            <a:tailEnd type="none" w="sm" len="sm"/>
+          </a:ln>
+        </p:spPr>
+        <p:txBody>
+          <a:bodyPr spcFirstLastPara="1" wrap="square" lIns="107269" tIns="53620" rIns="107269" bIns="53620" anchor="t" anchorCtr="0">
+            <a:noAutofit/>
+          </a:bodyPr>
+          <a:lstStyle/>
+          <a:p>
+            <a:r>
+              <a:rPr lang="es-419" sz="2100">
+                <a:solidFill>
+                  <a:schemeClr val="dk1"/>
+                </a:solidFill>
+                <a:latin typeface="Calibri"/>
+                <a:ea typeface="Calibri"/>
+                <a:cs typeface="Calibri"/>
+                <a:sym typeface="Calibri"/>
+              </a:rPr>
+              <a:t>HOME</a:t>
+            </a:r>
+            <a:endParaRPr sz="2100">
+              <a:solidFill>
+                <a:schemeClr val="dk1"/>
+              </a:solidFill>
+              <a:latin typeface="Calibri"/>
+              <a:ea typeface="Calibri"/>
+              <a:cs typeface="Calibri"/>
+              <a:sym typeface="Calibri"/>
+            </a:endParaRPr>
+          </a:p>
+        </p:txBody>
+      </p:sp>
+      <p:sp>
+        <p:nvSpPr>
+          <p:cNvPr id="224" name="Google Shape;224;p34"/>
+          <p:cNvSpPr/>
+          <p:nvPr/>
+        </p:nvSpPr>
+        <p:spPr>
+          <a:xfrm>
+            <a:off x="8430543" y="5125719"/>
+            <a:ext cx="1326325" cy="654400"/>
+          </a:xfrm>
+          <a:prstGeom prst="parallelogram">
+            <a:avLst>
+              <a:gd name="adj" fmla="val 25000"/>
+            </a:avLst>
+          </a:prstGeom>
+          <a:solidFill>
+            <a:schemeClr val="lt1"/>
+          </a:solidFill>
+          <a:ln w="25400" cap="flat" cmpd="sng">
+            <a:solidFill>
+              <a:schemeClr val="accent2"/>
+            </a:solidFill>
+            <a:prstDash val="solid"/>
+            <a:round/>
+            <a:headEnd type="none" w="sm" len="sm"/>
+            <a:tailEnd type="none" w="sm" len="sm"/>
+          </a:ln>
+        </p:spPr>
+        <p:txBody>
+          <a:bodyPr spcFirstLastPara="1" wrap="square" lIns="107269" tIns="53620" rIns="107269" bIns="53620" anchor="ctr" anchorCtr="0">
+            <a:noAutofit/>
+          </a:bodyPr>
+          <a:lstStyle/>
+          <a:p>
+            <a:pPr algn="ctr"/>
+            <a:r>
+              <a:rPr lang="es-419" dirty="0" err="1">
+                <a:solidFill>
+                  <a:schemeClr val="dk1"/>
+                </a:solidFill>
+                <a:latin typeface="Calibri"/>
+                <a:ea typeface="Calibri"/>
+                <a:cs typeface="Calibri"/>
+                <a:sym typeface="Calibri"/>
+              </a:rPr>
+              <a:t>Create</a:t>
+            </a:r>
+            <a:r>
+              <a:rPr lang="es-419" dirty="0">
+                <a:solidFill>
+                  <a:schemeClr val="dk1"/>
+                </a:solidFill>
+                <a:latin typeface="Calibri"/>
+                <a:ea typeface="Calibri"/>
+                <a:cs typeface="Calibri"/>
+                <a:sym typeface="Calibri"/>
+              </a:rPr>
+              <a:t> meeting</a:t>
+            </a:r>
+            <a:endParaRPr dirty="0">
+              <a:solidFill>
+                <a:schemeClr val="dk1"/>
+              </a:solidFill>
+              <a:latin typeface="Calibri"/>
+              <a:ea typeface="Calibri"/>
+              <a:cs typeface="Calibri"/>
+              <a:sym typeface="Calibri"/>
+            </a:endParaRPr>
+          </a:p>
+        </p:txBody>
+      </p:sp>
+      <p:cxnSp>
+        <p:nvCxnSpPr>
+          <p:cNvPr id="228" name="Google Shape;228;p34"/>
+          <p:cNvCxnSpPr>
+            <a:cxnSpLocks/>
+            <a:stCxn id="224" idx="1"/>
+            <a:endCxn id="37" idx="3"/>
+          </p:cNvCxnSpPr>
+          <p:nvPr/>
+        </p:nvCxnSpPr>
+        <p:spPr>
+          <a:xfrm rot="16200000" flipV="1">
+            <a:off x="7088717" y="3038930"/>
+            <a:ext cx="2082146" cy="2091432"/>
+          </a:xfrm>
+          <a:prstGeom prst="bentConnector2">
+            <a:avLst/>
+          </a:prstGeom>
+          <a:noFill/>
+          <a:ln w="25400" cap="flat" cmpd="sng">
+            <a:solidFill>
+              <a:schemeClr val="accent1"/>
+            </a:solidFill>
+            <a:prstDash val="solid"/>
+            <a:round/>
+            <a:headEnd type="none" w="sm" len="sm"/>
+            <a:tailEnd type="stealth" w="med" len="med"/>
+          </a:ln>
+          <a:effectLst>
+            <a:outerShdw blurRad="40000" dist="20000" dir="5400000" rotWithShape="0">
+              <a:srgbClr val="000000">
+                <a:alpha val="37650"/>
+              </a:srgbClr>
+            </a:outerShdw>
+          </a:effectLst>
+        </p:spPr>
+      </p:cxnSp>
+      <p:sp>
+        <p:nvSpPr>
+          <p:cNvPr id="23" name="Google Shape;229;p34"/>
+          <p:cNvSpPr/>
+          <p:nvPr/>
+        </p:nvSpPr>
+        <p:spPr>
+          <a:xfrm>
+            <a:off x="541642" y="3037020"/>
+            <a:ext cx="1715357" cy="1373200"/>
+          </a:xfrm>
+          <a:prstGeom prst="roundRect">
+            <a:avLst>
+              <a:gd name="adj" fmla="val 16667"/>
+            </a:avLst>
+          </a:prstGeom>
+          <a:solidFill>
+            <a:schemeClr val="lt1"/>
+          </a:solidFill>
+          <a:ln w="25400" cap="flat" cmpd="sng">
+            <a:solidFill>
+              <a:schemeClr val="accent3"/>
+            </a:solidFill>
+            <a:prstDash val="solid"/>
+            <a:round/>
+            <a:headEnd type="none" w="sm" len="sm"/>
+            <a:tailEnd type="none" w="sm" len="sm"/>
+          </a:ln>
+        </p:spPr>
+        <p:txBody>
+          <a:bodyPr spcFirstLastPara="1" wrap="square" lIns="107269" tIns="53620" rIns="107269" bIns="53620" anchor="ctr" anchorCtr="0">
+            <a:noAutofit/>
+          </a:bodyPr>
+          <a:lstStyle/>
+          <a:p>
+            <a:pPr algn="ctr"/>
+            <a:r>
+              <a:rPr lang="en-US" sz="1900" dirty="0">
+                <a:solidFill>
+                  <a:schemeClr val="dk1"/>
+                </a:solidFill>
+                <a:latin typeface="Calibri"/>
+                <a:ea typeface="Calibri"/>
+                <a:cs typeface="Calibri"/>
+                <a:sym typeface="Calibri"/>
+              </a:rPr>
+              <a:t>Page build</a:t>
+            </a:r>
+            <a:endParaRPr sz="1900" dirty="0">
+              <a:solidFill>
+                <a:schemeClr val="dk1"/>
+              </a:solidFill>
+              <a:latin typeface="Calibri"/>
+              <a:ea typeface="Calibri"/>
+              <a:cs typeface="Calibri"/>
+              <a:sym typeface="Calibri"/>
+            </a:endParaRPr>
+          </a:p>
+        </p:txBody>
+      </p:sp>
+      <p:cxnSp>
+        <p:nvCxnSpPr>
+          <p:cNvPr id="25" name="Google Shape;231;p34"/>
+          <p:cNvCxnSpPr>
+            <a:endCxn id="23" idx="0"/>
+          </p:cNvCxnSpPr>
+          <p:nvPr/>
+        </p:nvCxnSpPr>
+        <p:spPr>
+          <a:xfrm>
+            <a:off x="1256207" y="1973430"/>
+            <a:ext cx="143114" cy="1063591"/>
+          </a:xfrm>
+          <a:prstGeom prst="straightConnector1">
+            <a:avLst/>
+          </a:prstGeom>
+          <a:noFill/>
+          <a:ln w="25400" cap="flat" cmpd="sng">
+            <a:solidFill>
+              <a:schemeClr val="accent1"/>
+            </a:solidFill>
+            <a:prstDash val="solid"/>
+            <a:round/>
+            <a:headEnd type="none" w="sm" len="sm"/>
+            <a:tailEnd type="stealth" w="med" len="med"/>
+          </a:ln>
+          <a:effectLst>
+            <a:outerShdw blurRad="40000" dist="20000" dir="5400000" rotWithShape="0">
+              <a:srgbClr val="000000">
+                <a:alpha val="37650"/>
+              </a:srgbClr>
+            </a:outerShdw>
+          </a:effectLst>
+        </p:spPr>
+      </p:cxnSp>
+      <p:sp>
+        <p:nvSpPr>
+          <p:cNvPr id="26" name="Google Shape;232;p34"/>
+          <p:cNvSpPr/>
+          <p:nvPr/>
+        </p:nvSpPr>
+        <p:spPr>
+          <a:xfrm>
+            <a:off x="2100999" y="3672731"/>
+            <a:ext cx="312000" cy="288000"/>
+          </a:xfrm>
+          <a:prstGeom prst="ellipse">
+            <a:avLst/>
+          </a:prstGeom>
+          <a:solidFill>
+            <a:schemeClr val="accent1"/>
+          </a:solidFill>
+          <a:ln w="25400" cap="flat" cmpd="sng">
+            <a:solidFill>
+              <a:srgbClr val="395E89"/>
+            </a:solidFill>
+            <a:prstDash val="solid"/>
+            <a:round/>
+            <a:headEnd type="none" w="sm" len="sm"/>
+            <a:tailEnd type="none" w="sm" len="sm"/>
+          </a:ln>
+        </p:spPr>
+        <p:txBody>
+          <a:bodyPr spcFirstLastPara="1" wrap="square" lIns="107269" tIns="53620" rIns="107269" bIns="53620" anchor="ctr" anchorCtr="0">
+            <a:noAutofit/>
+          </a:bodyPr>
+          <a:lstStyle/>
+          <a:p>
+            <a:pPr algn="ctr"/>
+            <a:endParaRPr sz="2100">
+              <a:solidFill>
+                <a:schemeClr val="lt1"/>
+              </a:solidFill>
+              <a:latin typeface="Calibri"/>
+              <a:ea typeface="Calibri"/>
+              <a:cs typeface="Calibri"/>
+              <a:sym typeface="Calibri"/>
+            </a:endParaRPr>
+          </a:p>
+        </p:txBody>
+      </p:sp>
+      <p:cxnSp>
+        <p:nvCxnSpPr>
+          <p:cNvPr id="27" name="Google Shape;233;p34"/>
+          <p:cNvCxnSpPr>
+            <a:cxnSpLocks/>
+            <a:stCxn id="26" idx="6"/>
+          </p:cNvCxnSpPr>
+          <p:nvPr/>
+        </p:nvCxnSpPr>
+        <p:spPr>
+          <a:xfrm>
+            <a:off x="2412999" y="3816731"/>
+            <a:ext cx="2466427" cy="4193"/>
+          </a:xfrm>
+          <a:prstGeom prst="bentConnector3">
+            <a:avLst>
+              <a:gd name="adj1" fmla="val 50000"/>
+            </a:avLst>
+          </a:prstGeom>
+          <a:noFill/>
+          <a:ln w="25400" cap="flat" cmpd="sng">
+            <a:solidFill>
+              <a:schemeClr val="accent1"/>
+            </a:solidFill>
+            <a:prstDash val="solid"/>
+            <a:round/>
+            <a:headEnd type="none" w="sm" len="sm"/>
+            <a:tailEnd type="stealth" w="med" len="med"/>
+          </a:ln>
+          <a:effectLst>
+            <a:outerShdw blurRad="40000" dist="20000" dir="5400000" rotWithShape="0">
+              <a:srgbClr val="000000">
+                <a:alpha val="37650"/>
+              </a:srgbClr>
+            </a:outerShdw>
+          </a:effectLst>
+        </p:spPr>
+      </p:cxnSp>
+      <p:cxnSp>
+        <p:nvCxnSpPr>
+          <p:cNvPr id="32" name="Google Shape;238;p34"/>
+          <p:cNvCxnSpPr>
+            <a:cxnSpLocks/>
+          </p:cNvCxnSpPr>
+          <p:nvPr/>
+        </p:nvCxnSpPr>
+        <p:spPr>
+          <a:xfrm flipV="1">
+            <a:off x="4538840" y="3044572"/>
+            <a:ext cx="645039" cy="782611"/>
+          </a:xfrm>
+          <a:prstGeom prst="bentConnector3">
+            <a:avLst>
+              <a:gd name="adj1" fmla="val 50000"/>
+            </a:avLst>
+          </a:prstGeom>
+          <a:noFill/>
+          <a:ln w="25400" cap="flat" cmpd="sng">
+            <a:solidFill>
+              <a:schemeClr val="accent1"/>
+            </a:solidFill>
+            <a:prstDash val="solid"/>
+            <a:round/>
+            <a:headEnd type="none" w="sm" len="sm"/>
+            <a:tailEnd type="stealth" w="med" len="med"/>
+          </a:ln>
+          <a:effectLst>
+            <a:outerShdw blurRad="40000" dist="20000" dir="5400000" rotWithShape="0">
+              <a:srgbClr val="000000">
+                <a:alpha val="37650"/>
+              </a:srgbClr>
+            </a:outerShdw>
+          </a:effectLst>
+        </p:spPr>
+      </p:cxnSp>
+      <p:sp>
+        <p:nvSpPr>
+          <p:cNvPr id="38" name="Google Shape;229;p34"/>
+          <p:cNvSpPr/>
+          <p:nvPr/>
+        </p:nvSpPr>
+        <p:spPr>
+          <a:xfrm>
+            <a:off x="5198192" y="3863552"/>
+            <a:ext cx="1885882" cy="905256"/>
+          </a:xfrm>
+          <a:prstGeom prst="roundRect">
+            <a:avLst>
+              <a:gd name="adj" fmla="val 16667"/>
+            </a:avLst>
+          </a:prstGeom>
+          <a:solidFill>
+            <a:schemeClr val="lt1"/>
+          </a:solidFill>
+          <a:ln w="25400" cap="flat" cmpd="sng">
+            <a:solidFill>
+              <a:schemeClr val="accent3"/>
+            </a:solidFill>
+            <a:prstDash val="solid"/>
+            <a:round/>
+            <a:headEnd type="none" w="sm" len="sm"/>
+            <a:tailEnd type="none" w="sm" len="sm"/>
+          </a:ln>
+        </p:spPr>
+        <p:txBody>
+          <a:bodyPr spcFirstLastPara="1" wrap="square" lIns="107269" tIns="53620" rIns="107269" bIns="53620" anchor="ctr" anchorCtr="0">
+            <a:noAutofit/>
+          </a:bodyPr>
+          <a:lstStyle/>
+          <a:p>
+            <a:pPr algn="ctr"/>
+            <a:r>
+              <a:rPr lang="en-US" sz="1200" dirty="0">
+                <a:solidFill>
+                  <a:schemeClr val="dk1"/>
+                </a:solidFill>
+                <a:latin typeface="Calibri"/>
+                <a:ea typeface="Calibri"/>
+                <a:cs typeface="Calibri"/>
+                <a:sym typeface="Calibri"/>
+              </a:rPr>
+              <a:t>Table other meetings</a:t>
+            </a:r>
+            <a:endParaRPr sz="1200" dirty="0">
+              <a:solidFill>
+                <a:schemeClr val="dk1"/>
+              </a:solidFill>
+              <a:latin typeface="Calibri"/>
+              <a:ea typeface="Calibri"/>
+              <a:cs typeface="Calibri"/>
+              <a:sym typeface="Calibri"/>
+            </a:endParaRPr>
+          </a:p>
+        </p:txBody>
+      </p:sp>
+      <p:cxnSp>
+        <p:nvCxnSpPr>
+          <p:cNvPr id="51" name="Google Shape;238;p34"/>
+          <p:cNvCxnSpPr>
+            <a:cxnSpLocks/>
+          </p:cNvCxnSpPr>
+          <p:nvPr/>
+        </p:nvCxnSpPr>
+        <p:spPr>
+          <a:xfrm>
+            <a:off x="4533831" y="3796990"/>
+            <a:ext cx="650048" cy="499092"/>
+          </a:xfrm>
+          <a:prstGeom prst="bentConnector3">
+            <a:avLst>
+              <a:gd name="adj1" fmla="val 50000"/>
+            </a:avLst>
+          </a:prstGeom>
+          <a:noFill/>
+          <a:ln w="25400" cap="flat" cmpd="sng">
+            <a:solidFill>
+              <a:schemeClr val="accent1"/>
+            </a:solidFill>
+            <a:prstDash val="solid"/>
+            <a:round/>
+            <a:headEnd type="none" w="sm" len="sm"/>
+            <a:tailEnd type="stealth" w="med" len="med"/>
+          </a:ln>
+          <a:effectLst>
+            <a:outerShdw blurRad="40000" dist="20000" dir="5400000" rotWithShape="0">
+              <a:srgbClr val="000000">
+                <a:alpha val="37650"/>
+              </a:srgbClr>
+            </a:outerShdw>
+          </a:effectLst>
+        </p:spPr>
+      </p:cxnSp>
+      <p:sp>
+        <p:nvSpPr>
+          <p:cNvPr id="78" name="Google Shape;234;p34"/>
+          <p:cNvSpPr/>
+          <p:nvPr/>
+        </p:nvSpPr>
+        <p:spPr>
+          <a:xfrm>
+            <a:off x="545327" y="1310107"/>
+            <a:ext cx="1555672" cy="654400"/>
+          </a:xfrm>
+          <a:prstGeom prst="parallelogram">
+            <a:avLst>
+              <a:gd name="adj" fmla="val 25000"/>
+            </a:avLst>
+          </a:prstGeom>
+          <a:solidFill>
+            <a:schemeClr val="lt1"/>
+          </a:solidFill>
+          <a:ln w="25400" cap="flat" cmpd="sng">
+            <a:solidFill>
+              <a:schemeClr val="accent2"/>
+            </a:solidFill>
+            <a:prstDash val="solid"/>
+            <a:round/>
+            <a:headEnd type="none" w="sm" len="sm"/>
+            <a:tailEnd type="none" w="sm" len="sm"/>
+          </a:ln>
+        </p:spPr>
+        <p:txBody>
+          <a:bodyPr spcFirstLastPara="1" wrap="square" lIns="107269" tIns="53620" rIns="107269" bIns="53620" anchor="ctr" anchorCtr="0">
+            <a:noAutofit/>
+          </a:bodyPr>
+          <a:lstStyle/>
+          <a:p>
+            <a:pPr algn="ctr"/>
+            <a:r>
+              <a:rPr lang="es-419" dirty="0" err="1">
+                <a:solidFill>
+                  <a:schemeClr val="dk1"/>
+                </a:solidFill>
+                <a:latin typeface="Calibri"/>
+                <a:ea typeface="Calibri"/>
+                <a:cs typeface="Calibri"/>
+                <a:sym typeface="Calibri"/>
+              </a:rPr>
+              <a:t>Get</a:t>
+            </a:r>
+            <a:r>
+              <a:rPr lang="es-419" dirty="0">
+                <a:solidFill>
+                  <a:schemeClr val="dk1"/>
+                </a:solidFill>
+                <a:latin typeface="Calibri"/>
+                <a:ea typeface="Calibri"/>
+                <a:cs typeface="Calibri"/>
+                <a:sym typeface="Calibri"/>
+              </a:rPr>
+              <a:t> home page data</a:t>
+            </a:r>
+            <a:endParaRPr dirty="0">
+              <a:solidFill>
+                <a:schemeClr val="dk1"/>
+              </a:solidFill>
+              <a:latin typeface="Calibri"/>
+              <a:ea typeface="Calibri"/>
+              <a:cs typeface="Calibri"/>
+              <a:sym typeface="Calibri"/>
+            </a:endParaRPr>
+          </a:p>
+        </p:txBody>
+      </p:sp>
+      <p:sp>
+        <p:nvSpPr>
+          <p:cNvPr id="84" name="Google Shape;236;p34"/>
+          <p:cNvSpPr txBox="1"/>
+          <p:nvPr/>
+        </p:nvSpPr>
+        <p:spPr>
+          <a:xfrm>
+            <a:off x="2386563" y="1722986"/>
+            <a:ext cx="912193" cy="455600"/>
+          </a:xfrm>
+          <a:prstGeom prst="rect">
+            <a:avLst/>
+          </a:prstGeom>
+          <a:noFill/>
+          <a:ln w="25400" cap="flat" cmpd="sng">
+            <a:noFill/>
+            <a:prstDash val="solid"/>
+            <a:round/>
+            <a:headEnd type="none" w="sm" len="sm"/>
+            <a:tailEnd type="none" w="sm" len="sm"/>
+          </a:ln>
+        </p:spPr>
+        <p:txBody>
+          <a:bodyPr spcFirstLastPara="1" wrap="square" lIns="107269" tIns="53620" rIns="107269" bIns="53620" anchor="t" anchorCtr="0">
+            <a:noAutofit/>
+          </a:bodyPr>
+          <a:lstStyle/>
+          <a:p>
+            <a:r>
+              <a:rPr lang="es-419" dirty="0">
+                <a:solidFill>
+                  <a:schemeClr val="tx1"/>
+                </a:solidFill>
+                <a:latin typeface="Calibri"/>
+                <a:ea typeface="Calibri"/>
+                <a:cs typeface="Calibri"/>
+                <a:sym typeface="Calibri"/>
+              </a:rPr>
+              <a:t>user.id</a:t>
+            </a:r>
+            <a:endParaRPr strike="sngStrike" dirty="0">
+              <a:solidFill>
+                <a:schemeClr val="tx1"/>
+              </a:solidFill>
+              <a:latin typeface="Calibri"/>
+              <a:ea typeface="Calibri"/>
+              <a:cs typeface="Calibri"/>
+              <a:sym typeface="Calibri"/>
+            </a:endParaRPr>
+          </a:p>
+        </p:txBody>
+      </p:sp>
+      <p:cxnSp>
+        <p:nvCxnSpPr>
+          <p:cNvPr id="85" name="Google Shape;237;p34"/>
+          <p:cNvCxnSpPr>
+            <a:cxnSpLocks/>
+            <a:stCxn id="84" idx="1"/>
+            <a:endCxn id="78" idx="2"/>
+          </p:cNvCxnSpPr>
+          <p:nvPr/>
+        </p:nvCxnSpPr>
+        <p:spPr>
+          <a:xfrm flipH="1" flipV="1">
+            <a:off x="2019199" y="1637307"/>
+            <a:ext cx="367364" cy="313479"/>
+          </a:xfrm>
+          <a:prstGeom prst="straightConnector1">
+            <a:avLst/>
+          </a:prstGeom>
+          <a:noFill/>
+          <a:ln w="9525" cap="flat" cmpd="sng">
+            <a:solidFill>
+              <a:srgbClr val="4A7DBA"/>
+            </a:solidFill>
+            <a:prstDash val="solid"/>
+            <a:round/>
+            <a:headEnd type="none" w="sm" len="sm"/>
+            <a:tailEnd type="none" w="sm" len="sm"/>
+          </a:ln>
+        </p:spPr>
+      </p:cxnSp>
+      <p:sp>
+        <p:nvSpPr>
+          <p:cNvPr id="37" name="Google Shape;229;p34"/>
+          <p:cNvSpPr/>
+          <p:nvPr/>
+        </p:nvSpPr>
+        <p:spPr>
+          <a:xfrm>
+            <a:off x="5198192" y="2633077"/>
+            <a:ext cx="1885882" cy="820992"/>
+          </a:xfrm>
+          <a:prstGeom prst="roundRect">
+            <a:avLst>
+              <a:gd name="adj" fmla="val 16667"/>
+            </a:avLst>
+          </a:prstGeom>
+          <a:solidFill>
+            <a:schemeClr val="bg1"/>
+          </a:solidFill>
+          <a:ln w="25400" cap="flat" cmpd="sng">
+            <a:solidFill>
+              <a:schemeClr val="accent3"/>
+            </a:solidFill>
+            <a:prstDash val="solid"/>
+            <a:round/>
+            <a:headEnd type="none" w="sm" len="sm"/>
+            <a:tailEnd type="none" w="sm" len="sm"/>
+          </a:ln>
+        </p:spPr>
+        <p:txBody>
+          <a:bodyPr spcFirstLastPara="1" wrap="square" lIns="107269" tIns="53620" rIns="107269" bIns="53620" anchor="ctr" anchorCtr="0">
+            <a:noAutofit/>
+          </a:bodyPr>
+          <a:lstStyle/>
+          <a:p>
+            <a:pPr algn="ctr"/>
+            <a:r>
+              <a:rPr lang="en-US" sz="1400" dirty="0">
+                <a:solidFill>
+                  <a:schemeClr val="dk1"/>
+                </a:solidFill>
+                <a:latin typeface="Calibri"/>
+                <a:ea typeface="Calibri"/>
+                <a:cs typeface="Calibri"/>
+                <a:sym typeface="Calibri"/>
+              </a:rPr>
+              <a:t>Table own meetings </a:t>
+            </a:r>
+            <a:endParaRPr lang="es-419" sz="1400" dirty="0">
+              <a:solidFill>
+                <a:schemeClr val="dk1"/>
+              </a:solidFill>
+              <a:latin typeface="Calibri"/>
+              <a:ea typeface="Calibri"/>
+              <a:cs typeface="Calibri"/>
+              <a:sym typeface="Calibri"/>
+            </a:endParaRPr>
+          </a:p>
+        </p:txBody>
+      </p:sp>
+      <p:sp>
+        <p:nvSpPr>
+          <p:cNvPr id="56" name="Google Shape;221;p34">
+            <a:extLst>
+              <a:ext uri="{FF2B5EF4-FFF2-40B4-BE49-F238E27FC236}">
+                <a16:creationId xmlns:a16="http://schemas.microsoft.com/office/drawing/2014/main" id="{6591BC72-07F2-4C5C-A19F-492568AD5612}"/>
+              </a:ext>
+            </a:extLst>
+          </p:cNvPr>
+          <p:cNvSpPr/>
+          <p:nvPr/>
+        </p:nvSpPr>
+        <p:spPr>
+          <a:xfrm>
+            <a:off x="553199" y="4632978"/>
+            <a:ext cx="2067263" cy="1806761"/>
+          </a:xfrm>
+          <a:prstGeom prst="roundRect">
+            <a:avLst>
+              <a:gd name="adj" fmla="val 16667"/>
+            </a:avLst>
+          </a:prstGeom>
+          <a:solidFill>
+            <a:schemeClr val="lt1"/>
+          </a:solidFill>
+          <a:ln w="25400" cap="flat" cmpd="sng">
+            <a:solidFill>
+              <a:schemeClr val="accent3"/>
+            </a:solidFill>
+            <a:prstDash val="solid"/>
+            <a:round/>
+            <a:headEnd type="none" w="sm" len="sm"/>
+            <a:tailEnd type="none" w="sm" len="sm"/>
+          </a:ln>
+        </p:spPr>
+        <p:txBody>
+          <a:bodyPr spcFirstLastPara="1" wrap="square" lIns="107269" tIns="53620" rIns="107269" bIns="53620" anchor="ctr" anchorCtr="0">
+            <a:noAutofit/>
+          </a:bodyPr>
+          <a:lstStyle>
+            <a:defPPr marR="0" lvl="0" algn="l" rtl="0">
+              <a:lnSpc>
+                <a:spcPct val="100000"/>
+              </a:lnSpc>
+              <a:spcBef>
+                <a:spcPts val="0"/>
+              </a:spcBef>
+              <a:spcAft>
+                <a:spcPts val="0"/>
+              </a:spcAft>
+            </a:defPPr>
+            <a:lvl1pPr marR="0" lvl="0" algn="l" rtl="0">
+              <a:lnSpc>
+                <a:spcPct val="100000"/>
+              </a:lnSpc>
+              <a:spcBef>
+                <a:spcPts val="0"/>
+              </a:spcBef>
+              <a:spcAft>
+                <a:spcPts val="0"/>
+              </a:spcAft>
+              <a:buClr>
+                <a:srgbClr val="000000"/>
+              </a:buClr>
+              <a:buFont typeface="Arial"/>
+              <a:defRPr sz="1600" b="0" i="0" u="none" strike="noStrike" cap="none">
+                <a:solidFill>
+                  <a:srgbClr val="000000"/>
+                </a:solidFill>
+                <a:latin typeface="Arial"/>
+                <a:ea typeface="Arial"/>
+                <a:cs typeface="Arial"/>
+                <a:sym typeface="Arial"/>
+              </a:defRPr>
+            </a:lvl1pPr>
+            <a:lvl2pPr marR="0" lvl="1" algn="l" rtl="0">
+              <a:lnSpc>
+                <a:spcPct val="100000"/>
+              </a:lnSpc>
+              <a:spcBef>
+                <a:spcPts val="0"/>
+              </a:spcBef>
+              <a:spcAft>
+                <a:spcPts val="0"/>
+              </a:spcAft>
+              <a:buClr>
+                <a:srgbClr val="000000"/>
+              </a:buClr>
+              <a:buFont typeface="Arial"/>
+              <a:defRPr sz="1600" b="0" i="0" u="none" strike="noStrike" cap="none">
+                <a:solidFill>
+                  <a:srgbClr val="000000"/>
+                </a:solidFill>
+                <a:latin typeface="Arial"/>
+                <a:ea typeface="Arial"/>
+                <a:cs typeface="Arial"/>
+                <a:sym typeface="Arial"/>
+              </a:defRPr>
+            </a:lvl2pPr>
+            <a:lvl3pPr marR="0" lvl="2" algn="l" rtl="0">
+              <a:lnSpc>
+                <a:spcPct val="100000"/>
+              </a:lnSpc>
+              <a:spcBef>
+                <a:spcPts val="0"/>
+              </a:spcBef>
+              <a:spcAft>
+                <a:spcPts val="0"/>
+              </a:spcAft>
+              <a:buClr>
+                <a:srgbClr val="000000"/>
+              </a:buClr>
+              <a:buFont typeface="Arial"/>
+              <a:defRPr sz="1600" b="0" i="0" u="none" strike="noStrike" cap="none">
+                <a:solidFill>
+                  <a:srgbClr val="000000"/>
+                </a:solidFill>
+                <a:latin typeface="Arial"/>
+                <a:ea typeface="Arial"/>
+                <a:cs typeface="Arial"/>
+                <a:sym typeface="Arial"/>
+              </a:defRPr>
+            </a:lvl3pPr>
+            <a:lvl4pPr marR="0" lvl="3" algn="l" rtl="0">
+              <a:lnSpc>
+                <a:spcPct val="100000"/>
+              </a:lnSpc>
+              <a:spcBef>
+                <a:spcPts val="0"/>
+              </a:spcBef>
+              <a:spcAft>
+                <a:spcPts val="0"/>
+              </a:spcAft>
+              <a:buClr>
+                <a:srgbClr val="000000"/>
+              </a:buClr>
+              <a:buFont typeface="Arial"/>
+              <a:defRPr sz="1600" b="0" i="0" u="none" strike="noStrike" cap="none">
+                <a:solidFill>
+                  <a:srgbClr val="000000"/>
+                </a:solidFill>
+                <a:latin typeface="Arial"/>
+                <a:ea typeface="Arial"/>
+                <a:cs typeface="Arial"/>
+                <a:sym typeface="Arial"/>
+              </a:defRPr>
+            </a:lvl4pPr>
+            <a:lvl5pPr marR="0" lvl="4" algn="l" rtl="0">
+              <a:lnSpc>
+                <a:spcPct val="100000"/>
+              </a:lnSpc>
+              <a:spcBef>
+                <a:spcPts val="0"/>
+              </a:spcBef>
+              <a:spcAft>
+                <a:spcPts val="0"/>
+              </a:spcAft>
+              <a:buClr>
+                <a:srgbClr val="000000"/>
+              </a:buClr>
+              <a:buFont typeface="Arial"/>
+              <a:defRPr sz="1600" b="0" i="0" u="none" strike="noStrike" cap="none">
+                <a:solidFill>
+                  <a:srgbClr val="000000"/>
+                </a:solidFill>
+                <a:latin typeface="Arial"/>
+                <a:ea typeface="Arial"/>
+                <a:cs typeface="Arial"/>
+                <a:sym typeface="Arial"/>
+              </a:defRPr>
+            </a:lvl5pPr>
+            <a:lvl6pPr marR="0" lvl="5" algn="l" rtl="0">
+              <a:lnSpc>
+                <a:spcPct val="100000"/>
+              </a:lnSpc>
+              <a:spcBef>
+                <a:spcPts val="0"/>
+              </a:spcBef>
+              <a:spcAft>
+                <a:spcPts val="0"/>
+              </a:spcAft>
+              <a:buClr>
+                <a:srgbClr val="000000"/>
+              </a:buClr>
+              <a:buFont typeface="Arial"/>
+              <a:defRPr sz="1600" b="0" i="0" u="none" strike="noStrike" cap="none">
+                <a:solidFill>
+                  <a:srgbClr val="000000"/>
+                </a:solidFill>
+                <a:latin typeface="Arial"/>
+                <a:ea typeface="Arial"/>
+                <a:cs typeface="Arial"/>
+                <a:sym typeface="Arial"/>
+              </a:defRPr>
+            </a:lvl6pPr>
+            <a:lvl7pPr marR="0" lvl="6" algn="l" rtl="0">
+              <a:lnSpc>
+                <a:spcPct val="100000"/>
+              </a:lnSpc>
+              <a:spcBef>
+                <a:spcPts val="0"/>
+              </a:spcBef>
+              <a:spcAft>
+                <a:spcPts val="0"/>
+              </a:spcAft>
+              <a:buClr>
+                <a:srgbClr val="000000"/>
+              </a:buClr>
+              <a:buFont typeface="Arial"/>
+              <a:defRPr sz="1600" b="0" i="0" u="none" strike="noStrike" cap="none">
+                <a:solidFill>
+                  <a:srgbClr val="000000"/>
+                </a:solidFill>
+                <a:latin typeface="Arial"/>
+                <a:ea typeface="Arial"/>
+                <a:cs typeface="Arial"/>
+                <a:sym typeface="Arial"/>
+              </a:defRPr>
+            </a:lvl7pPr>
+            <a:lvl8pPr marR="0" lvl="7" algn="l" rtl="0">
+              <a:lnSpc>
+                <a:spcPct val="100000"/>
+              </a:lnSpc>
+              <a:spcBef>
+                <a:spcPts val="0"/>
+              </a:spcBef>
+              <a:spcAft>
+                <a:spcPts val="0"/>
+              </a:spcAft>
+              <a:buClr>
+                <a:srgbClr val="000000"/>
+              </a:buClr>
+              <a:buFont typeface="Arial"/>
+              <a:defRPr sz="1600" b="0" i="0" u="none" strike="noStrike" cap="none">
+                <a:solidFill>
+                  <a:srgbClr val="000000"/>
+                </a:solidFill>
+                <a:latin typeface="Arial"/>
+                <a:ea typeface="Arial"/>
+                <a:cs typeface="Arial"/>
+                <a:sym typeface="Arial"/>
+              </a:defRPr>
+            </a:lvl8pPr>
+            <a:lvl9pPr marR="0" lvl="8" algn="l" rtl="0">
+              <a:lnSpc>
+                <a:spcPct val="100000"/>
+              </a:lnSpc>
+              <a:spcBef>
+                <a:spcPts val="0"/>
+              </a:spcBef>
+              <a:spcAft>
+                <a:spcPts val="0"/>
+              </a:spcAft>
+              <a:buClr>
+                <a:srgbClr val="000000"/>
+              </a:buClr>
+              <a:buFont typeface="Arial"/>
+              <a:defRPr sz="1600" b="0" i="0" u="none" strike="noStrike" cap="none">
+                <a:solidFill>
+                  <a:srgbClr val="000000"/>
+                </a:solidFill>
+                <a:latin typeface="Arial"/>
+                <a:ea typeface="Arial"/>
+                <a:cs typeface="Arial"/>
+                <a:sym typeface="Arial"/>
+              </a:defRPr>
+            </a:lvl9pPr>
+          </a:lstStyle>
+          <a:p>
+            <a:pPr algn="ctr"/>
+            <a:r>
+              <a:rPr lang="es-419" sz="1400" dirty="0">
+                <a:solidFill>
+                  <a:schemeClr val="dk1"/>
+                </a:solidFill>
+                <a:latin typeface="Calibri"/>
+                <a:ea typeface="Calibri"/>
+                <a:cs typeface="Calibri"/>
+                <a:sym typeface="Calibri"/>
+              </a:rPr>
+              <a:t>New meeting</a:t>
+            </a:r>
+            <a:br>
+              <a:rPr lang="es-419" sz="1400" dirty="0">
+                <a:solidFill>
+                  <a:schemeClr val="dk1"/>
+                </a:solidFill>
+                <a:latin typeface="Calibri"/>
+                <a:ea typeface="Calibri"/>
+                <a:cs typeface="Calibri"/>
+                <a:sym typeface="Calibri"/>
+              </a:rPr>
+            </a:br>
+            <a:r>
+              <a:rPr lang="es-419" sz="1400" dirty="0">
+                <a:solidFill>
+                  <a:schemeClr val="dk1"/>
+                </a:solidFill>
+                <a:latin typeface="Calibri"/>
+                <a:ea typeface="Calibri"/>
+                <a:cs typeface="Calibri"/>
+                <a:sym typeface="Calibri"/>
+              </a:rPr>
+              <a:t>[</a:t>
+            </a:r>
+            <a:r>
+              <a:rPr lang="es-419" sz="1400" dirty="0" err="1">
+                <a:solidFill>
+                  <a:schemeClr val="dk1"/>
+                </a:solidFill>
+                <a:latin typeface="Calibri"/>
+                <a:ea typeface="Calibri"/>
+                <a:cs typeface="Calibri"/>
+                <a:sym typeface="Calibri"/>
+              </a:rPr>
+              <a:t>field:name</a:t>
+            </a:r>
+            <a:endParaRPr sz="1400" dirty="0">
+              <a:solidFill>
+                <a:schemeClr val="dk1"/>
+              </a:solidFill>
+              <a:latin typeface="Calibri"/>
+              <a:ea typeface="Calibri"/>
+              <a:cs typeface="Calibri"/>
+              <a:sym typeface="Calibri"/>
+            </a:endParaRPr>
+          </a:p>
+          <a:p>
+            <a:pPr algn="ctr"/>
+            <a:r>
+              <a:rPr lang="es-419" sz="1400" dirty="0">
+                <a:solidFill>
+                  <a:schemeClr val="dk1"/>
+                </a:solidFill>
+                <a:latin typeface="Calibri"/>
+                <a:ea typeface="Calibri"/>
+                <a:cs typeface="Calibri"/>
+                <a:sym typeface="Calibri"/>
+              </a:rPr>
+              <a:t>field: date</a:t>
+            </a:r>
+            <a:endParaRPr sz="1400" dirty="0">
+              <a:solidFill>
+                <a:schemeClr val="dk1"/>
+              </a:solidFill>
+              <a:latin typeface="Calibri"/>
+              <a:ea typeface="Calibri"/>
+              <a:cs typeface="Calibri"/>
+              <a:sym typeface="Calibri"/>
+            </a:endParaRPr>
+          </a:p>
+          <a:p>
+            <a:pPr algn="ctr"/>
+            <a:r>
+              <a:rPr lang="es-419" sz="1400" dirty="0">
+                <a:solidFill>
+                  <a:schemeClr val="dk1"/>
+                </a:solidFill>
+                <a:latin typeface="Calibri"/>
+                <a:ea typeface="Calibri"/>
+                <a:cs typeface="Calibri"/>
+                <a:sym typeface="Calibri"/>
+              </a:rPr>
+              <a:t>field: </a:t>
+            </a:r>
+            <a:r>
+              <a:rPr lang="es-419" sz="1400" dirty="0" err="1">
+                <a:solidFill>
+                  <a:schemeClr val="dk1"/>
+                </a:solidFill>
+                <a:latin typeface="Calibri"/>
+                <a:ea typeface="Calibri"/>
+                <a:cs typeface="Calibri"/>
+                <a:sym typeface="Calibri"/>
+              </a:rPr>
+              <a:t>duration</a:t>
+            </a:r>
+            <a:endParaRPr sz="1400" dirty="0">
+              <a:solidFill>
+                <a:schemeClr val="dk1"/>
+              </a:solidFill>
+              <a:latin typeface="Calibri"/>
+              <a:ea typeface="Calibri"/>
+              <a:cs typeface="Calibri"/>
+              <a:sym typeface="Calibri"/>
+            </a:endParaRPr>
+          </a:p>
+          <a:p>
+            <a:pPr algn="ctr"/>
+            <a:r>
+              <a:rPr lang="es-419" sz="1400" dirty="0">
+                <a:solidFill>
+                  <a:schemeClr val="dk1"/>
+                </a:solidFill>
+                <a:latin typeface="Calibri"/>
+                <a:ea typeface="Calibri"/>
+                <a:cs typeface="Calibri"/>
+                <a:sym typeface="Calibri"/>
+              </a:rPr>
+              <a:t>field: </a:t>
+            </a:r>
+            <a:r>
+              <a:rPr lang="es-419" sz="1400" dirty="0" err="1">
+                <a:solidFill>
+                  <a:schemeClr val="dk1"/>
+                </a:solidFill>
+                <a:latin typeface="Calibri"/>
+                <a:ea typeface="Calibri"/>
+                <a:cs typeface="Calibri"/>
+                <a:sym typeface="Calibri"/>
+              </a:rPr>
+              <a:t>max</a:t>
+            </a:r>
+            <a:r>
+              <a:rPr lang="es-419" sz="1400" dirty="0">
+                <a:solidFill>
+                  <a:schemeClr val="dk1"/>
+                </a:solidFill>
+                <a:latin typeface="Calibri"/>
+                <a:ea typeface="Calibri"/>
+                <a:cs typeface="Calibri"/>
+                <a:sym typeface="Calibri"/>
+              </a:rPr>
+              <a:t> </a:t>
+            </a:r>
+            <a:r>
+              <a:rPr lang="es-419" sz="1400" dirty="0" err="1">
+                <a:solidFill>
+                  <a:schemeClr val="dk1"/>
+                </a:solidFill>
+                <a:latin typeface="Calibri"/>
+                <a:ea typeface="Calibri"/>
+                <a:cs typeface="Calibri"/>
+                <a:sym typeface="Calibri"/>
+              </a:rPr>
+              <a:t>participants</a:t>
+            </a:r>
+            <a:r>
+              <a:rPr lang="es-419" sz="1400" dirty="0">
+                <a:solidFill>
+                  <a:schemeClr val="dk1"/>
+                </a:solidFill>
+                <a:latin typeface="Calibri"/>
+                <a:ea typeface="Calibri"/>
+                <a:cs typeface="Calibri"/>
+                <a:sym typeface="Calibri"/>
+              </a:rPr>
+              <a:t>]</a:t>
+            </a:r>
+            <a:endParaRPr sz="1400" dirty="0">
+              <a:solidFill>
+                <a:schemeClr val="dk1"/>
+              </a:solidFill>
+              <a:latin typeface="Calibri"/>
+              <a:ea typeface="Calibri"/>
+              <a:cs typeface="Calibri"/>
+              <a:sym typeface="Calibri"/>
+            </a:endParaRPr>
+          </a:p>
+        </p:txBody>
+      </p:sp>
+      <p:sp>
+        <p:nvSpPr>
+          <p:cNvPr id="2" name="Google Shape;222;p34">
+            <a:extLst>
+              <a:ext uri="{FF2B5EF4-FFF2-40B4-BE49-F238E27FC236}">
+                <a16:creationId xmlns:a16="http://schemas.microsoft.com/office/drawing/2014/main" id="{C971E670-69E9-4F15-A823-70A4FE08B93E}"/>
+              </a:ext>
+            </a:extLst>
+          </p:cNvPr>
+          <p:cNvSpPr/>
+          <p:nvPr/>
+        </p:nvSpPr>
+        <p:spPr>
+          <a:xfrm>
+            <a:off x="2436906" y="5286200"/>
+            <a:ext cx="312000" cy="288000"/>
+          </a:xfrm>
+          <a:prstGeom prst="ellipse">
+            <a:avLst/>
+          </a:prstGeom>
+          <a:solidFill>
+            <a:schemeClr val="accent1"/>
+          </a:solidFill>
+          <a:ln w="25400" cap="flat" cmpd="sng">
+            <a:solidFill>
+              <a:srgbClr val="395E89"/>
+            </a:solidFill>
+            <a:prstDash val="solid"/>
+            <a:round/>
+            <a:headEnd type="none" w="sm" len="sm"/>
+            <a:tailEnd type="none" w="sm" len="sm"/>
+          </a:ln>
+        </p:spPr>
+        <p:txBody>
+          <a:bodyPr spcFirstLastPara="1" wrap="square" lIns="107269" tIns="53620" rIns="107269" bIns="53620" anchor="ctr" anchorCtr="0">
+            <a:noAutofit/>
+          </a:bodyPr>
+          <a:lstStyle/>
+          <a:p>
+            <a:pPr algn="ctr"/>
+            <a:endParaRPr sz="2100">
+              <a:solidFill>
+                <a:schemeClr val="lt1"/>
+              </a:solidFill>
+              <a:latin typeface="Calibri"/>
+              <a:ea typeface="Calibri"/>
+              <a:cs typeface="Calibri"/>
+              <a:sym typeface="Calibri"/>
+            </a:endParaRPr>
+          </a:p>
+        </p:txBody>
+      </p:sp>
+      <p:cxnSp>
+        <p:nvCxnSpPr>
+          <p:cNvPr id="59" name="Google Shape;223;p34">
+            <a:extLst>
+              <a:ext uri="{FF2B5EF4-FFF2-40B4-BE49-F238E27FC236}">
+                <a16:creationId xmlns:a16="http://schemas.microsoft.com/office/drawing/2014/main" id="{84319DF8-3CDE-4343-A51A-8EFBAF25550A}"/>
+              </a:ext>
+            </a:extLst>
+          </p:cNvPr>
+          <p:cNvCxnSpPr>
+            <a:cxnSpLocks/>
+            <a:endCxn id="224" idx="5"/>
+          </p:cNvCxnSpPr>
+          <p:nvPr/>
+        </p:nvCxnSpPr>
+        <p:spPr>
+          <a:xfrm flipV="1">
+            <a:off x="2737144" y="5452919"/>
+            <a:ext cx="5775199" cy="1600"/>
+          </a:xfrm>
+          <a:prstGeom prst="bentConnector3">
+            <a:avLst>
+              <a:gd name="adj1" fmla="val 50000"/>
+            </a:avLst>
+          </a:prstGeom>
+          <a:noFill/>
+          <a:ln w="25400" cap="flat" cmpd="sng">
+            <a:solidFill>
+              <a:schemeClr val="accent1"/>
+            </a:solidFill>
+            <a:prstDash val="solid"/>
+            <a:round/>
+            <a:headEnd type="none" w="sm" len="sm"/>
+            <a:tailEnd type="stealth" w="med" len="med"/>
+          </a:ln>
+          <a:effectLst>
+            <a:outerShdw blurRad="40000" dist="20000" dir="5400000" rotWithShape="0">
+              <a:srgbClr val="000000">
+                <a:alpha val="37650"/>
+              </a:srgbClr>
+            </a:outerShdw>
+          </a:effectLst>
+        </p:spPr>
+      </p:cxnSp>
+      <p:sp>
+        <p:nvSpPr>
+          <p:cNvPr id="4" name="Google Shape;226;p34">
+            <a:extLst>
+              <a:ext uri="{FF2B5EF4-FFF2-40B4-BE49-F238E27FC236}">
+                <a16:creationId xmlns:a16="http://schemas.microsoft.com/office/drawing/2014/main" id="{3D4F5E16-7401-4BA2-8D32-9C0F78A8BA4B}"/>
+              </a:ext>
+            </a:extLst>
+          </p:cNvPr>
+          <p:cNvSpPr txBox="1"/>
+          <p:nvPr/>
+        </p:nvSpPr>
+        <p:spPr>
+          <a:xfrm>
+            <a:off x="3257208" y="5778687"/>
+            <a:ext cx="2824147" cy="455600"/>
+          </a:xfrm>
+          <a:prstGeom prst="rect">
+            <a:avLst/>
+          </a:prstGeom>
+          <a:solidFill>
+            <a:schemeClr val="lt1"/>
+          </a:solidFill>
+          <a:ln w="25400" cap="flat" cmpd="sng">
+            <a:noFill/>
+            <a:prstDash val="solid"/>
+            <a:round/>
+            <a:headEnd type="none" w="sm" len="sm"/>
+            <a:tailEnd type="none" w="sm" len="sm"/>
+          </a:ln>
+        </p:spPr>
+        <p:txBody>
+          <a:bodyPr spcFirstLastPara="1" wrap="square" lIns="107269" tIns="53620" rIns="107269" bIns="53620" anchor="t" anchorCtr="0">
+            <a:noAutofit/>
+          </a:bodyPr>
+          <a:lstStyle/>
+          <a:p>
+            <a:r>
+              <a:rPr lang="es-419" dirty="0" err="1">
+                <a:solidFill>
+                  <a:schemeClr val="dk1"/>
+                </a:solidFill>
+                <a:latin typeface="Calibri"/>
+                <a:ea typeface="Calibri"/>
+                <a:cs typeface="Calibri"/>
+                <a:sym typeface="Calibri"/>
+              </a:rPr>
+              <a:t>participants</a:t>
+            </a:r>
+            <a:endParaRPr dirty="0">
+              <a:solidFill>
+                <a:schemeClr val="dk1"/>
+              </a:solidFill>
+              <a:latin typeface="Calibri"/>
+              <a:ea typeface="Calibri"/>
+              <a:cs typeface="Calibri"/>
+              <a:sym typeface="Calibri"/>
+            </a:endParaRPr>
+          </a:p>
+        </p:txBody>
+      </p:sp>
+      <p:cxnSp>
+        <p:nvCxnSpPr>
+          <p:cNvPr id="64" name="Google Shape;227;p34">
+            <a:extLst>
+              <a:ext uri="{FF2B5EF4-FFF2-40B4-BE49-F238E27FC236}">
+                <a16:creationId xmlns:a16="http://schemas.microsoft.com/office/drawing/2014/main" id="{9E85480D-4A48-45B0-BAB5-F5378FC08F39}"/>
+              </a:ext>
+            </a:extLst>
+          </p:cNvPr>
+          <p:cNvCxnSpPr>
+            <a:cxnSpLocks/>
+          </p:cNvCxnSpPr>
+          <p:nvPr/>
+        </p:nvCxnSpPr>
+        <p:spPr>
+          <a:xfrm flipV="1">
+            <a:off x="4451100" y="5452919"/>
+            <a:ext cx="829069" cy="322129"/>
+          </a:xfrm>
+          <a:prstGeom prst="straightConnector1">
+            <a:avLst/>
+          </a:prstGeom>
+          <a:noFill/>
+          <a:ln w="9525" cap="flat" cmpd="sng">
+            <a:solidFill>
+              <a:srgbClr val="4A7DBA"/>
+            </a:solidFill>
+            <a:prstDash val="solid"/>
+            <a:round/>
+            <a:headEnd type="none" w="sm" len="sm"/>
+            <a:tailEnd type="none" w="sm" len="sm"/>
+          </a:ln>
+        </p:spPr>
+      </p:cxnSp>
+      <p:sp>
+        <p:nvSpPr>
+          <p:cNvPr id="7" name="Google Shape;225;p34">
+            <a:extLst>
+              <a:ext uri="{FF2B5EF4-FFF2-40B4-BE49-F238E27FC236}">
+                <a16:creationId xmlns:a16="http://schemas.microsoft.com/office/drawing/2014/main" id="{7616E16A-7ED5-41B3-ABB4-9E3D3836E234}"/>
+              </a:ext>
+            </a:extLst>
+          </p:cNvPr>
+          <p:cNvSpPr txBox="1"/>
+          <p:nvPr/>
+        </p:nvSpPr>
+        <p:spPr>
+          <a:xfrm>
+            <a:off x="4613901" y="5024709"/>
+            <a:ext cx="901550" cy="369200"/>
+          </a:xfrm>
+          <a:prstGeom prst="rect">
+            <a:avLst/>
+          </a:prstGeom>
+          <a:noFill/>
+          <a:ln>
+            <a:noFill/>
+          </a:ln>
+        </p:spPr>
+        <p:txBody>
+          <a:bodyPr spcFirstLastPara="1" wrap="square" lIns="107269" tIns="53620" rIns="107269" bIns="53620" anchor="t" anchorCtr="0">
+            <a:noAutofit/>
+          </a:bodyPr>
+          <a:lstStyle/>
+          <a:p>
+            <a:r>
+              <a:rPr lang="es-419" sz="1900" dirty="0">
+                <a:solidFill>
+                  <a:schemeClr val="dk1"/>
+                </a:solidFill>
+                <a:latin typeface="Calibri"/>
+                <a:ea typeface="Calibri"/>
+                <a:cs typeface="Calibri"/>
+                <a:sym typeface="Calibri"/>
+              </a:rPr>
+              <a:t>submit</a:t>
             </a:r>
             <a:endParaRPr sz="2100" dirty="0">
               <a:solidFill>

--- a/Meetings management.pptx
+++ b/Meetings management.pptx
@@ -5,7 +5,7 @@
     <p:sldMasterId id="2147483671" r:id="rId1"/>
   </p:sldMasterIdLst>
   <p:notesMasterIdLst>
-    <p:notesMasterId r:id="rId13"/>
+    <p:notesMasterId r:id="rId16"/>
   </p:notesMasterIdLst>
   <p:sldIdLst>
     <p:sldId id="256" r:id="rId2"/>
@@ -18,7 +18,10 @@
     <p:sldId id="264" r:id="rId9"/>
     <p:sldId id="265" r:id="rId10"/>
     <p:sldId id="283" r:id="rId11"/>
-    <p:sldId id="287" r:id="rId12"/>
+    <p:sldId id="268" r:id="rId12"/>
+    <p:sldId id="310" r:id="rId13"/>
+    <p:sldId id="269" r:id="rId14"/>
+    <p:sldId id="287" r:id="rId15"/>
   </p:sldIdLst>
   <p:sldSz cx="9906000" cy="6858000" type="A4"/>
   <p:notesSz cx="6858000" cy="9144000"/>
@@ -831,6 +834,323 @@
 </file>
 
 <file path=ppt/notesSlides/notesSlide10.xml><?xml version="1.0" encoding="utf-8"?>
+<p:notes xmlns:a="http://schemas.openxmlformats.org/drawingml/2006/main" xmlns:r="http://schemas.openxmlformats.org/officeDocument/2006/relationships" xmlns:p="http://schemas.openxmlformats.org/presentationml/2006/main" showMasterSp="0" showMasterPhAnim="0">
+  <p:cSld>
+    <p:spTree>
+      <p:nvGrpSpPr>
+        <p:cNvPr id="1" name="Shape 268"/>
+        <p:cNvGrpSpPr/>
+        <p:nvPr/>
+      </p:nvGrpSpPr>
+      <p:grpSpPr>
+        <a:xfrm>
+          <a:off x="0" y="0"/>
+          <a:ext cx="0" cy="0"/>
+          <a:chOff x="0" y="0"/>
+          <a:chExt cx="0" cy="0"/>
+        </a:xfrm>
+      </p:grpSpPr>
+      <p:sp>
+        <p:nvSpPr>
+          <p:cNvPr id="269" name="Google Shape;269;g70e28bffb8_2_252:notes"/>
+          <p:cNvSpPr txBox="1">
+            <a:spLocks noGrp="1"/>
+          </p:cNvSpPr>
+          <p:nvPr>
+            <p:ph type="body" idx="1"/>
+          </p:nvPr>
+        </p:nvSpPr>
+        <p:spPr>
+          <a:xfrm>
+            <a:off x="685800" y="4343400"/>
+            <a:ext cx="5486400" cy="4114800"/>
+          </a:xfrm>
+          <a:prstGeom prst="rect">
+            <a:avLst/>
+          </a:prstGeom>
+        </p:spPr>
+        <p:txBody>
+          <a:bodyPr spcFirstLastPara="1" wrap="square" lIns="91425" tIns="91425" rIns="91425" bIns="91425" anchor="t" anchorCtr="0">
+            <a:noAutofit/>
+          </a:bodyPr>
+          <a:lstStyle/>
+          <a:p>
+            <a:pPr marL="0" lvl="0" indent="0" algn="l" rtl="0">
+              <a:spcBef>
+                <a:spcPts val="0"/>
+              </a:spcBef>
+              <a:spcAft>
+                <a:spcPts val="0"/>
+              </a:spcAft>
+              <a:buNone/>
+            </a:pPr>
+            <a:endParaRPr/>
+          </a:p>
+        </p:txBody>
+      </p:sp>
+      <p:sp>
+        <p:nvSpPr>
+          <p:cNvPr id="270" name="Google Shape;270;g70e28bffb8_2_252:notes"/>
+          <p:cNvSpPr>
+            <a:spLocks noGrp="1" noRot="1" noChangeAspect="1"/>
+          </p:cNvSpPr>
+          <p:nvPr>
+            <p:ph type="sldImg" idx="2"/>
+          </p:nvPr>
+        </p:nvSpPr>
+        <p:spPr>
+          <a:xfrm>
+            <a:off x="952500" y="685800"/>
+            <a:ext cx="4953000" cy="3429000"/>
+          </a:xfrm>
+          <a:custGeom>
+            <a:avLst/>
+            <a:gdLst/>
+            <a:ahLst/>
+            <a:cxnLst/>
+            <a:rect l="l" t="t" r="r" b="b"/>
+            <a:pathLst>
+              <a:path w="120000" h="120000" extrusionOk="0">
+                <a:moveTo>
+                  <a:pt x="0" y="0"/>
+                </a:moveTo>
+                <a:lnTo>
+                  <a:pt x="120000" y="0"/>
+                </a:lnTo>
+                <a:lnTo>
+                  <a:pt x="120000" y="120000"/>
+                </a:lnTo>
+                <a:lnTo>
+                  <a:pt x="0" y="120000"/>
+                </a:lnTo>
+                <a:close/>
+              </a:path>
+            </a:pathLst>
+          </a:custGeom>
+        </p:spPr>
+      </p:sp>
+    </p:spTree>
+  </p:cSld>
+  <p:clrMapOvr>
+    <a:masterClrMapping/>
+  </p:clrMapOvr>
+</p:notes>
+</file>
+
+<file path=ppt/notesSlides/notesSlide11.xml><?xml version="1.0" encoding="utf-8"?>
+<p:notes xmlns:a="http://schemas.openxmlformats.org/drawingml/2006/main" xmlns:r="http://schemas.openxmlformats.org/officeDocument/2006/relationships" xmlns:p="http://schemas.openxmlformats.org/presentationml/2006/main" showMasterSp="0" showMasterPhAnim="0">
+  <p:cSld>
+    <p:spTree>
+      <p:nvGrpSpPr>
+        <p:cNvPr id="1" name="Shape 268"/>
+        <p:cNvGrpSpPr/>
+        <p:nvPr/>
+      </p:nvGrpSpPr>
+      <p:grpSpPr>
+        <a:xfrm>
+          <a:off x="0" y="0"/>
+          <a:ext cx="0" cy="0"/>
+          <a:chOff x="0" y="0"/>
+          <a:chExt cx="0" cy="0"/>
+        </a:xfrm>
+      </p:grpSpPr>
+      <p:sp>
+        <p:nvSpPr>
+          <p:cNvPr id="269" name="Google Shape;269;g70e28bffb8_2_252:notes"/>
+          <p:cNvSpPr txBox="1">
+            <a:spLocks noGrp="1"/>
+          </p:cNvSpPr>
+          <p:nvPr>
+            <p:ph type="body" idx="1"/>
+          </p:nvPr>
+        </p:nvSpPr>
+        <p:spPr>
+          <a:xfrm>
+            <a:off x="685800" y="4343400"/>
+            <a:ext cx="5486400" cy="4114800"/>
+          </a:xfrm>
+          <a:prstGeom prst="rect">
+            <a:avLst/>
+          </a:prstGeom>
+        </p:spPr>
+        <p:txBody>
+          <a:bodyPr spcFirstLastPara="1" wrap="square" lIns="91425" tIns="91425" rIns="91425" bIns="91425" anchor="t" anchorCtr="0">
+            <a:noAutofit/>
+          </a:bodyPr>
+          <a:lstStyle/>
+          <a:p>
+            <a:pPr marL="0" lvl="0" indent="0" algn="l" rtl="0">
+              <a:spcBef>
+                <a:spcPts val="0"/>
+              </a:spcBef>
+              <a:spcAft>
+                <a:spcPts val="0"/>
+              </a:spcAft>
+              <a:buNone/>
+            </a:pPr>
+            <a:endParaRPr/>
+          </a:p>
+        </p:txBody>
+      </p:sp>
+      <p:sp>
+        <p:nvSpPr>
+          <p:cNvPr id="270" name="Google Shape;270;g70e28bffb8_2_252:notes"/>
+          <p:cNvSpPr>
+            <a:spLocks noGrp="1" noRot="1" noChangeAspect="1"/>
+          </p:cNvSpPr>
+          <p:nvPr>
+            <p:ph type="sldImg" idx="2"/>
+          </p:nvPr>
+        </p:nvSpPr>
+        <p:spPr>
+          <a:xfrm>
+            <a:off x="952500" y="685800"/>
+            <a:ext cx="4953000" cy="3429000"/>
+          </a:xfrm>
+          <a:custGeom>
+            <a:avLst/>
+            <a:gdLst/>
+            <a:ahLst/>
+            <a:cxnLst/>
+            <a:rect l="l" t="t" r="r" b="b"/>
+            <a:pathLst>
+              <a:path w="120000" h="120000" extrusionOk="0">
+                <a:moveTo>
+                  <a:pt x="0" y="0"/>
+                </a:moveTo>
+                <a:lnTo>
+                  <a:pt x="120000" y="0"/>
+                </a:lnTo>
+                <a:lnTo>
+                  <a:pt x="120000" y="120000"/>
+                </a:lnTo>
+                <a:lnTo>
+                  <a:pt x="0" y="120000"/>
+                </a:lnTo>
+                <a:close/>
+              </a:path>
+            </a:pathLst>
+          </a:custGeom>
+        </p:spPr>
+      </p:sp>
+    </p:spTree>
+    <p:extLst>
+      <p:ext uri="{BB962C8B-B14F-4D97-AF65-F5344CB8AC3E}">
+        <p14:creationId xmlns:p14="http://schemas.microsoft.com/office/powerpoint/2010/main" val="763527651"/>
+      </p:ext>
+    </p:extLst>
+  </p:cSld>
+  <p:clrMapOvr>
+    <a:masterClrMapping/>
+  </p:clrMapOvr>
+</p:notes>
+</file>
+
+<file path=ppt/notesSlides/notesSlide12.xml><?xml version="1.0" encoding="utf-8"?>
+<p:notes xmlns:a="http://schemas.openxmlformats.org/drawingml/2006/main" xmlns:r="http://schemas.openxmlformats.org/officeDocument/2006/relationships" xmlns:p="http://schemas.openxmlformats.org/presentationml/2006/main" showMasterSp="0" showMasterPhAnim="0">
+  <p:cSld>
+    <p:spTree>
+      <p:nvGrpSpPr>
+        <p:cNvPr id="1" name="Shape 305"/>
+        <p:cNvGrpSpPr/>
+        <p:nvPr/>
+      </p:nvGrpSpPr>
+      <p:grpSpPr>
+        <a:xfrm>
+          <a:off x="0" y="0"/>
+          <a:ext cx="0" cy="0"/>
+          <a:chOff x="0" y="0"/>
+          <a:chExt cx="0" cy="0"/>
+        </a:xfrm>
+      </p:grpSpPr>
+      <p:sp>
+        <p:nvSpPr>
+          <p:cNvPr id="306" name="Google Shape;306;g7138c9699d_1_4:notes"/>
+          <p:cNvSpPr txBox="1">
+            <a:spLocks noGrp="1"/>
+          </p:cNvSpPr>
+          <p:nvPr>
+            <p:ph type="body" idx="1"/>
+          </p:nvPr>
+        </p:nvSpPr>
+        <p:spPr>
+          <a:xfrm>
+            <a:off x="685800" y="4343400"/>
+            <a:ext cx="5486400" cy="4114800"/>
+          </a:xfrm>
+          <a:prstGeom prst="rect">
+            <a:avLst/>
+          </a:prstGeom>
+        </p:spPr>
+        <p:txBody>
+          <a:bodyPr spcFirstLastPara="1" wrap="square" lIns="91425" tIns="91425" rIns="91425" bIns="91425" anchor="t" anchorCtr="0">
+            <a:noAutofit/>
+          </a:bodyPr>
+          <a:lstStyle/>
+          <a:p>
+            <a:pPr marL="0" lvl="0" indent="0" algn="l" rtl="0">
+              <a:spcBef>
+                <a:spcPts val="0"/>
+              </a:spcBef>
+              <a:spcAft>
+                <a:spcPts val="0"/>
+              </a:spcAft>
+              <a:buNone/>
+            </a:pPr>
+            <a:endParaRPr/>
+          </a:p>
+        </p:txBody>
+      </p:sp>
+      <p:sp>
+        <p:nvSpPr>
+          <p:cNvPr id="307" name="Google Shape;307;g7138c9699d_1_4:notes"/>
+          <p:cNvSpPr>
+            <a:spLocks noGrp="1" noRot="1" noChangeAspect="1"/>
+          </p:cNvSpPr>
+          <p:nvPr>
+            <p:ph type="sldImg" idx="2"/>
+          </p:nvPr>
+        </p:nvSpPr>
+        <p:spPr>
+          <a:xfrm>
+            <a:off x="952500" y="685800"/>
+            <a:ext cx="4953000" cy="3429000"/>
+          </a:xfrm>
+          <a:custGeom>
+            <a:avLst/>
+            <a:gdLst/>
+            <a:ahLst/>
+            <a:cxnLst/>
+            <a:rect l="l" t="t" r="r" b="b"/>
+            <a:pathLst>
+              <a:path w="120000" h="120000" extrusionOk="0">
+                <a:moveTo>
+                  <a:pt x="0" y="0"/>
+                </a:moveTo>
+                <a:lnTo>
+                  <a:pt x="120000" y="0"/>
+                </a:lnTo>
+                <a:lnTo>
+                  <a:pt x="120000" y="120000"/>
+                </a:lnTo>
+                <a:lnTo>
+                  <a:pt x="0" y="120000"/>
+                </a:lnTo>
+                <a:close/>
+              </a:path>
+            </a:pathLst>
+          </a:custGeom>
+        </p:spPr>
+      </p:sp>
+    </p:spTree>
+  </p:cSld>
+  <p:clrMapOvr>
+    <a:masterClrMapping/>
+  </p:clrMapOvr>
+</p:notes>
+</file>
+
+<file path=ppt/notesSlides/notesSlide13.xml><?xml version="1.0" encoding="utf-8"?>
 <p:notes xmlns:a="http://schemas.openxmlformats.org/drawingml/2006/main" xmlns:r="http://schemas.openxmlformats.org/officeDocument/2006/relationships" xmlns:p="http://schemas.openxmlformats.org/presentationml/2006/main">
   <p:cSld>
     <p:spTree>
@@ -12228,6 +12548,4786 @@
   <p:cSld>
     <p:spTree>
       <p:nvGrpSpPr>
+        <p:cNvPr id="1" name="Shape 271"/>
+        <p:cNvGrpSpPr/>
+        <p:nvPr/>
+      </p:nvGrpSpPr>
+      <p:grpSpPr>
+        <a:xfrm>
+          <a:off x="0" y="0"/>
+          <a:ext cx="0" cy="0"/>
+          <a:chOff x="0" y="0"/>
+          <a:chExt cx="0" cy="0"/>
+        </a:xfrm>
+      </p:grpSpPr>
+      <p:cxnSp>
+        <p:nvCxnSpPr>
+          <p:cNvPr id="9" name="Straight Connector 8"/>
+          <p:cNvCxnSpPr/>
+          <p:nvPr/>
+        </p:nvCxnSpPr>
+        <p:spPr>
+          <a:xfrm>
+            <a:off x="1029580" y="1648327"/>
+            <a:ext cx="0" cy="4426116"/>
+          </a:xfrm>
+          <a:prstGeom prst="line">
+            <a:avLst/>
+          </a:prstGeom>
+          <a:noFill/>
+          <a:ln w="38100" cap="flat" cmpd="sng">
+            <a:solidFill>
+              <a:schemeClr val="accent1"/>
+            </a:solidFill>
+            <a:prstDash val="dot"/>
+            <a:round/>
+            <a:headEnd type="none" w="sm" len="sm"/>
+            <a:tailEnd type="none" w="sm" len="sm"/>
+          </a:ln>
+          <a:effectLst>
+            <a:outerShdw blurRad="40000" dist="23000" dir="5400000" rotWithShape="0">
+              <a:srgbClr val="000000">
+                <a:alpha val="34901"/>
+              </a:srgbClr>
+            </a:outerShdw>
+          </a:effectLst>
+        </p:spPr>
+      </p:cxnSp>
+      <p:sp>
+        <p:nvSpPr>
+          <p:cNvPr id="272" name="Google Shape;272;p37"/>
+          <p:cNvSpPr txBox="1">
+            <a:spLocks noGrp="1"/>
+          </p:cNvSpPr>
+          <p:nvPr>
+            <p:ph type="title"/>
+          </p:nvPr>
+        </p:nvSpPr>
+        <p:spPr>
+          <a:xfrm>
+            <a:off x="495300" y="274633"/>
+            <a:ext cx="8915400" cy="1008000"/>
+          </a:xfrm>
+          <a:prstGeom prst="rect">
+            <a:avLst/>
+          </a:prstGeom>
+          <a:noFill/>
+          <a:ln>
+            <a:noFill/>
+          </a:ln>
+        </p:spPr>
+        <p:txBody>
+          <a:bodyPr spcFirstLastPara="1" wrap="square" lIns="107269" tIns="53620" rIns="107269" bIns="53620" anchor="ctr" anchorCtr="0">
+            <a:noAutofit/>
+          </a:bodyPr>
+          <a:lstStyle/>
+          <a:p>
+            <a:pPr>
+              <a:buSzPts val="4400"/>
+            </a:pPr>
+            <a:r>
+              <a:rPr lang="es-419" dirty="0" err="1"/>
+              <a:t>Event</a:t>
+            </a:r>
+            <a:r>
+              <a:rPr lang="es-419" dirty="0"/>
+              <a:t>: login</a:t>
+            </a:r>
+            <a:endParaRPr dirty="0"/>
+          </a:p>
+        </p:txBody>
+      </p:sp>
+      <p:sp>
+        <p:nvSpPr>
+          <p:cNvPr id="273" name="Google Shape;273;p37"/>
+          <p:cNvSpPr/>
+          <p:nvPr/>
+        </p:nvSpPr>
+        <p:spPr>
+          <a:xfrm>
+            <a:off x="2318370" y="1130084"/>
+            <a:ext cx="1424150" cy="381200"/>
+          </a:xfrm>
+          <a:prstGeom prst="rect">
+            <a:avLst/>
+          </a:prstGeom>
+          <a:solidFill>
+            <a:schemeClr val="tx2">
+              <a:lumMod val="20000"/>
+              <a:lumOff val="80000"/>
+            </a:schemeClr>
+          </a:solidFill>
+          <a:ln w="25400" cap="flat" cmpd="sng">
+            <a:solidFill>
+              <a:schemeClr val="accent1"/>
+            </a:solidFill>
+            <a:prstDash val="solid"/>
+            <a:round/>
+            <a:headEnd type="none" w="sm" len="sm"/>
+            <a:tailEnd type="none" w="sm" len="sm"/>
+          </a:ln>
+        </p:spPr>
+        <p:txBody>
+          <a:bodyPr spcFirstLastPara="1" wrap="square" lIns="107269" tIns="53620" rIns="107269" bIns="53620" anchor="ctr" anchorCtr="0">
+            <a:noAutofit/>
+          </a:bodyPr>
+          <a:lstStyle/>
+          <a:p>
+            <a:pPr algn="ctr"/>
+            <a:r>
+              <a:rPr lang="es-419" sz="1200" dirty="0">
+                <a:solidFill>
+                  <a:schemeClr val="dk1"/>
+                </a:solidFill>
+                <a:latin typeface="Calibri"/>
+                <a:ea typeface="Calibri"/>
+                <a:cs typeface="Calibri"/>
+                <a:sym typeface="Calibri"/>
+              </a:rPr>
+              <a:t>CheckLogin</a:t>
+            </a:r>
+            <a:endParaRPr sz="1200" dirty="0">
+              <a:solidFill>
+                <a:schemeClr val="dk1"/>
+              </a:solidFill>
+              <a:latin typeface="Calibri"/>
+              <a:ea typeface="Calibri"/>
+              <a:cs typeface="Calibri"/>
+              <a:sym typeface="Calibri"/>
+            </a:endParaRPr>
+          </a:p>
+        </p:txBody>
+      </p:sp>
+      <p:cxnSp>
+        <p:nvCxnSpPr>
+          <p:cNvPr id="274" name="Google Shape;274;p37"/>
+          <p:cNvCxnSpPr/>
+          <p:nvPr/>
+        </p:nvCxnSpPr>
+        <p:spPr>
+          <a:xfrm>
+            <a:off x="3016797" y="1511284"/>
+            <a:ext cx="0" cy="4916807"/>
+          </a:xfrm>
+          <a:prstGeom prst="straightConnector1">
+            <a:avLst/>
+          </a:prstGeom>
+          <a:noFill/>
+          <a:ln w="38100" cap="flat" cmpd="sng">
+            <a:solidFill>
+              <a:schemeClr val="accent1"/>
+            </a:solidFill>
+            <a:prstDash val="dot"/>
+            <a:round/>
+            <a:headEnd type="none" w="sm" len="sm"/>
+            <a:tailEnd type="none" w="sm" len="sm"/>
+          </a:ln>
+          <a:effectLst>
+            <a:outerShdw blurRad="40000" dist="23000" dir="5400000" rotWithShape="0">
+              <a:srgbClr val="000000">
+                <a:alpha val="34901"/>
+              </a:srgbClr>
+            </a:outerShdw>
+          </a:effectLst>
+        </p:spPr>
+      </p:cxnSp>
+      <p:cxnSp>
+        <p:nvCxnSpPr>
+          <p:cNvPr id="275" name="Google Shape;275;p37"/>
+          <p:cNvCxnSpPr/>
+          <p:nvPr/>
+        </p:nvCxnSpPr>
+        <p:spPr>
+          <a:xfrm>
+            <a:off x="1243196" y="2092243"/>
+            <a:ext cx="1752997" cy="0"/>
+          </a:xfrm>
+          <a:prstGeom prst="straightConnector1">
+            <a:avLst/>
+          </a:prstGeom>
+          <a:noFill/>
+          <a:ln w="25400" cap="flat" cmpd="sng">
+            <a:solidFill>
+              <a:schemeClr val="accent1"/>
+            </a:solidFill>
+            <a:prstDash val="solid"/>
+            <a:round/>
+            <a:headEnd type="none" w="sm" len="sm"/>
+            <a:tailEnd type="stealth" w="med" len="med"/>
+          </a:ln>
+          <a:effectLst>
+            <a:outerShdw blurRad="40000" dist="20000" dir="5400000" rotWithShape="0">
+              <a:srgbClr val="000000">
+                <a:alpha val="37647"/>
+              </a:srgbClr>
+            </a:outerShdw>
+          </a:effectLst>
+        </p:spPr>
+      </p:cxnSp>
+      <p:sp>
+        <p:nvSpPr>
+          <p:cNvPr id="276" name="Google Shape;276;p37"/>
+          <p:cNvSpPr txBox="1"/>
+          <p:nvPr/>
+        </p:nvSpPr>
+        <p:spPr>
+          <a:xfrm>
+            <a:off x="1252562" y="1795709"/>
+            <a:ext cx="991900" cy="621064"/>
+          </a:xfrm>
+          <a:prstGeom prst="rect">
+            <a:avLst/>
+          </a:prstGeom>
+          <a:noFill/>
+          <a:ln>
+            <a:noFill/>
+          </a:ln>
+        </p:spPr>
+        <p:txBody>
+          <a:bodyPr spcFirstLastPara="1" wrap="square" lIns="107269" tIns="53620" rIns="107269" bIns="53620" anchor="t" anchorCtr="0">
+            <a:noAutofit/>
+          </a:bodyPr>
+          <a:lstStyle/>
+          <a:p>
+            <a:r>
+              <a:rPr lang="es-419" sz="1400" dirty="0">
+                <a:solidFill>
+                  <a:schemeClr val="dk1"/>
+                </a:solidFill>
+                <a:latin typeface="Calibri"/>
+                <a:ea typeface="Calibri"/>
+                <a:cs typeface="Calibri"/>
+                <a:sym typeface="Calibri"/>
+              </a:rPr>
+              <a:t>AJAX POST username password</a:t>
+            </a:r>
+            <a:endParaRPr sz="1400" dirty="0">
+              <a:solidFill>
+                <a:schemeClr val="dk1"/>
+              </a:solidFill>
+              <a:latin typeface="Calibri"/>
+              <a:ea typeface="Calibri"/>
+              <a:cs typeface="Calibri"/>
+              <a:sym typeface="Calibri"/>
+            </a:endParaRPr>
+          </a:p>
+        </p:txBody>
+      </p:sp>
+      <p:sp>
+        <p:nvSpPr>
+          <p:cNvPr id="278" name="Google Shape;278;p37"/>
+          <p:cNvSpPr/>
+          <p:nvPr/>
+        </p:nvSpPr>
+        <p:spPr>
+          <a:xfrm>
+            <a:off x="4499693" y="1130084"/>
+            <a:ext cx="1066000" cy="381200"/>
+          </a:xfrm>
+          <a:prstGeom prst="rect">
+            <a:avLst/>
+          </a:prstGeom>
+          <a:solidFill>
+            <a:schemeClr val="tx2">
+              <a:lumMod val="20000"/>
+              <a:lumOff val="80000"/>
+            </a:schemeClr>
+          </a:solidFill>
+          <a:ln w="25400" cap="flat" cmpd="sng">
+            <a:solidFill>
+              <a:schemeClr val="accent1"/>
+            </a:solidFill>
+            <a:prstDash val="solid"/>
+            <a:round/>
+            <a:headEnd type="none" w="sm" len="sm"/>
+            <a:tailEnd type="none" w="sm" len="sm"/>
+          </a:ln>
+        </p:spPr>
+        <p:txBody>
+          <a:bodyPr spcFirstLastPara="1" wrap="square" lIns="107269" tIns="53620" rIns="107269" bIns="53620" anchor="ctr" anchorCtr="0">
+            <a:noAutofit/>
+          </a:bodyPr>
+          <a:lstStyle/>
+          <a:p>
+            <a:pPr algn="ctr"/>
+            <a:r>
+              <a:rPr lang="es-419" sz="1200" dirty="0">
+                <a:solidFill>
+                  <a:schemeClr val="dk1"/>
+                </a:solidFill>
+                <a:latin typeface="Calibri"/>
+                <a:ea typeface="Calibri"/>
+                <a:cs typeface="Calibri"/>
+                <a:sym typeface="Calibri"/>
+              </a:rPr>
+              <a:t>UserDAO</a:t>
+            </a:r>
+            <a:endParaRPr sz="1200" dirty="0">
+              <a:solidFill>
+                <a:schemeClr val="dk1"/>
+              </a:solidFill>
+              <a:latin typeface="Calibri"/>
+              <a:ea typeface="Calibri"/>
+              <a:cs typeface="Calibri"/>
+              <a:sym typeface="Calibri"/>
+            </a:endParaRPr>
+          </a:p>
+        </p:txBody>
+      </p:sp>
+      <p:cxnSp>
+        <p:nvCxnSpPr>
+          <p:cNvPr id="279" name="Google Shape;279;p37"/>
+          <p:cNvCxnSpPr/>
+          <p:nvPr/>
+        </p:nvCxnSpPr>
+        <p:spPr>
+          <a:xfrm flipH="1">
+            <a:off x="5021075" y="1631643"/>
+            <a:ext cx="44142" cy="4796448"/>
+          </a:xfrm>
+          <a:prstGeom prst="straightConnector1">
+            <a:avLst/>
+          </a:prstGeom>
+          <a:noFill/>
+          <a:ln w="38100" cap="flat" cmpd="sng">
+            <a:solidFill>
+              <a:schemeClr val="accent1"/>
+            </a:solidFill>
+            <a:prstDash val="dot"/>
+            <a:round/>
+            <a:headEnd type="none" w="sm" len="sm"/>
+            <a:tailEnd type="none" w="sm" len="sm"/>
+          </a:ln>
+          <a:effectLst>
+            <a:outerShdw blurRad="40000" dist="23000" dir="5400000" rotWithShape="0">
+              <a:srgbClr val="000000">
+                <a:alpha val="34901"/>
+              </a:srgbClr>
+            </a:outerShdw>
+          </a:effectLst>
+        </p:spPr>
+      </p:cxnSp>
+      <p:sp>
+        <p:nvSpPr>
+          <p:cNvPr id="282" name="Google Shape;282;p37"/>
+          <p:cNvSpPr/>
+          <p:nvPr/>
+        </p:nvSpPr>
+        <p:spPr>
+          <a:xfrm>
+            <a:off x="4900117" y="2905525"/>
+            <a:ext cx="330200" cy="1257200"/>
+          </a:xfrm>
+          <a:prstGeom prst="rect">
+            <a:avLst/>
+          </a:prstGeom>
+          <a:solidFill>
+            <a:schemeClr val="tx2">
+              <a:lumMod val="20000"/>
+              <a:lumOff val="80000"/>
+            </a:schemeClr>
+          </a:solidFill>
+          <a:ln w="25400" cap="flat" cmpd="sng">
+            <a:solidFill>
+              <a:schemeClr val="accent1"/>
+            </a:solidFill>
+            <a:prstDash val="solid"/>
+            <a:round/>
+            <a:headEnd type="none" w="sm" len="sm"/>
+            <a:tailEnd type="none" w="sm" len="sm"/>
+          </a:ln>
+        </p:spPr>
+        <p:txBody>
+          <a:bodyPr spcFirstLastPara="1" wrap="square" lIns="107269" tIns="53620" rIns="107269" bIns="53620" anchor="ctr" anchorCtr="0">
+            <a:noAutofit/>
+          </a:bodyPr>
+          <a:lstStyle/>
+          <a:p>
+            <a:pPr algn="ctr"/>
+            <a:endParaRPr sz="1400">
+              <a:solidFill>
+                <a:schemeClr val="dk1"/>
+              </a:solidFill>
+              <a:latin typeface="Calibri"/>
+              <a:ea typeface="Calibri"/>
+              <a:cs typeface="Calibri"/>
+              <a:sym typeface="Calibri"/>
+            </a:endParaRPr>
+          </a:p>
+        </p:txBody>
+      </p:sp>
+      <p:cxnSp>
+        <p:nvCxnSpPr>
+          <p:cNvPr id="283" name="Google Shape;283;p37"/>
+          <p:cNvCxnSpPr/>
+          <p:nvPr/>
+        </p:nvCxnSpPr>
+        <p:spPr>
+          <a:xfrm rot="10800000">
+            <a:off x="3158499" y="3852988"/>
+            <a:ext cx="1733550" cy="0"/>
+          </a:xfrm>
+          <a:prstGeom prst="straightConnector1">
+            <a:avLst/>
+          </a:prstGeom>
+          <a:noFill/>
+          <a:ln w="25400" cap="flat" cmpd="sng">
+            <a:solidFill>
+              <a:schemeClr val="accent1"/>
+            </a:solidFill>
+            <a:prstDash val="solid"/>
+            <a:round/>
+            <a:headEnd type="none" w="sm" len="sm"/>
+            <a:tailEnd type="stealth" w="med" len="med"/>
+          </a:ln>
+          <a:effectLst>
+            <a:outerShdw blurRad="40000" dist="20000" dir="5400000" rotWithShape="0">
+              <a:srgbClr val="000000">
+                <a:alpha val="37647"/>
+              </a:srgbClr>
+            </a:outerShdw>
+          </a:effectLst>
+        </p:spPr>
+      </p:cxnSp>
+      <p:sp>
+        <p:nvSpPr>
+          <p:cNvPr id="284" name="Google Shape;284;p37"/>
+          <p:cNvSpPr txBox="1"/>
+          <p:nvPr/>
+        </p:nvSpPr>
+        <p:spPr>
+          <a:xfrm>
+            <a:off x="3136107" y="3541054"/>
+            <a:ext cx="1231425" cy="369200"/>
+          </a:xfrm>
+          <a:prstGeom prst="rect">
+            <a:avLst/>
+          </a:prstGeom>
+          <a:noFill/>
+          <a:ln>
+            <a:noFill/>
+          </a:ln>
+        </p:spPr>
+        <p:txBody>
+          <a:bodyPr spcFirstLastPara="1" wrap="square" lIns="107269" tIns="53620" rIns="107269" bIns="53620" anchor="t" anchorCtr="0">
+            <a:noAutofit/>
+          </a:bodyPr>
+          <a:lstStyle/>
+          <a:p>
+            <a:r>
+              <a:rPr lang="es-419" sz="1400" dirty="0">
+                <a:solidFill>
+                  <a:schemeClr val="dk1"/>
+                </a:solidFill>
+                <a:latin typeface="Calibri"/>
+                <a:ea typeface="Calibri"/>
+                <a:cs typeface="Calibri"/>
+                <a:sym typeface="Calibri"/>
+              </a:rPr>
+              <a:t>user || null</a:t>
+            </a:r>
+            <a:endParaRPr sz="1400" dirty="0">
+              <a:solidFill>
+                <a:schemeClr val="dk1"/>
+              </a:solidFill>
+              <a:latin typeface="Calibri"/>
+              <a:ea typeface="Calibri"/>
+              <a:cs typeface="Calibri"/>
+              <a:sym typeface="Calibri"/>
+            </a:endParaRPr>
+          </a:p>
+        </p:txBody>
+      </p:sp>
+      <p:cxnSp>
+        <p:nvCxnSpPr>
+          <p:cNvPr id="293" name="Google Shape;293;p37"/>
+          <p:cNvCxnSpPr/>
+          <p:nvPr/>
+        </p:nvCxnSpPr>
+        <p:spPr>
+          <a:xfrm>
+            <a:off x="1181646" y="3056737"/>
+            <a:ext cx="1787251" cy="0"/>
+          </a:xfrm>
+          <a:prstGeom prst="straightConnector1">
+            <a:avLst/>
+          </a:prstGeom>
+          <a:noFill/>
+          <a:ln w="25400" cap="flat" cmpd="sng">
+            <a:solidFill>
+              <a:schemeClr val="accent1"/>
+            </a:solidFill>
+            <a:prstDash val="sysDash"/>
+            <a:round/>
+            <a:headEnd type="triangle" w="med" len="med"/>
+            <a:tailEnd type="none" w="med" len="med"/>
+          </a:ln>
+          <a:effectLst>
+            <a:outerShdw blurRad="40000" dist="20000" dir="5400000" rotWithShape="0">
+              <a:srgbClr val="000000">
+                <a:alpha val="37647"/>
+              </a:srgbClr>
+            </a:outerShdw>
+          </a:effectLst>
+        </p:spPr>
+      </p:cxnSp>
+      <p:sp>
+        <p:nvSpPr>
+          <p:cNvPr id="294" name="Google Shape;294;p37"/>
+          <p:cNvSpPr txBox="1"/>
+          <p:nvPr/>
+        </p:nvSpPr>
+        <p:spPr>
+          <a:xfrm>
+            <a:off x="-59695" y="1975879"/>
+            <a:ext cx="783021" cy="985034"/>
+          </a:xfrm>
+          <a:prstGeom prst="rect">
+            <a:avLst/>
+          </a:prstGeom>
+          <a:noFill/>
+          <a:ln>
+            <a:noFill/>
+          </a:ln>
+        </p:spPr>
+        <p:txBody>
+          <a:bodyPr spcFirstLastPara="1" wrap="square" lIns="107269" tIns="53620" rIns="107269" bIns="53620" anchor="t" anchorCtr="0">
+            <a:noAutofit/>
+          </a:bodyPr>
+          <a:lstStyle/>
+          <a:p>
+            <a:r>
+              <a:rPr lang="it-IT" sz="1400" dirty="0">
+                <a:solidFill>
+                  <a:schemeClr val="dk1"/>
+                </a:solidFill>
+                <a:latin typeface="Calibri"/>
+                <a:ea typeface="Calibri"/>
+                <a:cs typeface="Calibri"/>
+                <a:sym typeface="Calibri"/>
+              </a:rPr>
+              <a:t>Click</a:t>
+            </a:r>
+          </a:p>
+          <a:p>
+            <a:r>
+              <a:rPr lang="it-IT" sz="1400" dirty="0" err="1">
+                <a:solidFill>
+                  <a:schemeClr val="dk1"/>
+                </a:solidFill>
+                <a:latin typeface="Calibri"/>
+                <a:ea typeface="Calibri"/>
+                <a:cs typeface="Calibri"/>
+                <a:sym typeface="Calibri"/>
+              </a:rPr>
+              <a:t>submit</a:t>
+            </a:r>
+            <a:endParaRPr lang="it-IT" sz="1400" dirty="0">
+              <a:solidFill>
+                <a:schemeClr val="dk1"/>
+              </a:solidFill>
+              <a:latin typeface="Calibri"/>
+              <a:ea typeface="Calibri"/>
+              <a:cs typeface="Calibri"/>
+              <a:sym typeface="Calibri"/>
+            </a:endParaRPr>
+          </a:p>
+          <a:p>
+            <a:r>
+              <a:rPr lang="it-IT" sz="1400" dirty="0" err="1">
+                <a:solidFill>
+                  <a:schemeClr val="dk1"/>
+                </a:solidFill>
+                <a:latin typeface="Calibri"/>
+                <a:ea typeface="Calibri"/>
+                <a:cs typeface="Calibri"/>
+                <a:sym typeface="Calibri"/>
+              </a:rPr>
+              <a:t>button</a:t>
+            </a:r>
+            <a:endParaRPr sz="1400" dirty="0">
+              <a:solidFill>
+                <a:schemeClr val="dk1"/>
+              </a:solidFill>
+              <a:latin typeface="Calibri"/>
+              <a:ea typeface="Calibri"/>
+              <a:cs typeface="Calibri"/>
+              <a:sym typeface="Calibri"/>
+            </a:endParaRPr>
+          </a:p>
+        </p:txBody>
+      </p:sp>
+      <p:cxnSp>
+        <p:nvCxnSpPr>
+          <p:cNvPr id="295" name="Google Shape;295;p37"/>
+          <p:cNvCxnSpPr/>
+          <p:nvPr/>
+        </p:nvCxnSpPr>
+        <p:spPr>
+          <a:xfrm flipH="1">
+            <a:off x="7766316" y="1493836"/>
+            <a:ext cx="5200" cy="4949941"/>
+          </a:xfrm>
+          <a:prstGeom prst="straightConnector1">
+            <a:avLst/>
+          </a:prstGeom>
+          <a:noFill/>
+          <a:ln w="38100" cap="flat" cmpd="sng">
+            <a:solidFill>
+              <a:schemeClr val="accent1"/>
+            </a:solidFill>
+            <a:prstDash val="dot"/>
+            <a:round/>
+            <a:headEnd type="none" w="sm" len="sm"/>
+            <a:tailEnd type="none" w="sm" len="sm"/>
+          </a:ln>
+          <a:effectLst>
+            <a:outerShdw blurRad="40000" dist="23000" dir="5400000" rotWithShape="0">
+              <a:srgbClr val="000000">
+                <a:alpha val="34901"/>
+              </a:srgbClr>
+            </a:outerShdw>
+          </a:effectLst>
+        </p:spPr>
+      </p:cxnSp>
+      <p:sp>
+        <p:nvSpPr>
+          <p:cNvPr id="296" name="Google Shape;296;p37"/>
+          <p:cNvSpPr/>
+          <p:nvPr/>
+        </p:nvSpPr>
+        <p:spPr>
+          <a:xfrm>
+            <a:off x="7634402" y="5147809"/>
+            <a:ext cx="330200" cy="1152256"/>
+          </a:xfrm>
+          <a:prstGeom prst="rect">
+            <a:avLst/>
+          </a:prstGeom>
+          <a:solidFill>
+            <a:schemeClr val="lt1"/>
+          </a:solidFill>
+          <a:ln w="25400" cap="flat" cmpd="sng">
+            <a:solidFill>
+              <a:schemeClr val="accent1"/>
+            </a:solidFill>
+            <a:prstDash val="solid"/>
+            <a:round/>
+            <a:headEnd type="none" w="sm" len="sm"/>
+            <a:tailEnd type="none" w="sm" len="sm"/>
+          </a:ln>
+        </p:spPr>
+        <p:txBody>
+          <a:bodyPr spcFirstLastPara="1" wrap="square" lIns="107269" tIns="53620" rIns="107269" bIns="53620" anchor="ctr" anchorCtr="0">
+            <a:noAutofit/>
+          </a:bodyPr>
+          <a:lstStyle/>
+          <a:p>
+            <a:pPr algn="ctr"/>
+            <a:endParaRPr sz="1400">
+              <a:solidFill>
+                <a:schemeClr val="dk1"/>
+              </a:solidFill>
+              <a:latin typeface="Calibri"/>
+              <a:ea typeface="Calibri"/>
+              <a:cs typeface="Calibri"/>
+              <a:sym typeface="Calibri"/>
+            </a:endParaRPr>
+          </a:p>
+        </p:txBody>
+      </p:sp>
+      <p:sp>
+        <p:nvSpPr>
+          <p:cNvPr id="297" name="Google Shape;297;p37"/>
+          <p:cNvSpPr txBox="1"/>
+          <p:nvPr/>
+        </p:nvSpPr>
+        <p:spPr>
+          <a:xfrm>
+            <a:off x="1218054" y="5830209"/>
+            <a:ext cx="2047680" cy="338400"/>
+          </a:xfrm>
+          <a:prstGeom prst="rect">
+            <a:avLst/>
+          </a:prstGeom>
+          <a:noFill/>
+          <a:ln>
+            <a:noFill/>
+          </a:ln>
+        </p:spPr>
+        <p:txBody>
+          <a:bodyPr spcFirstLastPara="1" wrap="square" lIns="107269" tIns="53620" rIns="107269" bIns="53620" anchor="t" anchorCtr="0">
+            <a:noAutofit/>
+          </a:bodyPr>
+          <a:lstStyle/>
+          <a:p>
+            <a:pPr algn="ctr"/>
+            <a:r>
+              <a:rPr lang="es-419" sz="1400" dirty="0">
+                <a:solidFill>
+                  <a:schemeClr val="dk1"/>
+                </a:solidFill>
+                <a:latin typeface="Calibri"/>
+                <a:ea typeface="Calibri"/>
+                <a:cs typeface="Calibri"/>
+                <a:sym typeface="Calibri"/>
+              </a:rPr>
+              <a:t>[status code == 200 ]</a:t>
+            </a:r>
+            <a:endParaRPr sz="1400" dirty="0">
+              <a:solidFill>
+                <a:schemeClr val="dk1"/>
+              </a:solidFill>
+              <a:latin typeface="Calibri"/>
+              <a:ea typeface="Calibri"/>
+              <a:cs typeface="Calibri"/>
+              <a:sym typeface="Calibri"/>
+            </a:endParaRPr>
+          </a:p>
+        </p:txBody>
+      </p:sp>
+      <p:sp>
+        <p:nvSpPr>
+          <p:cNvPr id="298" name="Google Shape;298;p37"/>
+          <p:cNvSpPr txBox="1"/>
+          <p:nvPr/>
+        </p:nvSpPr>
+        <p:spPr>
+          <a:xfrm>
+            <a:off x="1090833" y="2592130"/>
+            <a:ext cx="1478892" cy="467174"/>
+          </a:xfrm>
+          <a:prstGeom prst="rect">
+            <a:avLst/>
+          </a:prstGeom>
+          <a:noFill/>
+          <a:ln>
+            <a:noFill/>
+          </a:ln>
+        </p:spPr>
+        <p:txBody>
+          <a:bodyPr spcFirstLastPara="1" wrap="square" lIns="107269" tIns="53620" rIns="107269" bIns="53620" anchor="t" anchorCtr="0">
+            <a:noAutofit/>
+          </a:bodyPr>
+          <a:lstStyle/>
+          <a:p>
+            <a:pPr algn="ctr"/>
+            <a:r>
+              <a:rPr lang="es-419" sz="1400" dirty="0">
+                <a:solidFill>
+                  <a:schemeClr val="dk1"/>
+                </a:solidFill>
+                <a:latin typeface="Calibri"/>
+                <a:ea typeface="Calibri"/>
+                <a:cs typeface="Calibri"/>
+                <a:sym typeface="Calibri"/>
+              </a:rPr>
+              <a:t>[username || </a:t>
+            </a:r>
+            <a:br>
+              <a:rPr lang="es-419" sz="1400" dirty="0">
+                <a:solidFill>
+                  <a:schemeClr val="dk1"/>
+                </a:solidFill>
+                <a:latin typeface="Calibri"/>
+                <a:ea typeface="Calibri"/>
+                <a:cs typeface="Calibri"/>
+                <a:sym typeface="Calibri"/>
+              </a:rPr>
+            </a:br>
+            <a:r>
+              <a:rPr lang="es-419" sz="1400" dirty="0">
+                <a:solidFill>
+                  <a:schemeClr val="dk1"/>
+                </a:solidFill>
+                <a:latin typeface="Calibri"/>
+                <a:ea typeface="Calibri"/>
+                <a:cs typeface="Calibri"/>
+                <a:sym typeface="Calibri"/>
+              </a:rPr>
+              <a:t>pwd == null ]</a:t>
+            </a:r>
+          </a:p>
+          <a:p>
+            <a:pPr algn="ctr"/>
+            <a:r>
+              <a:rPr lang="en-US" sz="1400" dirty="0">
+                <a:solidFill>
+                  <a:schemeClr val="dk1"/>
+                </a:solidFill>
+                <a:latin typeface="Calibri"/>
+                <a:ea typeface="Calibri"/>
+                <a:cs typeface="Calibri"/>
+                <a:sym typeface="Calibri"/>
+              </a:rPr>
+              <a:t>s</a:t>
+            </a:r>
+            <a:r>
+              <a:rPr lang="es-419" sz="1400" dirty="0">
+                <a:solidFill>
+                  <a:schemeClr val="dk1"/>
+                </a:solidFill>
+                <a:latin typeface="Calibri"/>
+                <a:ea typeface="Calibri"/>
+                <a:cs typeface="Calibri"/>
+                <a:sym typeface="Calibri"/>
+              </a:rPr>
+              <a:t>tutus code 400</a:t>
+            </a:r>
+            <a:endParaRPr sz="1400" dirty="0">
+              <a:solidFill>
+                <a:schemeClr val="dk1"/>
+              </a:solidFill>
+              <a:latin typeface="Calibri"/>
+              <a:ea typeface="Calibri"/>
+              <a:cs typeface="Calibri"/>
+              <a:sym typeface="Calibri"/>
+            </a:endParaRPr>
+          </a:p>
+        </p:txBody>
+      </p:sp>
+      <p:cxnSp>
+        <p:nvCxnSpPr>
+          <p:cNvPr id="299" name="Google Shape;299;p37"/>
+          <p:cNvCxnSpPr>
+            <a:cxnSpLocks/>
+          </p:cNvCxnSpPr>
+          <p:nvPr/>
+        </p:nvCxnSpPr>
+        <p:spPr>
+          <a:xfrm flipV="1">
+            <a:off x="1181646" y="5818273"/>
+            <a:ext cx="6355623" cy="36436"/>
+          </a:xfrm>
+          <a:prstGeom prst="straightConnector1">
+            <a:avLst/>
+          </a:prstGeom>
+          <a:noFill/>
+          <a:ln w="25400" cap="flat" cmpd="sng">
+            <a:solidFill>
+              <a:schemeClr val="accent1"/>
+            </a:solidFill>
+            <a:prstDash val="solid"/>
+            <a:round/>
+            <a:headEnd type="none" w="sm" len="sm"/>
+            <a:tailEnd type="stealth" w="med" len="med"/>
+          </a:ln>
+          <a:effectLst>
+            <a:outerShdw blurRad="40000" dist="20000" dir="5400000" rotWithShape="0">
+              <a:srgbClr val="000000">
+                <a:alpha val="37647"/>
+              </a:srgbClr>
+            </a:outerShdw>
+          </a:effectLst>
+        </p:spPr>
+      </p:cxnSp>
+      <p:cxnSp>
+        <p:nvCxnSpPr>
+          <p:cNvPr id="300" name="Google Shape;300;p37"/>
+          <p:cNvCxnSpPr/>
+          <p:nvPr/>
+        </p:nvCxnSpPr>
+        <p:spPr>
+          <a:xfrm rot="10800000" flipH="1">
+            <a:off x="3153315" y="3330515"/>
+            <a:ext cx="1739725" cy="0"/>
+          </a:xfrm>
+          <a:prstGeom prst="straightConnector1">
+            <a:avLst/>
+          </a:prstGeom>
+          <a:noFill/>
+          <a:ln w="25400" cap="flat" cmpd="sng">
+            <a:solidFill>
+              <a:schemeClr val="accent1"/>
+            </a:solidFill>
+            <a:prstDash val="solid"/>
+            <a:round/>
+            <a:headEnd type="none" w="med" len="med"/>
+            <a:tailEnd type="triangle" w="med" len="med"/>
+          </a:ln>
+          <a:effectLst>
+            <a:outerShdw blurRad="40000" dist="20000" dir="5400000" rotWithShape="0">
+              <a:srgbClr val="000000">
+                <a:alpha val="37650"/>
+              </a:srgbClr>
+            </a:outerShdw>
+          </a:effectLst>
+        </p:spPr>
+      </p:cxnSp>
+      <p:sp>
+        <p:nvSpPr>
+          <p:cNvPr id="301" name="Google Shape;301;p37"/>
+          <p:cNvSpPr txBox="1"/>
+          <p:nvPr/>
+        </p:nvSpPr>
+        <p:spPr>
+          <a:xfrm>
+            <a:off x="3129006" y="3050109"/>
+            <a:ext cx="1740050" cy="482246"/>
+          </a:xfrm>
+          <a:prstGeom prst="rect">
+            <a:avLst/>
+          </a:prstGeom>
+          <a:noFill/>
+          <a:ln>
+            <a:noFill/>
+          </a:ln>
+        </p:spPr>
+        <p:txBody>
+          <a:bodyPr spcFirstLastPara="1" wrap="square" lIns="107269" tIns="53620" rIns="107269" bIns="53620" anchor="t" anchorCtr="0">
+            <a:noAutofit/>
+          </a:bodyPr>
+          <a:lstStyle/>
+          <a:p>
+            <a:pPr>
+              <a:spcAft>
+                <a:spcPts val="200"/>
+              </a:spcAft>
+            </a:pPr>
+            <a:r>
+              <a:rPr lang="es-419" sz="1400" dirty="0">
+                <a:solidFill>
+                  <a:schemeClr val="dk1"/>
+                </a:solidFill>
+                <a:latin typeface="Calibri"/>
+                <a:ea typeface="Calibri"/>
+                <a:cs typeface="Calibri"/>
+                <a:sym typeface="Calibri"/>
+              </a:rPr>
+              <a:t>checkCredentials</a:t>
+            </a:r>
+          </a:p>
+          <a:p>
+            <a:r>
+              <a:rPr lang="es-419" sz="1400" dirty="0">
+                <a:solidFill>
+                  <a:schemeClr val="dk1"/>
+                </a:solidFill>
+                <a:latin typeface="Calibri"/>
+                <a:ea typeface="Calibri"/>
+                <a:cs typeface="Calibri"/>
+                <a:sym typeface="Calibri"/>
+              </a:rPr>
+              <a:t>(user, pass)</a:t>
+            </a:r>
+            <a:endParaRPr sz="1400" dirty="0">
+              <a:solidFill>
+                <a:schemeClr val="dk1"/>
+              </a:solidFill>
+              <a:latin typeface="Calibri"/>
+              <a:ea typeface="Calibri"/>
+              <a:cs typeface="Calibri"/>
+              <a:sym typeface="Calibri"/>
+            </a:endParaRPr>
+          </a:p>
+        </p:txBody>
+      </p:sp>
+      <p:sp>
+        <p:nvSpPr>
+          <p:cNvPr id="302" name="Google Shape;302;p37"/>
+          <p:cNvSpPr/>
+          <p:nvPr/>
+        </p:nvSpPr>
+        <p:spPr>
+          <a:xfrm>
+            <a:off x="7349056" y="1106538"/>
+            <a:ext cx="808868" cy="369200"/>
+          </a:xfrm>
+          <a:prstGeom prst="rect">
+            <a:avLst/>
+          </a:prstGeom>
+          <a:solidFill>
+            <a:schemeClr val="lt1"/>
+          </a:solidFill>
+          <a:ln w="25400" cap="flat" cmpd="sng">
+            <a:solidFill>
+              <a:schemeClr val="accent1"/>
+            </a:solidFill>
+            <a:prstDash val="solid"/>
+            <a:round/>
+            <a:headEnd type="none" w="sm" len="sm"/>
+            <a:tailEnd type="none" w="sm" len="sm"/>
+          </a:ln>
+        </p:spPr>
+        <p:txBody>
+          <a:bodyPr spcFirstLastPara="1" wrap="square" lIns="107269" tIns="53620" rIns="107269" bIns="53620" anchor="ctr" anchorCtr="0">
+            <a:noAutofit/>
+          </a:bodyPr>
+          <a:lstStyle/>
+          <a:p>
+            <a:pPr algn="ctr"/>
+            <a:r>
+              <a:rPr lang="es-419" sz="1200" dirty="0">
+                <a:solidFill>
+                  <a:schemeClr val="dk1"/>
+                </a:solidFill>
+                <a:latin typeface="Calibri"/>
+                <a:ea typeface="Calibri"/>
+                <a:cs typeface="Calibri"/>
+                <a:sym typeface="Calibri"/>
+              </a:rPr>
+              <a:t>Window</a:t>
+            </a:r>
+            <a:endParaRPr sz="1200" dirty="0">
+              <a:solidFill>
+                <a:schemeClr val="dk1"/>
+              </a:solidFill>
+              <a:latin typeface="Calibri"/>
+              <a:ea typeface="Calibri"/>
+              <a:cs typeface="Calibri"/>
+              <a:sym typeface="Calibri"/>
+            </a:endParaRPr>
+          </a:p>
+        </p:txBody>
+      </p:sp>
+      <p:sp>
+        <p:nvSpPr>
+          <p:cNvPr id="35" name="Google Shape;290;p37"/>
+          <p:cNvSpPr/>
+          <p:nvPr/>
+        </p:nvSpPr>
+        <p:spPr>
+          <a:xfrm>
+            <a:off x="382133" y="994995"/>
+            <a:ext cx="1294894" cy="651379"/>
+          </a:xfrm>
+          <a:prstGeom prst="rect">
+            <a:avLst/>
+          </a:prstGeom>
+          <a:solidFill>
+            <a:schemeClr val="lt1"/>
+          </a:solidFill>
+          <a:ln w="25400" cap="flat" cmpd="sng">
+            <a:solidFill>
+              <a:schemeClr val="accent1"/>
+            </a:solidFill>
+            <a:prstDash val="solid"/>
+            <a:round/>
+            <a:headEnd type="none" w="sm" len="sm"/>
+            <a:tailEnd type="none" w="sm" len="sm"/>
+          </a:ln>
+        </p:spPr>
+        <p:txBody>
+          <a:bodyPr spcFirstLastPara="1" wrap="square" lIns="107269" tIns="53620" rIns="107269" bIns="53620" anchor="ctr" anchorCtr="0">
+            <a:noAutofit/>
+          </a:bodyPr>
+          <a:lstStyle/>
+          <a:p>
+            <a:pPr algn="ctr"/>
+            <a:r>
+              <a:rPr lang="es-419" sz="1200" dirty="0">
+                <a:solidFill>
+                  <a:schemeClr val="dk1"/>
+                </a:solidFill>
+                <a:latin typeface="Calibri"/>
+                <a:ea typeface="Calibri"/>
+                <a:cs typeface="Calibri"/>
+                <a:sym typeface="Calibri"/>
+              </a:rPr>
+              <a:t>index.html + checklogin.js</a:t>
+            </a:r>
+            <a:endParaRPr sz="1200" dirty="0">
+              <a:solidFill>
+                <a:schemeClr val="dk1"/>
+              </a:solidFill>
+              <a:latin typeface="Calibri"/>
+              <a:ea typeface="Calibri"/>
+              <a:cs typeface="Calibri"/>
+              <a:sym typeface="Calibri"/>
+            </a:endParaRPr>
+          </a:p>
+        </p:txBody>
+      </p:sp>
+      <p:sp>
+        <p:nvSpPr>
+          <p:cNvPr id="37" name="Google Shape;292;p37"/>
+          <p:cNvSpPr/>
+          <p:nvPr/>
+        </p:nvSpPr>
+        <p:spPr>
+          <a:xfrm>
+            <a:off x="858522" y="1873596"/>
+            <a:ext cx="342116" cy="4650030"/>
+          </a:xfrm>
+          <a:prstGeom prst="rect">
+            <a:avLst/>
+          </a:prstGeom>
+          <a:solidFill>
+            <a:schemeClr val="lt1"/>
+          </a:solidFill>
+          <a:ln w="25400" cap="flat" cmpd="sng">
+            <a:solidFill>
+              <a:schemeClr val="accent1"/>
+            </a:solidFill>
+            <a:prstDash val="solid"/>
+            <a:round/>
+            <a:headEnd type="none" w="sm" len="sm"/>
+            <a:tailEnd type="none" w="sm" len="sm"/>
+          </a:ln>
+        </p:spPr>
+        <p:txBody>
+          <a:bodyPr spcFirstLastPara="1" wrap="square" lIns="107269" tIns="53620" rIns="107269" bIns="53620" anchor="ctr" anchorCtr="0">
+            <a:noAutofit/>
+          </a:bodyPr>
+          <a:lstStyle/>
+          <a:p>
+            <a:pPr algn="ctr"/>
+            <a:endParaRPr sz="1400">
+              <a:solidFill>
+                <a:schemeClr val="dk1"/>
+              </a:solidFill>
+              <a:latin typeface="Calibri"/>
+              <a:ea typeface="Calibri"/>
+              <a:cs typeface="Calibri"/>
+              <a:sym typeface="Calibri"/>
+            </a:endParaRPr>
+          </a:p>
+        </p:txBody>
+      </p:sp>
+      <p:cxnSp>
+        <p:nvCxnSpPr>
+          <p:cNvPr id="50" name="Google Shape;293;p37"/>
+          <p:cNvCxnSpPr/>
+          <p:nvPr/>
+        </p:nvCxnSpPr>
+        <p:spPr>
+          <a:xfrm>
+            <a:off x="1195294" y="4046375"/>
+            <a:ext cx="1800899" cy="0"/>
+          </a:xfrm>
+          <a:prstGeom prst="straightConnector1">
+            <a:avLst/>
+          </a:prstGeom>
+          <a:noFill/>
+          <a:ln w="25400" cap="flat" cmpd="sng">
+            <a:solidFill>
+              <a:schemeClr val="accent1"/>
+            </a:solidFill>
+            <a:prstDash val="dash"/>
+            <a:round/>
+            <a:headEnd type="triangle" w="med" len="med"/>
+            <a:tailEnd type="none" w="med" len="med"/>
+          </a:ln>
+          <a:effectLst>
+            <a:outerShdw blurRad="40000" dist="20000" dir="5400000" rotWithShape="0">
+              <a:srgbClr val="000000">
+                <a:alpha val="37647"/>
+              </a:srgbClr>
+            </a:outerShdw>
+          </a:effectLst>
+        </p:spPr>
+      </p:cxnSp>
+      <p:sp>
+        <p:nvSpPr>
+          <p:cNvPr id="51" name="Google Shape;298;p37"/>
+          <p:cNvSpPr txBox="1"/>
+          <p:nvPr/>
+        </p:nvSpPr>
+        <p:spPr>
+          <a:xfrm>
+            <a:off x="1310774" y="3756625"/>
+            <a:ext cx="1494032" cy="467174"/>
+          </a:xfrm>
+          <a:prstGeom prst="rect">
+            <a:avLst/>
+          </a:prstGeom>
+          <a:noFill/>
+          <a:ln>
+            <a:noFill/>
+          </a:ln>
+        </p:spPr>
+        <p:txBody>
+          <a:bodyPr spcFirstLastPara="1" wrap="square" lIns="107269" tIns="53620" rIns="107269" bIns="53620" anchor="t" anchorCtr="0">
+            <a:noAutofit/>
+          </a:bodyPr>
+          <a:lstStyle/>
+          <a:p>
+            <a:pPr algn="ctr"/>
+            <a:r>
+              <a:rPr lang="es-419" sz="1400" dirty="0">
+                <a:solidFill>
+                  <a:schemeClr val="dk1"/>
+                </a:solidFill>
+                <a:latin typeface="Calibri"/>
+                <a:ea typeface="Calibri"/>
+                <a:cs typeface="Calibri"/>
+                <a:sym typeface="Calibri"/>
+              </a:rPr>
+              <a:t>[user  == null ]</a:t>
+            </a:r>
+          </a:p>
+          <a:p>
+            <a:pPr algn="ctr"/>
+            <a:r>
+              <a:rPr lang="en-US" sz="1400" dirty="0">
+                <a:solidFill>
+                  <a:schemeClr val="dk1"/>
+                </a:solidFill>
+                <a:latin typeface="Calibri"/>
+                <a:ea typeface="Calibri"/>
+                <a:cs typeface="Calibri"/>
+                <a:sym typeface="Calibri"/>
+              </a:rPr>
+              <a:t>s</a:t>
+            </a:r>
+            <a:r>
+              <a:rPr lang="es-419" sz="1400" dirty="0">
+                <a:solidFill>
+                  <a:schemeClr val="dk1"/>
+                </a:solidFill>
+                <a:latin typeface="Calibri"/>
+                <a:ea typeface="Calibri"/>
+                <a:cs typeface="Calibri"/>
+                <a:sym typeface="Calibri"/>
+              </a:rPr>
+              <a:t>tatus code 401</a:t>
+            </a:r>
+            <a:endParaRPr sz="1400" dirty="0">
+              <a:solidFill>
+                <a:schemeClr val="dk1"/>
+              </a:solidFill>
+              <a:latin typeface="Calibri"/>
+              <a:ea typeface="Calibri"/>
+              <a:cs typeface="Calibri"/>
+              <a:sym typeface="Calibri"/>
+            </a:endParaRPr>
+          </a:p>
+        </p:txBody>
+      </p:sp>
+      <p:sp>
+        <p:nvSpPr>
+          <p:cNvPr id="53" name="Google Shape;282;p37"/>
+          <p:cNvSpPr/>
+          <p:nvPr/>
+        </p:nvSpPr>
+        <p:spPr>
+          <a:xfrm>
+            <a:off x="71651" y="120557"/>
+            <a:ext cx="330200" cy="628400"/>
+          </a:xfrm>
+          <a:prstGeom prst="rect">
+            <a:avLst/>
+          </a:prstGeom>
+          <a:solidFill>
+            <a:schemeClr val="bg1"/>
+          </a:solidFill>
+          <a:ln w="25400" cap="flat" cmpd="sng">
+            <a:solidFill>
+              <a:schemeClr val="accent1"/>
+            </a:solidFill>
+            <a:prstDash val="solid"/>
+            <a:round/>
+            <a:headEnd type="none" w="sm" len="sm"/>
+            <a:tailEnd type="none" w="sm" len="sm"/>
+          </a:ln>
+        </p:spPr>
+        <p:txBody>
+          <a:bodyPr spcFirstLastPara="1" wrap="square" lIns="107269" tIns="53620" rIns="107269" bIns="53620" anchor="ctr" anchorCtr="0">
+            <a:noAutofit/>
+          </a:bodyPr>
+          <a:lstStyle/>
+          <a:p>
+            <a:pPr algn="ctr"/>
+            <a:endParaRPr sz="2100">
+              <a:solidFill>
+                <a:schemeClr val="dk1"/>
+              </a:solidFill>
+              <a:latin typeface="Calibri"/>
+              <a:ea typeface="Calibri"/>
+              <a:cs typeface="Calibri"/>
+              <a:sym typeface="Calibri"/>
+            </a:endParaRPr>
+          </a:p>
+        </p:txBody>
+      </p:sp>
+      <p:sp>
+        <p:nvSpPr>
+          <p:cNvPr id="15" name="TextBox 14"/>
+          <p:cNvSpPr txBox="1"/>
+          <p:nvPr/>
+        </p:nvSpPr>
+        <p:spPr>
+          <a:xfrm>
+            <a:off x="363168" y="434757"/>
+            <a:ext cx="1197764" cy="338554"/>
+          </a:xfrm>
+          <a:prstGeom prst="rect">
+            <a:avLst/>
+          </a:prstGeom>
+          <a:noFill/>
+        </p:spPr>
+        <p:txBody>
+          <a:bodyPr wrap="none" rtlCol="0">
+            <a:spAutoFit/>
+          </a:bodyPr>
+          <a:lstStyle/>
+          <a:p>
+            <a:r>
+              <a:rPr lang="en-US" dirty="0"/>
+              <a:t>Client side </a:t>
+            </a:r>
+          </a:p>
+        </p:txBody>
+      </p:sp>
+      <p:sp>
+        <p:nvSpPr>
+          <p:cNvPr id="55" name="Google Shape;282;p37"/>
+          <p:cNvSpPr/>
+          <p:nvPr/>
+        </p:nvSpPr>
+        <p:spPr>
+          <a:xfrm>
+            <a:off x="1643443" y="122829"/>
+            <a:ext cx="330200" cy="628400"/>
+          </a:xfrm>
+          <a:prstGeom prst="rect">
+            <a:avLst/>
+          </a:prstGeom>
+          <a:solidFill>
+            <a:schemeClr val="tx2">
+              <a:lumMod val="20000"/>
+              <a:lumOff val="80000"/>
+            </a:schemeClr>
+          </a:solidFill>
+          <a:ln w="25400" cap="flat" cmpd="sng">
+            <a:solidFill>
+              <a:schemeClr val="accent1"/>
+            </a:solidFill>
+            <a:prstDash val="solid"/>
+            <a:round/>
+            <a:headEnd type="none" w="sm" len="sm"/>
+            <a:tailEnd type="none" w="sm" len="sm"/>
+          </a:ln>
+        </p:spPr>
+        <p:txBody>
+          <a:bodyPr spcFirstLastPara="1" wrap="square" lIns="107269" tIns="53620" rIns="107269" bIns="53620" anchor="ctr" anchorCtr="0">
+            <a:noAutofit/>
+          </a:bodyPr>
+          <a:lstStyle/>
+          <a:p>
+            <a:pPr algn="ctr"/>
+            <a:endParaRPr sz="2100">
+              <a:solidFill>
+                <a:schemeClr val="dk1"/>
+              </a:solidFill>
+              <a:latin typeface="Calibri"/>
+              <a:ea typeface="Calibri"/>
+              <a:cs typeface="Calibri"/>
+              <a:sym typeface="Calibri"/>
+            </a:endParaRPr>
+          </a:p>
+        </p:txBody>
+      </p:sp>
+      <p:sp>
+        <p:nvSpPr>
+          <p:cNvPr id="56" name="TextBox 55"/>
+          <p:cNvSpPr txBox="1"/>
+          <p:nvPr/>
+        </p:nvSpPr>
+        <p:spPr>
+          <a:xfrm>
+            <a:off x="1934960" y="437029"/>
+            <a:ext cx="1279517" cy="338554"/>
+          </a:xfrm>
+          <a:prstGeom prst="rect">
+            <a:avLst/>
+          </a:prstGeom>
+          <a:noFill/>
+        </p:spPr>
+        <p:txBody>
+          <a:bodyPr wrap="none" rtlCol="0">
+            <a:spAutoFit/>
+          </a:bodyPr>
+          <a:lstStyle/>
+          <a:p>
+            <a:r>
+              <a:rPr lang="en-US" dirty="0"/>
+              <a:t>Server side </a:t>
+            </a:r>
+          </a:p>
+        </p:txBody>
+      </p:sp>
+      <p:cxnSp>
+        <p:nvCxnSpPr>
+          <p:cNvPr id="59" name="Google Shape;293;p37"/>
+          <p:cNvCxnSpPr/>
+          <p:nvPr/>
+        </p:nvCxnSpPr>
+        <p:spPr>
+          <a:xfrm>
+            <a:off x="1224862" y="4771991"/>
+            <a:ext cx="1771331" cy="0"/>
+          </a:xfrm>
+          <a:prstGeom prst="straightConnector1">
+            <a:avLst/>
+          </a:prstGeom>
+          <a:noFill/>
+          <a:ln w="25400" cap="flat" cmpd="sng">
+            <a:solidFill>
+              <a:schemeClr val="accent1"/>
+            </a:solidFill>
+            <a:prstDash val="dash"/>
+            <a:round/>
+            <a:headEnd type="triangle" w="med" len="med"/>
+            <a:tailEnd type="none" w="med" len="med"/>
+          </a:ln>
+          <a:effectLst>
+            <a:outerShdw blurRad="40000" dist="20000" dir="5400000" rotWithShape="0">
+              <a:srgbClr val="000000">
+                <a:alpha val="37647"/>
+              </a:srgbClr>
+            </a:outerShdw>
+          </a:effectLst>
+        </p:spPr>
+      </p:cxnSp>
+      <p:sp>
+        <p:nvSpPr>
+          <p:cNvPr id="60" name="Google Shape;298;p37"/>
+          <p:cNvSpPr txBox="1"/>
+          <p:nvPr/>
+        </p:nvSpPr>
+        <p:spPr>
+          <a:xfrm>
+            <a:off x="1310774" y="4495889"/>
+            <a:ext cx="1523600" cy="651920"/>
+          </a:xfrm>
+          <a:prstGeom prst="rect">
+            <a:avLst/>
+          </a:prstGeom>
+          <a:noFill/>
+          <a:ln>
+            <a:noFill/>
+          </a:ln>
+        </p:spPr>
+        <p:txBody>
+          <a:bodyPr spcFirstLastPara="1" wrap="square" lIns="107269" tIns="53620" rIns="107269" bIns="53620" anchor="t" anchorCtr="0">
+            <a:noAutofit/>
+          </a:bodyPr>
+          <a:lstStyle/>
+          <a:p>
+            <a:pPr algn="ctr"/>
+            <a:r>
+              <a:rPr lang="es-419" sz="1400" dirty="0">
+                <a:solidFill>
+                  <a:schemeClr val="dk1"/>
+                </a:solidFill>
+                <a:latin typeface="Calibri"/>
+                <a:ea typeface="Calibri"/>
+                <a:cs typeface="Calibri"/>
+                <a:sym typeface="Calibri"/>
+              </a:rPr>
+              <a:t>[user  != null ]</a:t>
+            </a:r>
+          </a:p>
+          <a:p>
+            <a:pPr algn="ctr"/>
+            <a:r>
+              <a:rPr lang="en-US" sz="1400" dirty="0">
+                <a:solidFill>
+                  <a:schemeClr val="dk1"/>
+                </a:solidFill>
+                <a:latin typeface="Calibri"/>
+                <a:ea typeface="Calibri"/>
+                <a:cs typeface="Calibri"/>
+                <a:sym typeface="Calibri"/>
+              </a:rPr>
+              <a:t>s</a:t>
+            </a:r>
+            <a:r>
+              <a:rPr lang="es-419" sz="1400" dirty="0">
+                <a:solidFill>
+                  <a:schemeClr val="dk1"/>
+                </a:solidFill>
+                <a:latin typeface="Calibri"/>
+                <a:ea typeface="Calibri"/>
+                <a:cs typeface="Calibri"/>
+                <a:sym typeface="Calibri"/>
+              </a:rPr>
+              <a:t>tatus code </a:t>
+            </a:r>
+            <a:r>
+              <a:rPr lang="en-US" sz="1400" dirty="0"/>
+              <a:t>200</a:t>
+            </a:r>
+          </a:p>
+          <a:p>
+            <a:pPr algn="ctr"/>
+            <a:r>
+              <a:rPr lang="en-US" sz="1400" dirty="0">
+                <a:solidFill>
+                  <a:schemeClr val="dk1"/>
+                </a:solidFill>
+                <a:latin typeface="Calibri"/>
+                <a:ea typeface="Calibri"/>
+                <a:cs typeface="Calibri"/>
+                <a:sym typeface="Calibri"/>
+              </a:rPr>
+              <a:t>username</a:t>
+            </a:r>
+            <a:endParaRPr sz="1400" dirty="0">
+              <a:solidFill>
+                <a:schemeClr val="dk1"/>
+              </a:solidFill>
+              <a:latin typeface="Calibri"/>
+              <a:ea typeface="Calibri"/>
+              <a:cs typeface="Calibri"/>
+              <a:sym typeface="Calibri"/>
+            </a:endParaRPr>
+          </a:p>
+        </p:txBody>
+      </p:sp>
+      <p:sp>
+        <p:nvSpPr>
+          <p:cNvPr id="87" name="Google Shape;297;p37"/>
+          <p:cNvSpPr txBox="1"/>
+          <p:nvPr/>
+        </p:nvSpPr>
+        <p:spPr>
+          <a:xfrm>
+            <a:off x="5336262" y="5882359"/>
+            <a:ext cx="2385914" cy="299897"/>
+          </a:xfrm>
+          <a:prstGeom prst="rect">
+            <a:avLst/>
+          </a:prstGeom>
+          <a:noFill/>
+          <a:ln>
+            <a:noFill/>
+          </a:ln>
+        </p:spPr>
+        <p:txBody>
+          <a:bodyPr spcFirstLastPara="1" wrap="square" lIns="107269" tIns="53620" rIns="107269" bIns="53620" anchor="t" anchorCtr="0">
+            <a:noAutofit/>
+          </a:bodyPr>
+          <a:lstStyle/>
+          <a:p>
+            <a:pPr algn="ctr"/>
+            <a:r>
+              <a:rPr lang="es-419" sz="1400" dirty="0">
+                <a:solidFill>
+                  <a:schemeClr val="dk1"/>
+                </a:solidFill>
+                <a:latin typeface="Calibri"/>
+                <a:ea typeface="Calibri"/>
+                <a:cs typeface="Calibri"/>
+                <a:sym typeface="Calibri"/>
+              </a:rPr>
+              <a:t>[location  = h</a:t>
+            </a:r>
+            <a:r>
+              <a:rPr lang="en-US" sz="1400" dirty="0">
+                <a:solidFill>
+                  <a:schemeClr val="dk1"/>
+                </a:solidFill>
+                <a:latin typeface="Calibri"/>
+                <a:ea typeface="Calibri"/>
+                <a:cs typeface="Calibri"/>
+                <a:sym typeface="Calibri"/>
+              </a:rPr>
+              <a:t>o</a:t>
+            </a:r>
+            <a:r>
+              <a:rPr lang="es-419" sz="1400" dirty="0">
+                <a:solidFill>
+                  <a:schemeClr val="dk1"/>
+                </a:solidFill>
+                <a:latin typeface="Calibri"/>
+                <a:ea typeface="Calibri"/>
+                <a:cs typeface="Calibri"/>
+                <a:sym typeface="Calibri"/>
+              </a:rPr>
+              <a:t>mePage.html]</a:t>
+            </a:r>
+            <a:endParaRPr sz="1400" dirty="0">
+              <a:solidFill>
+                <a:schemeClr val="dk1"/>
+              </a:solidFill>
+              <a:latin typeface="Calibri"/>
+              <a:ea typeface="Calibri"/>
+              <a:cs typeface="Calibri"/>
+              <a:sym typeface="Calibri"/>
+            </a:endParaRPr>
+          </a:p>
+        </p:txBody>
+      </p:sp>
+      <p:grpSp>
+        <p:nvGrpSpPr>
+          <p:cNvPr id="62" name="Group 61"/>
+          <p:cNvGrpSpPr/>
+          <p:nvPr/>
+        </p:nvGrpSpPr>
+        <p:grpSpPr>
+          <a:xfrm>
+            <a:off x="345527" y="4130029"/>
+            <a:ext cx="484693" cy="272090"/>
+            <a:chOff x="614149" y="4401223"/>
+            <a:chExt cx="484693" cy="507248"/>
+          </a:xfrm>
+        </p:grpSpPr>
+        <p:cxnSp>
+          <p:nvCxnSpPr>
+            <p:cNvPr id="52" name="Straight Connector 51"/>
+            <p:cNvCxnSpPr/>
+            <p:nvPr/>
+          </p:nvCxnSpPr>
+          <p:spPr>
+            <a:xfrm flipH="1">
+              <a:off x="614149" y="4401223"/>
+              <a:ext cx="484693" cy="0"/>
+            </a:xfrm>
+            <a:prstGeom prst="line">
+              <a:avLst/>
+            </a:prstGeom>
+            <a:ln w="28575">
+              <a:solidFill>
+                <a:srgbClr val="0070C0"/>
+              </a:solidFill>
+            </a:ln>
+          </p:spPr>
+          <p:style>
+            <a:lnRef idx="1">
+              <a:schemeClr val="accent1"/>
+            </a:lnRef>
+            <a:fillRef idx="0">
+              <a:schemeClr val="accent1"/>
+            </a:fillRef>
+            <a:effectRef idx="0">
+              <a:schemeClr val="accent1"/>
+            </a:effectRef>
+            <a:fontRef idx="minor">
+              <a:schemeClr val="tx1"/>
+            </a:fontRef>
+          </p:style>
+        </p:cxnSp>
+        <p:cxnSp>
+          <p:nvCxnSpPr>
+            <p:cNvPr id="57" name="Straight Connector 56"/>
+            <p:cNvCxnSpPr/>
+            <p:nvPr/>
+          </p:nvCxnSpPr>
+          <p:spPr>
+            <a:xfrm>
+              <a:off x="614149" y="4401223"/>
+              <a:ext cx="0" cy="505677"/>
+            </a:xfrm>
+            <a:prstGeom prst="line">
+              <a:avLst/>
+            </a:prstGeom>
+            <a:ln w="28575">
+              <a:solidFill>
+                <a:srgbClr val="0070C0"/>
+              </a:solidFill>
+            </a:ln>
+          </p:spPr>
+          <p:style>
+            <a:lnRef idx="1">
+              <a:schemeClr val="accent1"/>
+            </a:lnRef>
+            <a:fillRef idx="0">
+              <a:schemeClr val="accent1"/>
+            </a:fillRef>
+            <a:effectRef idx="0">
+              <a:schemeClr val="accent1"/>
+            </a:effectRef>
+            <a:fontRef idx="minor">
+              <a:schemeClr val="tx1"/>
+            </a:fontRef>
+          </p:style>
+        </p:cxnSp>
+        <p:cxnSp>
+          <p:nvCxnSpPr>
+            <p:cNvPr id="61" name="Straight Arrow Connector 60"/>
+            <p:cNvCxnSpPr/>
+            <p:nvPr/>
+          </p:nvCxnSpPr>
+          <p:spPr>
+            <a:xfrm>
+              <a:off x="614149" y="4908471"/>
+              <a:ext cx="484693" cy="0"/>
+            </a:xfrm>
+            <a:prstGeom prst="straightConnector1">
+              <a:avLst/>
+            </a:prstGeom>
+            <a:ln w="28575">
+              <a:solidFill>
+                <a:srgbClr val="0070C0"/>
+              </a:solidFill>
+              <a:tailEnd type="arrow"/>
+            </a:ln>
+          </p:spPr>
+          <p:style>
+            <a:lnRef idx="1">
+              <a:schemeClr val="accent1"/>
+            </a:lnRef>
+            <a:fillRef idx="0">
+              <a:schemeClr val="accent1"/>
+            </a:fillRef>
+            <a:effectRef idx="0">
+              <a:schemeClr val="accent1"/>
+            </a:effectRef>
+            <a:fontRef idx="minor">
+              <a:schemeClr val="tx1"/>
+            </a:fontRef>
+          </p:style>
+        </p:cxnSp>
+      </p:grpSp>
+      <p:sp>
+        <p:nvSpPr>
+          <p:cNvPr id="97" name="Google Shape;297;p37"/>
+          <p:cNvSpPr txBox="1"/>
+          <p:nvPr/>
+        </p:nvSpPr>
+        <p:spPr>
+          <a:xfrm>
+            <a:off x="-138883" y="3541054"/>
+            <a:ext cx="1100443" cy="555727"/>
+          </a:xfrm>
+          <a:prstGeom prst="rect">
+            <a:avLst/>
+          </a:prstGeom>
+          <a:noFill/>
+          <a:ln>
+            <a:noFill/>
+          </a:ln>
+        </p:spPr>
+        <p:txBody>
+          <a:bodyPr spcFirstLastPara="1" wrap="square" lIns="107269" tIns="53620" rIns="107269" bIns="53620" anchor="t" anchorCtr="0">
+            <a:noAutofit/>
+          </a:bodyPr>
+          <a:lstStyle/>
+          <a:p>
+            <a:pPr algn="ctr"/>
+            <a:r>
+              <a:rPr lang="it-IT" sz="1400" dirty="0">
+                <a:solidFill>
+                  <a:schemeClr val="dk1"/>
+                </a:solidFill>
+                <a:latin typeface="Calibri"/>
+                <a:ea typeface="Calibri"/>
+                <a:cs typeface="Calibri"/>
+                <a:sym typeface="Calibri"/>
+              </a:rPr>
+              <a:t>Show </a:t>
+            </a:r>
+            <a:r>
+              <a:rPr lang="it-IT" sz="1400" dirty="0" err="1">
+                <a:solidFill>
+                  <a:schemeClr val="dk1"/>
+                </a:solidFill>
+                <a:latin typeface="Calibri"/>
+                <a:ea typeface="Calibri"/>
+                <a:cs typeface="Calibri"/>
+                <a:sym typeface="Calibri"/>
+              </a:rPr>
+              <a:t>error</a:t>
+            </a:r>
+            <a:r>
+              <a:rPr lang="it-IT" sz="1400" dirty="0">
+                <a:solidFill>
+                  <a:schemeClr val="dk1"/>
+                </a:solidFill>
+                <a:latin typeface="Calibri"/>
+                <a:ea typeface="Calibri"/>
+                <a:cs typeface="Calibri"/>
+                <a:sym typeface="Calibri"/>
+              </a:rPr>
+              <a:t> msg</a:t>
+            </a:r>
+            <a:endParaRPr sz="1400" dirty="0">
+              <a:solidFill>
+                <a:schemeClr val="dk1"/>
+              </a:solidFill>
+              <a:latin typeface="Calibri"/>
+              <a:ea typeface="Calibri"/>
+              <a:cs typeface="Calibri"/>
+              <a:sym typeface="Calibri"/>
+            </a:endParaRPr>
+          </a:p>
+        </p:txBody>
+      </p:sp>
+      <p:cxnSp>
+        <p:nvCxnSpPr>
+          <p:cNvPr id="98" name="Google Shape;275;p37"/>
+          <p:cNvCxnSpPr/>
+          <p:nvPr/>
+        </p:nvCxnSpPr>
+        <p:spPr>
+          <a:xfrm>
+            <a:off x="71651" y="1975879"/>
+            <a:ext cx="783799" cy="0"/>
+          </a:xfrm>
+          <a:prstGeom prst="straightConnector1">
+            <a:avLst/>
+          </a:prstGeom>
+          <a:noFill/>
+          <a:ln w="25400" cap="flat" cmpd="sng">
+            <a:solidFill>
+              <a:schemeClr val="accent1"/>
+            </a:solidFill>
+            <a:prstDash val="solid"/>
+            <a:round/>
+            <a:headEnd type="none" w="sm" len="sm"/>
+            <a:tailEnd type="stealth" w="med" len="med"/>
+          </a:ln>
+          <a:effectLst>
+            <a:outerShdw blurRad="40000" dist="20000" dir="5400000" rotWithShape="0">
+              <a:srgbClr val="000000">
+                <a:alpha val="37647"/>
+              </a:srgbClr>
+            </a:outerShdw>
+          </a:effectLst>
+        </p:spPr>
+      </p:cxnSp>
+      <p:sp>
+        <p:nvSpPr>
+          <p:cNvPr id="54" name="Google Shape;297;p37"/>
+          <p:cNvSpPr txBox="1"/>
+          <p:nvPr/>
+        </p:nvSpPr>
+        <p:spPr>
+          <a:xfrm>
+            <a:off x="-98599" y="4402962"/>
+            <a:ext cx="1100443" cy="555727"/>
+          </a:xfrm>
+          <a:prstGeom prst="rect">
+            <a:avLst/>
+          </a:prstGeom>
+          <a:noFill/>
+          <a:ln>
+            <a:noFill/>
+          </a:ln>
+        </p:spPr>
+        <p:txBody>
+          <a:bodyPr spcFirstLastPara="1" wrap="square" lIns="107269" tIns="53620" rIns="107269" bIns="53620" anchor="t" anchorCtr="0">
+            <a:noAutofit/>
+          </a:bodyPr>
+          <a:lstStyle/>
+          <a:p>
+            <a:pPr algn="ctr"/>
+            <a:endParaRPr sz="1400" dirty="0">
+              <a:solidFill>
+                <a:schemeClr val="dk1"/>
+              </a:solidFill>
+              <a:latin typeface="Calibri"/>
+              <a:ea typeface="Calibri"/>
+              <a:cs typeface="Calibri"/>
+              <a:sym typeface="Calibri"/>
+            </a:endParaRPr>
+          </a:p>
+        </p:txBody>
+      </p:sp>
+      <p:cxnSp>
+        <p:nvCxnSpPr>
+          <p:cNvPr id="58" name="Google Shape;295;p37"/>
+          <p:cNvCxnSpPr/>
+          <p:nvPr/>
+        </p:nvCxnSpPr>
+        <p:spPr>
+          <a:xfrm>
+            <a:off x="6511698" y="1540207"/>
+            <a:ext cx="11040" cy="4858959"/>
+          </a:xfrm>
+          <a:prstGeom prst="straightConnector1">
+            <a:avLst/>
+          </a:prstGeom>
+          <a:noFill/>
+          <a:ln w="38100" cap="flat" cmpd="sng">
+            <a:solidFill>
+              <a:schemeClr val="accent1"/>
+            </a:solidFill>
+            <a:prstDash val="dot"/>
+            <a:round/>
+            <a:headEnd type="none" w="sm" len="sm"/>
+            <a:tailEnd type="none" w="sm" len="sm"/>
+          </a:ln>
+          <a:effectLst>
+            <a:outerShdw blurRad="40000" dist="23000" dir="5400000" rotWithShape="0">
+              <a:srgbClr val="000000">
+                <a:alpha val="34901"/>
+              </a:srgbClr>
+            </a:outerShdw>
+          </a:effectLst>
+        </p:spPr>
+      </p:cxnSp>
+      <p:sp>
+        <p:nvSpPr>
+          <p:cNvPr id="63" name="Google Shape;296;p37"/>
+          <p:cNvSpPr/>
+          <p:nvPr/>
+        </p:nvSpPr>
+        <p:spPr>
+          <a:xfrm>
+            <a:off x="6344155" y="4851818"/>
+            <a:ext cx="313904" cy="931949"/>
+          </a:xfrm>
+          <a:prstGeom prst="rect">
+            <a:avLst/>
+          </a:prstGeom>
+          <a:solidFill>
+            <a:schemeClr val="lt1"/>
+          </a:solidFill>
+          <a:ln w="25400" cap="flat" cmpd="sng">
+            <a:solidFill>
+              <a:schemeClr val="accent1"/>
+            </a:solidFill>
+            <a:prstDash val="solid"/>
+            <a:round/>
+            <a:headEnd type="none" w="sm" len="sm"/>
+            <a:tailEnd type="none" w="sm" len="sm"/>
+          </a:ln>
+        </p:spPr>
+        <p:txBody>
+          <a:bodyPr spcFirstLastPara="1" wrap="square" lIns="107269" tIns="53620" rIns="107269" bIns="53620" anchor="ctr" anchorCtr="0">
+            <a:noAutofit/>
+          </a:bodyPr>
+          <a:lstStyle/>
+          <a:p>
+            <a:pPr algn="ctr"/>
+            <a:endParaRPr sz="1400">
+              <a:solidFill>
+                <a:schemeClr val="dk1"/>
+              </a:solidFill>
+              <a:latin typeface="Calibri"/>
+              <a:ea typeface="Calibri"/>
+              <a:cs typeface="Calibri"/>
+              <a:sym typeface="Calibri"/>
+            </a:endParaRPr>
+          </a:p>
+        </p:txBody>
+      </p:sp>
+      <p:sp>
+        <p:nvSpPr>
+          <p:cNvPr id="64" name="Google Shape;302;p37"/>
+          <p:cNvSpPr/>
+          <p:nvPr/>
+        </p:nvSpPr>
+        <p:spPr>
+          <a:xfrm>
+            <a:off x="5970303" y="1103815"/>
+            <a:ext cx="1093830" cy="515985"/>
+          </a:xfrm>
+          <a:prstGeom prst="rect">
+            <a:avLst/>
+          </a:prstGeom>
+          <a:solidFill>
+            <a:schemeClr val="lt1"/>
+          </a:solidFill>
+          <a:ln w="25400" cap="flat" cmpd="sng">
+            <a:solidFill>
+              <a:schemeClr val="accent1"/>
+            </a:solidFill>
+            <a:prstDash val="solid"/>
+            <a:round/>
+            <a:headEnd type="none" w="sm" len="sm"/>
+            <a:tailEnd type="none" w="sm" len="sm"/>
+          </a:ln>
+        </p:spPr>
+        <p:txBody>
+          <a:bodyPr spcFirstLastPara="1" wrap="square" lIns="107269" tIns="53620" rIns="107269" bIns="53620" anchor="ctr" anchorCtr="0">
+            <a:noAutofit/>
+          </a:bodyPr>
+          <a:lstStyle/>
+          <a:p>
+            <a:pPr algn="ctr"/>
+            <a:r>
+              <a:rPr lang="es-419" sz="1200" dirty="0">
+                <a:solidFill>
+                  <a:schemeClr val="dk1"/>
+                </a:solidFill>
+                <a:latin typeface="Calibri"/>
+                <a:ea typeface="Calibri"/>
+                <a:cs typeface="Calibri"/>
+                <a:sym typeface="Calibri"/>
+              </a:rPr>
+              <a:t>Cookie</a:t>
+            </a:r>
+            <a:endParaRPr sz="1200" dirty="0">
+              <a:solidFill>
+                <a:schemeClr val="dk1"/>
+              </a:solidFill>
+              <a:latin typeface="Calibri"/>
+              <a:ea typeface="Calibri"/>
+              <a:cs typeface="Calibri"/>
+              <a:sym typeface="Calibri"/>
+            </a:endParaRPr>
+          </a:p>
+        </p:txBody>
+      </p:sp>
+      <p:cxnSp>
+        <p:nvCxnSpPr>
+          <p:cNvPr id="65" name="Google Shape;299;p37"/>
+          <p:cNvCxnSpPr>
+            <a:cxnSpLocks/>
+          </p:cNvCxnSpPr>
+          <p:nvPr/>
+        </p:nvCxnSpPr>
+        <p:spPr>
+          <a:xfrm>
+            <a:off x="1195294" y="5390676"/>
+            <a:ext cx="5176973" cy="0"/>
+          </a:xfrm>
+          <a:prstGeom prst="straightConnector1">
+            <a:avLst/>
+          </a:prstGeom>
+          <a:noFill/>
+          <a:ln w="25400" cap="flat" cmpd="sng">
+            <a:solidFill>
+              <a:schemeClr val="accent1"/>
+            </a:solidFill>
+            <a:prstDash val="solid"/>
+            <a:round/>
+            <a:headEnd type="none" w="sm" len="sm"/>
+            <a:tailEnd type="stealth" w="med" len="med"/>
+          </a:ln>
+          <a:effectLst>
+            <a:outerShdw blurRad="40000" dist="20000" dir="5400000" rotWithShape="0">
+              <a:srgbClr val="000000">
+                <a:alpha val="37647"/>
+              </a:srgbClr>
+            </a:outerShdw>
+          </a:effectLst>
+        </p:spPr>
+      </p:cxnSp>
+      <p:sp>
+        <p:nvSpPr>
+          <p:cNvPr id="66" name="Google Shape;297;p37"/>
+          <p:cNvSpPr txBox="1"/>
+          <p:nvPr/>
+        </p:nvSpPr>
+        <p:spPr>
+          <a:xfrm>
+            <a:off x="1236011" y="5425183"/>
+            <a:ext cx="2047680" cy="338400"/>
+          </a:xfrm>
+          <a:prstGeom prst="rect">
+            <a:avLst/>
+          </a:prstGeom>
+          <a:noFill/>
+          <a:ln>
+            <a:noFill/>
+          </a:ln>
+        </p:spPr>
+        <p:txBody>
+          <a:bodyPr spcFirstLastPara="1" wrap="square" lIns="107269" tIns="53620" rIns="107269" bIns="53620" anchor="t" anchorCtr="0">
+            <a:noAutofit/>
+          </a:bodyPr>
+          <a:lstStyle/>
+          <a:p>
+            <a:pPr algn="ctr"/>
+            <a:r>
+              <a:rPr lang="es-419" sz="1400" dirty="0">
+                <a:solidFill>
+                  <a:schemeClr val="dk1"/>
+                </a:solidFill>
+                <a:latin typeface="Calibri"/>
+                <a:ea typeface="Calibri"/>
+                <a:cs typeface="Calibri"/>
+                <a:sym typeface="Calibri"/>
+              </a:rPr>
+              <a:t>[status code == 200 ]</a:t>
+            </a:r>
+            <a:endParaRPr sz="1400" dirty="0">
+              <a:solidFill>
+                <a:schemeClr val="dk1"/>
+              </a:solidFill>
+              <a:latin typeface="Calibri"/>
+              <a:ea typeface="Calibri"/>
+              <a:cs typeface="Calibri"/>
+              <a:sym typeface="Calibri"/>
+            </a:endParaRPr>
+          </a:p>
+        </p:txBody>
+      </p:sp>
+      <p:sp>
+        <p:nvSpPr>
+          <p:cNvPr id="277" name="Google Shape;277;p37"/>
+          <p:cNvSpPr/>
+          <p:nvPr/>
+        </p:nvSpPr>
+        <p:spPr>
+          <a:xfrm>
+            <a:off x="2832417" y="1847543"/>
+            <a:ext cx="327356" cy="3049519"/>
+          </a:xfrm>
+          <a:prstGeom prst="rect">
+            <a:avLst/>
+          </a:prstGeom>
+          <a:solidFill>
+            <a:schemeClr val="tx2">
+              <a:lumMod val="20000"/>
+              <a:lumOff val="80000"/>
+            </a:schemeClr>
+          </a:solidFill>
+          <a:ln w="25400" cap="flat" cmpd="sng">
+            <a:solidFill>
+              <a:schemeClr val="accent1"/>
+            </a:solidFill>
+            <a:prstDash val="solid"/>
+            <a:round/>
+            <a:headEnd type="none" w="sm" len="sm"/>
+            <a:tailEnd type="none" w="sm" len="sm"/>
+          </a:ln>
+        </p:spPr>
+        <p:txBody>
+          <a:bodyPr spcFirstLastPara="1" wrap="square" lIns="107269" tIns="53620" rIns="107269" bIns="53620" anchor="ctr" anchorCtr="0">
+            <a:noAutofit/>
+          </a:bodyPr>
+          <a:lstStyle/>
+          <a:p>
+            <a:pPr algn="ctr"/>
+            <a:endParaRPr sz="1400">
+              <a:solidFill>
+                <a:schemeClr val="dk1"/>
+              </a:solidFill>
+              <a:latin typeface="Calibri"/>
+              <a:ea typeface="Calibri"/>
+              <a:cs typeface="Calibri"/>
+              <a:sym typeface="Calibri"/>
+            </a:endParaRPr>
+          </a:p>
+        </p:txBody>
+      </p:sp>
+      <p:sp>
+        <p:nvSpPr>
+          <p:cNvPr id="71" name="TextBox 70">
+            <a:extLst>
+              <a:ext uri="{FF2B5EF4-FFF2-40B4-BE49-F238E27FC236}">
+                <a16:creationId xmlns:a16="http://schemas.microsoft.com/office/drawing/2014/main" id="{F8B27D3A-2C7B-4441-A58E-925D2C8B97F8}"/>
+              </a:ext>
+            </a:extLst>
+          </p:cNvPr>
+          <p:cNvSpPr txBox="1"/>
+          <p:nvPr/>
+        </p:nvSpPr>
+        <p:spPr>
+          <a:xfrm>
+            <a:off x="2367643" y="3259723"/>
+            <a:ext cx="5022668" cy="338554"/>
+          </a:xfrm>
+          <a:prstGeom prst="rect">
+            <a:avLst/>
+          </a:prstGeom>
+          <a:noFill/>
+        </p:spPr>
+        <p:txBody>
+          <a:bodyPr wrap="square">
+            <a:spAutoFit/>
+          </a:bodyPr>
+          <a:lstStyle/>
+          <a:p>
+            <a:r>
+              <a:rPr lang="es-419" sz="1600" dirty="0">
+                <a:solidFill>
+                  <a:schemeClr val="dk1"/>
+                </a:solidFill>
+                <a:latin typeface="Calibri"/>
+                <a:ea typeface="Calibri"/>
+                <a:cs typeface="Calibri"/>
+                <a:sym typeface="Calibri"/>
+              </a:rPr>
+              <a:t>AJAX</a:t>
+            </a:r>
+            <a:endParaRPr lang="en-US" dirty="0"/>
+          </a:p>
+        </p:txBody>
+      </p:sp>
+      <p:sp>
+        <p:nvSpPr>
+          <p:cNvPr id="4" name="Google Shape;289;p37">
+            <a:extLst>
+              <a:ext uri="{FF2B5EF4-FFF2-40B4-BE49-F238E27FC236}">
+                <a16:creationId xmlns:a16="http://schemas.microsoft.com/office/drawing/2014/main" id="{5BB175AC-9D36-4D93-9D50-69AFE04AC3DE}"/>
+              </a:ext>
+            </a:extLst>
+          </p:cNvPr>
+          <p:cNvSpPr txBox="1"/>
+          <p:nvPr/>
+        </p:nvSpPr>
+        <p:spPr>
+          <a:xfrm>
+            <a:off x="3178616" y="4278436"/>
+            <a:ext cx="3373026" cy="579613"/>
+          </a:xfrm>
+          <a:prstGeom prst="rect">
+            <a:avLst/>
+          </a:prstGeom>
+          <a:noFill/>
+          <a:ln>
+            <a:noFill/>
+          </a:ln>
+        </p:spPr>
+        <p:txBody>
+          <a:bodyPr spcFirstLastPara="1" wrap="square" lIns="107269" tIns="53620" rIns="107269" bIns="53620" anchor="t" anchorCtr="0">
+            <a:noAutofit/>
+          </a:bodyPr>
+          <a:lstStyle/>
+          <a:p>
+            <a:pPr lvl="0">
+              <a:spcAft>
+                <a:spcPts val="200"/>
+              </a:spcAft>
+            </a:pPr>
+            <a:r>
+              <a:rPr lang="es-419" sz="1400" dirty="0">
+                <a:solidFill>
+                  <a:schemeClr val="dk1"/>
+                </a:solidFill>
+                <a:latin typeface="Calibri"/>
+                <a:ea typeface="Calibri"/>
+                <a:cs typeface="Calibri"/>
+                <a:sym typeface="Calibri"/>
+              </a:rPr>
+              <a:t>[user != null ] </a:t>
+            </a:r>
+          </a:p>
+          <a:p>
+            <a:pPr lvl="0">
+              <a:spcAft>
+                <a:spcPts val="200"/>
+              </a:spcAft>
+            </a:pPr>
+            <a:r>
+              <a:rPr lang="es-419" sz="1400" dirty="0" err="1">
+                <a:solidFill>
+                  <a:schemeClr val="dk1"/>
+                </a:solidFill>
+                <a:latin typeface="Calibri"/>
+                <a:ea typeface="Calibri"/>
+                <a:cs typeface="Calibri"/>
+                <a:sym typeface="Calibri"/>
+              </a:rPr>
+              <a:t>setCookie</a:t>
+            </a:r>
+            <a:r>
+              <a:rPr lang="es-419" sz="1400" dirty="0">
+                <a:solidFill>
+                  <a:schemeClr val="dk1"/>
+                </a:solidFill>
+                <a:latin typeface="Calibri"/>
+                <a:ea typeface="Calibri"/>
+                <a:cs typeface="Calibri"/>
+                <a:sym typeface="Calibri"/>
+              </a:rPr>
+              <a:t>  (“id", </a:t>
+            </a:r>
+            <a:r>
+              <a:rPr lang="es-419" sz="1400" dirty="0" err="1">
+                <a:solidFill>
+                  <a:schemeClr val="dk1"/>
+                </a:solidFill>
+                <a:latin typeface="Calibri"/>
+                <a:ea typeface="Calibri"/>
+                <a:cs typeface="Calibri"/>
+                <a:sym typeface="Calibri"/>
+              </a:rPr>
+              <a:t>user.id</a:t>
+            </a:r>
+            <a:r>
+              <a:rPr lang="es-419" sz="1400" dirty="0">
+                <a:solidFill>
+                  <a:schemeClr val="dk1"/>
+                </a:solidFill>
+                <a:latin typeface="Calibri"/>
+                <a:ea typeface="Calibri"/>
+                <a:cs typeface="Calibri"/>
+                <a:sym typeface="Calibri"/>
+              </a:rPr>
+              <a:t>)</a:t>
+            </a:r>
+            <a:endParaRPr sz="1400" dirty="0">
+              <a:solidFill>
+                <a:schemeClr val="dk1"/>
+              </a:solidFill>
+              <a:latin typeface="Calibri"/>
+              <a:ea typeface="Calibri"/>
+              <a:cs typeface="Calibri"/>
+              <a:sym typeface="Calibri"/>
+            </a:endParaRPr>
+          </a:p>
+        </p:txBody>
+      </p:sp>
+      <p:cxnSp>
+        <p:nvCxnSpPr>
+          <p:cNvPr id="74" name="Google Shape;288;p37">
+            <a:extLst>
+              <a:ext uri="{FF2B5EF4-FFF2-40B4-BE49-F238E27FC236}">
+                <a16:creationId xmlns:a16="http://schemas.microsoft.com/office/drawing/2014/main" id="{BD05C7E7-DBE2-486D-9F6F-1C6072103D91}"/>
+              </a:ext>
+            </a:extLst>
+          </p:cNvPr>
+          <p:cNvCxnSpPr/>
+          <p:nvPr/>
+        </p:nvCxnSpPr>
+        <p:spPr>
+          <a:xfrm>
+            <a:off x="3214477" y="4851818"/>
+            <a:ext cx="3072075" cy="0"/>
+          </a:xfrm>
+          <a:prstGeom prst="straightConnector1">
+            <a:avLst/>
+          </a:prstGeom>
+          <a:noFill/>
+          <a:ln w="25400" cap="flat" cmpd="sng">
+            <a:solidFill>
+              <a:schemeClr val="accent1"/>
+            </a:solidFill>
+            <a:prstDash val="solid"/>
+            <a:round/>
+            <a:headEnd type="none" w="sm" len="sm"/>
+            <a:tailEnd type="stealth" w="med" len="med"/>
+          </a:ln>
+          <a:effectLst>
+            <a:outerShdw blurRad="40000" dist="20000" dir="5400000" rotWithShape="0">
+              <a:srgbClr val="000000">
+                <a:alpha val="37647"/>
+              </a:srgbClr>
+            </a:outerShdw>
+          </a:effectLst>
+        </p:spPr>
+      </p:cxnSp>
+    </p:spTree>
+  </p:cSld>
+  <p:clrMapOvr>
+    <a:masterClrMapping/>
+  </p:clrMapOvr>
+</p:sld>
+</file>
+
+<file path=ppt/slides/slide12.xml><?xml version="1.0" encoding="utf-8"?>
+<p:sld xmlns:a="http://schemas.openxmlformats.org/drawingml/2006/main" xmlns:r="http://schemas.openxmlformats.org/officeDocument/2006/relationships" xmlns:p="http://schemas.openxmlformats.org/presentationml/2006/main">
+  <p:cSld>
+    <p:spTree>
+      <p:nvGrpSpPr>
+        <p:cNvPr id="1" name="Shape 271"/>
+        <p:cNvGrpSpPr/>
+        <p:nvPr/>
+      </p:nvGrpSpPr>
+      <p:grpSpPr>
+        <a:xfrm>
+          <a:off x="0" y="0"/>
+          <a:ext cx="0" cy="0"/>
+          <a:chOff x="0" y="0"/>
+          <a:chExt cx="0" cy="0"/>
+        </a:xfrm>
+      </p:grpSpPr>
+      <p:cxnSp>
+        <p:nvCxnSpPr>
+          <p:cNvPr id="9" name="Straight Connector 8"/>
+          <p:cNvCxnSpPr/>
+          <p:nvPr/>
+        </p:nvCxnSpPr>
+        <p:spPr>
+          <a:xfrm>
+            <a:off x="1029580" y="1648327"/>
+            <a:ext cx="0" cy="4426116"/>
+          </a:xfrm>
+          <a:prstGeom prst="line">
+            <a:avLst/>
+          </a:prstGeom>
+          <a:noFill/>
+          <a:ln w="38100" cap="flat" cmpd="sng">
+            <a:solidFill>
+              <a:schemeClr val="accent1"/>
+            </a:solidFill>
+            <a:prstDash val="dot"/>
+            <a:round/>
+            <a:headEnd type="none" w="sm" len="sm"/>
+            <a:tailEnd type="none" w="sm" len="sm"/>
+          </a:ln>
+          <a:effectLst>
+            <a:outerShdw blurRad="40000" dist="23000" dir="5400000" rotWithShape="0">
+              <a:srgbClr val="000000">
+                <a:alpha val="34901"/>
+              </a:srgbClr>
+            </a:outerShdw>
+          </a:effectLst>
+        </p:spPr>
+      </p:cxnSp>
+      <p:sp>
+        <p:nvSpPr>
+          <p:cNvPr id="272" name="Google Shape;272;p37"/>
+          <p:cNvSpPr txBox="1">
+            <a:spLocks noGrp="1"/>
+          </p:cNvSpPr>
+          <p:nvPr>
+            <p:ph type="title"/>
+          </p:nvPr>
+        </p:nvSpPr>
+        <p:spPr>
+          <a:xfrm>
+            <a:off x="495300" y="274633"/>
+            <a:ext cx="8915400" cy="1008000"/>
+          </a:xfrm>
+          <a:prstGeom prst="rect">
+            <a:avLst/>
+          </a:prstGeom>
+          <a:noFill/>
+          <a:ln>
+            <a:noFill/>
+          </a:ln>
+        </p:spPr>
+        <p:txBody>
+          <a:bodyPr spcFirstLastPara="1" wrap="square" lIns="107269" tIns="53620" rIns="107269" bIns="53620" anchor="ctr" anchorCtr="0">
+            <a:noAutofit/>
+          </a:bodyPr>
+          <a:lstStyle/>
+          <a:p>
+            <a:pPr>
+              <a:buSzPts val="4400"/>
+            </a:pPr>
+            <a:r>
+              <a:rPr lang="es-419" dirty="0" err="1"/>
+              <a:t>Event</a:t>
+            </a:r>
+            <a:r>
+              <a:rPr lang="es-419" dirty="0"/>
+              <a:t>: </a:t>
+            </a:r>
+            <a:r>
+              <a:rPr lang="es-419" dirty="0" err="1"/>
+              <a:t>signup</a:t>
+            </a:r>
+            <a:endParaRPr dirty="0"/>
+          </a:p>
+        </p:txBody>
+      </p:sp>
+      <p:sp>
+        <p:nvSpPr>
+          <p:cNvPr id="273" name="Google Shape;273;p37"/>
+          <p:cNvSpPr/>
+          <p:nvPr/>
+        </p:nvSpPr>
+        <p:spPr>
+          <a:xfrm>
+            <a:off x="2318370" y="1130084"/>
+            <a:ext cx="1424150" cy="381200"/>
+          </a:xfrm>
+          <a:prstGeom prst="rect">
+            <a:avLst/>
+          </a:prstGeom>
+          <a:solidFill>
+            <a:schemeClr val="tx2">
+              <a:lumMod val="20000"/>
+              <a:lumOff val="80000"/>
+            </a:schemeClr>
+          </a:solidFill>
+          <a:ln w="25400" cap="flat" cmpd="sng">
+            <a:solidFill>
+              <a:schemeClr val="accent1"/>
+            </a:solidFill>
+            <a:prstDash val="solid"/>
+            <a:round/>
+            <a:headEnd type="none" w="sm" len="sm"/>
+            <a:tailEnd type="none" w="sm" len="sm"/>
+          </a:ln>
+        </p:spPr>
+        <p:txBody>
+          <a:bodyPr spcFirstLastPara="1" wrap="square" lIns="107269" tIns="53620" rIns="107269" bIns="53620" anchor="ctr" anchorCtr="0">
+            <a:noAutofit/>
+          </a:bodyPr>
+          <a:lstStyle/>
+          <a:p>
+            <a:pPr algn="ctr"/>
+            <a:r>
+              <a:rPr lang="es-419" sz="1200" dirty="0" err="1">
+                <a:solidFill>
+                  <a:schemeClr val="dk1"/>
+                </a:solidFill>
+                <a:latin typeface="Calibri"/>
+                <a:ea typeface="Calibri"/>
+                <a:cs typeface="Calibri"/>
+                <a:sym typeface="Calibri"/>
+              </a:rPr>
+              <a:t>SignUp</a:t>
+            </a:r>
+            <a:endParaRPr sz="1200" dirty="0">
+              <a:solidFill>
+                <a:schemeClr val="dk1"/>
+              </a:solidFill>
+              <a:latin typeface="Calibri"/>
+              <a:ea typeface="Calibri"/>
+              <a:cs typeface="Calibri"/>
+              <a:sym typeface="Calibri"/>
+            </a:endParaRPr>
+          </a:p>
+        </p:txBody>
+      </p:sp>
+      <p:cxnSp>
+        <p:nvCxnSpPr>
+          <p:cNvPr id="274" name="Google Shape;274;p37"/>
+          <p:cNvCxnSpPr/>
+          <p:nvPr/>
+        </p:nvCxnSpPr>
+        <p:spPr>
+          <a:xfrm>
+            <a:off x="3016797" y="1511284"/>
+            <a:ext cx="0" cy="4916807"/>
+          </a:xfrm>
+          <a:prstGeom prst="straightConnector1">
+            <a:avLst/>
+          </a:prstGeom>
+          <a:noFill/>
+          <a:ln w="38100" cap="flat" cmpd="sng">
+            <a:solidFill>
+              <a:schemeClr val="accent1"/>
+            </a:solidFill>
+            <a:prstDash val="dot"/>
+            <a:round/>
+            <a:headEnd type="none" w="sm" len="sm"/>
+            <a:tailEnd type="none" w="sm" len="sm"/>
+          </a:ln>
+          <a:effectLst>
+            <a:outerShdw blurRad="40000" dist="23000" dir="5400000" rotWithShape="0">
+              <a:srgbClr val="000000">
+                <a:alpha val="34901"/>
+              </a:srgbClr>
+            </a:outerShdw>
+          </a:effectLst>
+        </p:spPr>
+      </p:cxnSp>
+      <p:cxnSp>
+        <p:nvCxnSpPr>
+          <p:cNvPr id="275" name="Google Shape;275;p37"/>
+          <p:cNvCxnSpPr/>
+          <p:nvPr/>
+        </p:nvCxnSpPr>
+        <p:spPr>
+          <a:xfrm>
+            <a:off x="1243196" y="2092243"/>
+            <a:ext cx="1752997" cy="0"/>
+          </a:xfrm>
+          <a:prstGeom prst="straightConnector1">
+            <a:avLst/>
+          </a:prstGeom>
+          <a:noFill/>
+          <a:ln w="25400" cap="flat" cmpd="sng">
+            <a:solidFill>
+              <a:schemeClr val="accent1"/>
+            </a:solidFill>
+            <a:prstDash val="solid"/>
+            <a:round/>
+            <a:headEnd type="none" w="sm" len="sm"/>
+            <a:tailEnd type="stealth" w="med" len="med"/>
+          </a:ln>
+          <a:effectLst>
+            <a:outerShdw blurRad="40000" dist="20000" dir="5400000" rotWithShape="0">
+              <a:srgbClr val="000000">
+                <a:alpha val="37647"/>
+              </a:srgbClr>
+            </a:outerShdw>
+          </a:effectLst>
+        </p:spPr>
+      </p:cxnSp>
+      <p:sp>
+        <p:nvSpPr>
+          <p:cNvPr id="276" name="Google Shape;276;p37"/>
+          <p:cNvSpPr txBox="1"/>
+          <p:nvPr/>
+        </p:nvSpPr>
+        <p:spPr>
+          <a:xfrm>
+            <a:off x="1252562" y="1795709"/>
+            <a:ext cx="991900" cy="621064"/>
+          </a:xfrm>
+          <a:prstGeom prst="rect">
+            <a:avLst/>
+          </a:prstGeom>
+          <a:noFill/>
+          <a:ln>
+            <a:noFill/>
+          </a:ln>
+        </p:spPr>
+        <p:txBody>
+          <a:bodyPr spcFirstLastPara="1" wrap="square" lIns="107269" tIns="53620" rIns="107269" bIns="53620" anchor="t" anchorCtr="0">
+            <a:noAutofit/>
+          </a:bodyPr>
+          <a:lstStyle/>
+          <a:p>
+            <a:r>
+              <a:rPr lang="es-419" sz="1400" dirty="0">
+                <a:solidFill>
+                  <a:schemeClr val="dk1"/>
+                </a:solidFill>
+                <a:latin typeface="Calibri"/>
+                <a:ea typeface="Calibri"/>
+                <a:cs typeface="Calibri"/>
+                <a:sym typeface="Calibri"/>
+              </a:rPr>
+              <a:t>AJAX POST username password</a:t>
+            </a:r>
+            <a:endParaRPr sz="1400" dirty="0">
+              <a:solidFill>
+                <a:schemeClr val="dk1"/>
+              </a:solidFill>
+              <a:latin typeface="Calibri"/>
+              <a:ea typeface="Calibri"/>
+              <a:cs typeface="Calibri"/>
+              <a:sym typeface="Calibri"/>
+            </a:endParaRPr>
+          </a:p>
+        </p:txBody>
+      </p:sp>
+      <p:sp>
+        <p:nvSpPr>
+          <p:cNvPr id="278" name="Google Shape;278;p37"/>
+          <p:cNvSpPr/>
+          <p:nvPr/>
+        </p:nvSpPr>
+        <p:spPr>
+          <a:xfrm>
+            <a:off x="4499693" y="1130084"/>
+            <a:ext cx="1066000" cy="381200"/>
+          </a:xfrm>
+          <a:prstGeom prst="rect">
+            <a:avLst/>
+          </a:prstGeom>
+          <a:solidFill>
+            <a:schemeClr val="tx2">
+              <a:lumMod val="20000"/>
+              <a:lumOff val="80000"/>
+            </a:schemeClr>
+          </a:solidFill>
+          <a:ln w="25400" cap="flat" cmpd="sng">
+            <a:solidFill>
+              <a:schemeClr val="accent1"/>
+            </a:solidFill>
+            <a:prstDash val="solid"/>
+            <a:round/>
+            <a:headEnd type="none" w="sm" len="sm"/>
+            <a:tailEnd type="none" w="sm" len="sm"/>
+          </a:ln>
+        </p:spPr>
+        <p:txBody>
+          <a:bodyPr spcFirstLastPara="1" wrap="square" lIns="107269" tIns="53620" rIns="107269" bIns="53620" anchor="ctr" anchorCtr="0">
+            <a:noAutofit/>
+          </a:bodyPr>
+          <a:lstStyle/>
+          <a:p>
+            <a:pPr algn="ctr"/>
+            <a:r>
+              <a:rPr lang="es-419" sz="1200" dirty="0">
+                <a:solidFill>
+                  <a:schemeClr val="dk1"/>
+                </a:solidFill>
+                <a:latin typeface="Calibri"/>
+                <a:ea typeface="Calibri"/>
+                <a:cs typeface="Calibri"/>
+                <a:sym typeface="Calibri"/>
+              </a:rPr>
+              <a:t>UserDAO</a:t>
+            </a:r>
+            <a:endParaRPr sz="1200" dirty="0">
+              <a:solidFill>
+                <a:schemeClr val="dk1"/>
+              </a:solidFill>
+              <a:latin typeface="Calibri"/>
+              <a:ea typeface="Calibri"/>
+              <a:cs typeface="Calibri"/>
+              <a:sym typeface="Calibri"/>
+            </a:endParaRPr>
+          </a:p>
+        </p:txBody>
+      </p:sp>
+      <p:cxnSp>
+        <p:nvCxnSpPr>
+          <p:cNvPr id="279" name="Google Shape;279;p37"/>
+          <p:cNvCxnSpPr/>
+          <p:nvPr/>
+        </p:nvCxnSpPr>
+        <p:spPr>
+          <a:xfrm flipH="1">
+            <a:off x="5021075" y="1631643"/>
+            <a:ext cx="44142" cy="4796448"/>
+          </a:xfrm>
+          <a:prstGeom prst="straightConnector1">
+            <a:avLst/>
+          </a:prstGeom>
+          <a:noFill/>
+          <a:ln w="38100" cap="flat" cmpd="sng">
+            <a:solidFill>
+              <a:schemeClr val="accent1"/>
+            </a:solidFill>
+            <a:prstDash val="dot"/>
+            <a:round/>
+            <a:headEnd type="none" w="sm" len="sm"/>
+            <a:tailEnd type="none" w="sm" len="sm"/>
+          </a:ln>
+          <a:effectLst>
+            <a:outerShdw blurRad="40000" dist="23000" dir="5400000" rotWithShape="0">
+              <a:srgbClr val="000000">
+                <a:alpha val="34901"/>
+              </a:srgbClr>
+            </a:outerShdw>
+          </a:effectLst>
+        </p:spPr>
+      </p:cxnSp>
+      <p:sp>
+        <p:nvSpPr>
+          <p:cNvPr id="282" name="Google Shape;282;p37"/>
+          <p:cNvSpPr/>
+          <p:nvPr/>
+        </p:nvSpPr>
+        <p:spPr>
+          <a:xfrm>
+            <a:off x="4900117" y="2905525"/>
+            <a:ext cx="330200" cy="1257200"/>
+          </a:xfrm>
+          <a:prstGeom prst="rect">
+            <a:avLst/>
+          </a:prstGeom>
+          <a:solidFill>
+            <a:schemeClr val="tx2">
+              <a:lumMod val="20000"/>
+              <a:lumOff val="80000"/>
+            </a:schemeClr>
+          </a:solidFill>
+          <a:ln w="25400" cap="flat" cmpd="sng">
+            <a:solidFill>
+              <a:schemeClr val="accent1"/>
+            </a:solidFill>
+            <a:prstDash val="solid"/>
+            <a:round/>
+            <a:headEnd type="none" w="sm" len="sm"/>
+            <a:tailEnd type="none" w="sm" len="sm"/>
+          </a:ln>
+        </p:spPr>
+        <p:txBody>
+          <a:bodyPr spcFirstLastPara="1" wrap="square" lIns="107269" tIns="53620" rIns="107269" bIns="53620" anchor="ctr" anchorCtr="0">
+            <a:noAutofit/>
+          </a:bodyPr>
+          <a:lstStyle/>
+          <a:p>
+            <a:pPr algn="ctr"/>
+            <a:endParaRPr sz="1400">
+              <a:solidFill>
+                <a:schemeClr val="dk1"/>
+              </a:solidFill>
+              <a:latin typeface="Calibri"/>
+              <a:ea typeface="Calibri"/>
+              <a:cs typeface="Calibri"/>
+              <a:sym typeface="Calibri"/>
+            </a:endParaRPr>
+          </a:p>
+        </p:txBody>
+      </p:sp>
+      <p:cxnSp>
+        <p:nvCxnSpPr>
+          <p:cNvPr id="283" name="Google Shape;283;p37"/>
+          <p:cNvCxnSpPr/>
+          <p:nvPr/>
+        </p:nvCxnSpPr>
+        <p:spPr>
+          <a:xfrm rot="10800000">
+            <a:off x="3158499" y="3852988"/>
+            <a:ext cx="1733550" cy="0"/>
+          </a:xfrm>
+          <a:prstGeom prst="straightConnector1">
+            <a:avLst/>
+          </a:prstGeom>
+          <a:noFill/>
+          <a:ln w="25400" cap="flat" cmpd="sng">
+            <a:solidFill>
+              <a:schemeClr val="accent1"/>
+            </a:solidFill>
+            <a:prstDash val="solid"/>
+            <a:round/>
+            <a:headEnd type="none" w="sm" len="sm"/>
+            <a:tailEnd type="stealth" w="med" len="med"/>
+          </a:ln>
+          <a:effectLst>
+            <a:outerShdw blurRad="40000" dist="20000" dir="5400000" rotWithShape="0">
+              <a:srgbClr val="000000">
+                <a:alpha val="37647"/>
+              </a:srgbClr>
+            </a:outerShdw>
+          </a:effectLst>
+        </p:spPr>
+      </p:cxnSp>
+      <p:sp>
+        <p:nvSpPr>
+          <p:cNvPr id="284" name="Google Shape;284;p37"/>
+          <p:cNvSpPr txBox="1"/>
+          <p:nvPr/>
+        </p:nvSpPr>
+        <p:spPr>
+          <a:xfrm>
+            <a:off x="3136107" y="3541054"/>
+            <a:ext cx="1231425" cy="369200"/>
+          </a:xfrm>
+          <a:prstGeom prst="rect">
+            <a:avLst/>
+          </a:prstGeom>
+          <a:noFill/>
+          <a:ln>
+            <a:noFill/>
+          </a:ln>
+        </p:spPr>
+        <p:txBody>
+          <a:bodyPr spcFirstLastPara="1" wrap="square" lIns="107269" tIns="53620" rIns="107269" bIns="53620" anchor="t" anchorCtr="0">
+            <a:noAutofit/>
+          </a:bodyPr>
+          <a:lstStyle/>
+          <a:p>
+            <a:r>
+              <a:rPr lang="es-419" sz="1400" dirty="0">
+                <a:solidFill>
+                  <a:schemeClr val="dk1"/>
+                </a:solidFill>
+                <a:latin typeface="Calibri"/>
+                <a:ea typeface="Calibri"/>
+                <a:cs typeface="Calibri"/>
+                <a:sym typeface="Calibri"/>
+              </a:rPr>
+              <a:t>user || null</a:t>
+            </a:r>
+            <a:endParaRPr sz="1400" dirty="0">
+              <a:solidFill>
+                <a:schemeClr val="dk1"/>
+              </a:solidFill>
+              <a:latin typeface="Calibri"/>
+              <a:ea typeface="Calibri"/>
+              <a:cs typeface="Calibri"/>
+              <a:sym typeface="Calibri"/>
+            </a:endParaRPr>
+          </a:p>
+        </p:txBody>
+      </p:sp>
+      <p:cxnSp>
+        <p:nvCxnSpPr>
+          <p:cNvPr id="293" name="Google Shape;293;p37"/>
+          <p:cNvCxnSpPr/>
+          <p:nvPr/>
+        </p:nvCxnSpPr>
+        <p:spPr>
+          <a:xfrm>
+            <a:off x="1181646" y="3056737"/>
+            <a:ext cx="1787251" cy="0"/>
+          </a:xfrm>
+          <a:prstGeom prst="straightConnector1">
+            <a:avLst/>
+          </a:prstGeom>
+          <a:noFill/>
+          <a:ln w="25400" cap="flat" cmpd="sng">
+            <a:solidFill>
+              <a:schemeClr val="accent1"/>
+            </a:solidFill>
+            <a:prstDash val="sysDash"/>
+            <a:round/>
+            <a:headEnd type="triangle" w="med" len="med"/>
+            <a:tailEnd type="none" w="med" len="med"/>
+          </a:ln>
+          <a:effectLst>
+            <a:outerShdw blurRad="40000" dist="20000" dir="5400000" rotWithShape="0">
+              <a:srgbClr val="000000">
+                <a:alpha val="37647"/>
+              </a:srgbClr>
+            </a:outerShdw>
+          </a:effectLst>
+        </p:spPr>
+      </p:cxnSp>
+      <p:sp>
+        <p:nvSpPr>
+          <p:cNvPr id="294" name="Google Shape;294;p37"/>
+          <p:cNvSpPr txBox="1"/>
+          <p:nvPr/>
+        </p:nvSpPr>
+        <p:spPr>
+          <a:xfrm>
+            <a:off x="-59695" y="1975879"/>
+            <a:ext cx="783021" cy="985034"/>
+          </a:xfrm>
+          <a:prstGeom prst="rect">
+            <a:avLst/>
+          </a:prstGeom>
+          <a:noFill/>
+          <a:ln>
+            <a:noFill/>
+          </a:ln>
+        </p:spPr>
+        <p:txBody>
+          <a:bodyPr spcFirstLastPara="1" wrap="square" lIns="107269" tIns="53620" rIns="107269" bIns="53620" anchor="t" anchorCtr="0">
+            <a:noAutofit/>
+          </a:bodyPr>
+          <a:lstStyle/>
+          <a:p>
+            <a:r>
+              <a:rPr lang="it-IT" sz="1400" dirty="0">
+                <a:solidFill>
+                  <a:schemeClr val="dk1"/>
+                </a:solidFill>
+                <a:latin typeface="Calibri"/>
+                <a:ea typeface="Calibri"/>
+                <a:cs typeface="Calibri"/>
+                <a:sym typeface="Calibri"/>
+              </a:rPr>
+              <a:t>Click</a:t>
+            </a:r>
+          </a:p>
+          <a:p>
+            <a:r>
+              <a:rPr lang="it-IT" sz="1400" dirty="0" err="1">
+                <a:solidFill>
+                  <a:schemeClr val="dk1"/>
+                </a:solidFill>
+                <a:latin typeface="Calibri"/>
+                <a:ea typeface="Calibri"/>
+                <a:cs typeface="Calibri"/>
+                <a:sym typeface="Calibri"/>
+              </a:rPr>
+              <a:t>submit</a:t>
+            </a:r>
+            <a:endParaRPr lang="it-IT" sz="1400" dirty="0">
+              <a:solidFill>
+                <a:schemeClr val="dk1"/>
+              </a:solidFill>
+              <a:latin typeface="Calibri"/>
+              <a:ea typeface="Calibri"/>
+              <a:cs typeface="Calibri"/>
+              <a:sym typeface="Calibri"/>
+            </a:endParaRPr>
+          </a:p>
+          <a:p>
+            <a:r>
+              <a:rPr lang="it-IT" sz="1400" dirty="0" err="1">
+                <a:solidFill>
+                  <a:schemeClr val="dk1"/>
+                </a:solidFill>
+                <a:latin typeface="Calibri"/>
+                <a:ea typeface="Calibri"/>
+                <a:cs typeface="Calibri"/>
+                <a:sym typeface="Calibri"/>
+              </a:rPr>
+              <a:t>button</a:t>
+            </a:r>
+            <a:endParaRPr sz="1400" dirty="0">
+              <a:solidFill>
+                <a:schemeClr val="dk1"/>
+              </a:solidFill>
+              <a:latin typeface="Calibri"/>
+              <a:ea typeface="Calibri"/>
+              <a:cs typeface="Calibri"/>
+              <a:sym typeface="Calibri"/>
+            </a:endParaRPr>
+          </a:p>
+        </p:txBody>
+      </p:sp>
+      <p:cxnSp>
+        <p:nvCxnSpPr>
+          <p:cNvPr id="295" name="Google Shape;295;p37"/>
+          <p:cNvCxnSpPr/>
+          <p:nvPr/>
+        </p:nvCxnSpPr>
+        <p:spPr>
+          <a:xfrm flipH="1">
+            <a:off x="7766316" y="1493836"/>
+            <a:ext cx="5200" cy="4949941"/>
+          </a:xfrm>
+          <a:prstGeom prst="straightConnector1">
+            <a:avLst/>
+          </a:prstGeom>
+          <a:noFill/>
+          <a:ln w="38100" cap="flat" cmpd="sng">
+            <a:solidFill>
+              <a:schemeClr val="accent1"/>
+            </a:solidFill>
+            <a:prstDash val="dot"/>
+            <a:round/>
+            <a:headEnd type="none" w="sm" len="sm"/>
+            <a:tailEnd type="none" w="sm" len="sm"/>
+          </a:ln>
+          <a:effectLst>
+            <a:outerShdw blurRad="40000" dist="23000" dir="5400000" rotWithShape="0">
+              <a:srgbClr val="000000">
+                <a:alpha val="34901"/>
+              </a:srgbClr>
+            </a:outerShdw>
+          </a:effectLst>
+        </p:spPr>
+      </p:cxnSp>
+      <p:sp>
+        <p:nvSpPr>
+          <p:cNvPr id="296" name="Google Shape;296;p37"/>
+          <p:cNvSpPr/>
+          <p:nvPr/>
+        </p:nvSpPr>
+        <p:spPr>
+          <a:xfrm>
+            <a:off x="7634402" y="5147809"/>
+            <a:ext cx="330200" cy="1152256"/>
+          </a:xfrm>
+          <a:prstGeom prst="rect">
+            <a:avLst/>
+          </a:prstGeom>
+          <a:solidFill>
+            <a:schemeClr val="lt1"/>
+          </a:solidFill>
+          <a:ln w="25400" cap="flat" cmpd="sng">
+            <a:solidFill>
+              <a:schemeClr val="accent1"/>
+            </a:solidFill>
+            <a:prstDash val="solid"/>
+            <a:round/>
+            <a:headEnd type="none" w="sm" len="sm"/>
+            <a:tailEnd type="none" w="sm" len="sm"/>
+          </a:ln>
+        </p:spPr>
+        <p:txBody>
+          <a:bodyPr spcFirstLastPara="1" wrap="square" lIns="107269" tIns="53620" rIns="107269" bIns="53620" anchor="ctr" anchorCtr="0">
+            <a:noAutofit/>
+          </a:bodyPr>
+          <a:lstStyle/>
+          <a:p>
+            <a:pPr algn="ctr"/>
+            <a:endParaRPr sz="1400">
+              <a:solidFill>
+                <a:schemeClr val="dk1"/>
+              </a:solidFill>
+              <a:latin typeface="Calibri"/>
+              <a:ea typeface="Calibri"/>
+              <a:cs typeface="Calibri"/>
+              <a:sym typeface="Calibri"/>
+            </a:endParaRPr>
+          </a:p>
+        </p:txBody>
+      </p:sp>
+      <p:sp>
+        <p:nvSpPr>
+          <p:cNvPr id="297" name="Google Shape;297;p37"/>
+          <p:cNvSpPr txBox="1"/>
+          <p:nvPr/>
+        </p:nvSpPr>
+        <p:spPr>
+          <a:xfrm>
+            <a:off x="1218054" y="5830209"/>
+            <a:ext cx="2047680" cy="338400"/>
+          </a:xfrm>
+          <a:prstGeom prst="rect">
+            <a:avLst/>
+          </a:prstGeom>
+          <a:noFill/>
+          <a:ln>
+            <a:noFill/>
+          </a:ln>
+        </p:spPr>
+        <p:txBody>
+          <a:bodyPr spcFirstLastPara="1" wrap="square" lIns="107269" tIns="53620" rIns="107269" bIns="53620" anchor="t" anchorCtr="0">
+            <a:noAutofit/>
+          </a:bodyPr>
+          <a:lstStyle/>
+          <a:p>
+            <a:pPr algn="ctr"/>
+            <a:r>
+              <a:rPr lang="es-419" sz="1400" dirty="0">
+                <a:solidFill>
+                  <a:schemeClr val="dk1"/>
+                </a:solidFill>
+                <a:latin typeface="Calibri"/>
+                <a:ea typeface="Calibri"/>
+                <a:cs typeface="Calibri"/>
+                <a:sym typeface="Calibri"/>
+              </a:rPr>
+              <a:t>[status code == 200 ]</a:t>
+            </a:r>
+            <a:endParaRPr sz="1400" dirty="0">
+              <a:solidFill>
+                <a:schemeClr val="dk1"/>
+              </a:solidFill>
+              <a:latin typeface="Calibri"/>
+              <a:ea typeface="Calibri"/>
+              <a:cs typeface="Calibri"/>
+              <a:sym typeface="Calibri"/>
+            </a:endParaRPr>
+          </a:p>
+        </p:txBody>
+      </p:sp>
+      <p:sp>
+        <p:nvSpPr>
+          <p:cNvPr id="298" name="Google Shape;298;p37"/>
+          <p:cNvSpPr txBox="1"/>
+          <p:nvPr/>
+        </p:nvSpPr>
+        <p:spPr>
+          <a:xfrm>
+            <a:off x="1090833" y="2592130"/>
+            <a:ext cx="1478892" cy="467174"/>
+          </a:xfrm>
+          <a:prstGeom prst="rect">
+            <a:avLst/>
+          </a:prstGeom>
+          <a:noFill/>
+          <a:ln>
+            <a:noFill/>
+          </a:ln>
+        </p:spPr>
+        <p:txBody>
+          <a:bodyPr spcFirstLastPara="1" wrap="square" lIns="107269" tIns="53620" rIns="107269" bIns="53620" anchor="t" anchorCtr="0">
+            <a:noAutofit/>
+          </a:bodyPr>
+          <a:lstStyle/>
+          <a:p>
+            <a:pPr algn="ctr"/>
+            <a:r>
+              <a:rPr lang="es-419" sz="1400" dirty="0">
+                <a:solidFill>
+                  <a:schemeClr val="dk1"/>
+                </a:solidFill>
+                <a:latin typeface="Calibri"/>
+                <a:ea typeface="Calibri"/>
+                <a:cs typeface="Calibri"/>
+                <a:sym typeface="Calibri"/>
+              </a:rPr>
+              <a:t>[username || </a:t>
+            </a:r>
+            <a:br>
+              <a:rPr lang="es-419" sz="1400" dirty="0">
+                <a:solidFill>
+                  <a:schemeClr val="dk1"/>
+                </a:solidFill>
+                <a:latin typeface="Calibri"/>
+                <a:ea typeface="Calibri"/>
+                <a:cs typeface="Calibri"/>
+                <a:sym typeface="Calibri"/>
+              </a:rPr>
+            </a:br>
+            <a:r>
+              <a:rPr lang="es-419" sz="1400" dirty="0">
+                <a:solidFill>
+                  <a:schemeClr val="dk1"/>
+                </a:solidFill>
+                <a:latin typeface="Calibri"/>
+                <a:ea typeface="Calibri"/>
+                <a:cs typeface="Calibri"/>
+                <a:sym typeface="Calibri"/>
+              </a:rPr>
+              <a:t>pwd == null ]</a:t>
+            </a:r>
+          </a:p>
+          <a:p>
+            <a:pPr algn="ctr"/>
+            <a:r>
+              <a:rPr lang="en-US" sz="1400" dirty="0">
+                <a:solidFill>
+                  <a:schemeClr val="dk1"/>
+                </a:solidFill>
+                <a:latin typeface="Calibri"/>
+                <a:ea typeface="Calibri"/>
+                <a:cs typeface="Calibri"/>
+                <a:sym typeface="Calibri"/>
+              </a:rPr>
+              <a:t>s</a:t>
+            </a:r>
+            <a:r>
+              <a:rPr lang="es-419" sz="1400" dirty="0">
+                <a:solidFill>
+                  <a:schemeClr val="dk1"/>
+                </a:solidFill>
+                <a:latin typeface="Calibri"/>
+                <a:ea typeface="Calibri"/>
+                <a:cs typeface="Calibri"/>
+                <a:sym typeface="Calibri"/>
+              </a:rPr>
+              <a:t>tutus code 400</a:t>
+            </a:r>
+            <a:endParaRPr sz="1400" dirty="0">
+              <a:solidFill>
+                <a:schemeClr val="dk1"/>
+              </a:solidFill>
+              <a:latin typeface="Calibri"/>
+              <a:ea typeface="Calibri"/>
+              <a:cs typeface="Calibri"/>
+              <a:sym typeface="Calibri"/>
+            </a:endParaRPr>
+          </a:p>
+        </p:txBody>
+      </p:sp>
+      <p:cxnSp>
+        <p:nvCxnSpPr>
+          <p:cNvPr id="299" name="Google Shape;299;p37"/>
+          <p:cNvCxnSpPr>
+            <a:cxnSpLocks/>
+          </p:cNvCxnSpPr>
+          <p:nvPr/>
+        </p:nvCxnSpPr>
+        <p:spPr>
+          <a:xfrm flipV="1">
+            <a:off x="1181646" y="5818273"/>
+            <a:ext cx="6355623" cy="36436"/>
+          </a:xfrm>
+          <a:prstGeom prst="straightConnector1">
+            <a:avLst/>
+          </a:prstGeom>
+          <a:noFill/>
+          <a:ln w="25400" cap="flat" cmpd="sng">
+            <a:solidFill>
+              <a:schemeClr val="accent1"/>
+            </a:solidFill>
+            <a:prstDash val="solid"/>
+            <a:round/>
+            <a:headEnd type="none" w="sm" len="sm"/>
+            <a:tailEnd type="stealth" w="med" len="med"/>
+          </a:ln>
+          <a:effectLst>
+            <a:outerShdw blurRad="40000" dist="20000" dir="5400000" rotWithShape="0">
+              <a:srgbClr val="000000">
+                <a:alpha val="37647"/>
+              </a:srgbClr>
+            </a:outerShdw>
+          </a:effectLst>
+        </p:spPr>
+      </p:cxnSp>
+      <p:cxnSp>
+        <p:nvCxnSpPr>
+          <p:cNvPr id="300" name="Google Shape;300;p37"/>
+          <p:cNvCxnSpPr/>
+          <p:nvPr/>
+        </p:nvCxnSpPr>
+        <p:spPr>
+          <a:xfrm rot="10800000" flipH="1">
+            <a:off x="3153315" y="3330515"/>
+            <a:ext cx="1739725" cy="0"/>
+          </a:xfrm>
+          <a:prstGeom prst="straightConnector1">
+            <a:avLst/>
+          </a:prstGeom>
+          <a:noFill/>
+          <a:ln w="25400" cap="flat" cmpd="sng">
+            <a:solidFill>
+              <a:schemeClr val="accent1"/>
+            </a:solidFill>
+            <a:prstDash val="solid"/>
+            <a:round/>
+            <a:headEnd type="none" w="med" len="med"/>
+            <a:tailEnd type="triangle" w="med" len="med"/>
+          </a:ln>
+          <a:effectLst>
+            <a:outerShdw blurRad="40000" dist="20000" dir="5400000" rotWithShape="0">
+              <a:srgbClr val="000000">
+                <a:alpha val="37650"/>
+              </a:srgbClr>
+            </a:outerShdw>
+          </a:effectLst>
+        </p:spPr>
+      </p:cxnSp>
+      <p:sp>
+        <p:nvSpPr>
+          <p:cNvPr id="301" name="Google Shape;301;p37"/>
+          <p:cNvSpPr txBox="1"/>
+          <p:nvPr/>
+        </p:nvSpPr>
+        <p:spPr>
+          <a:xfrm>
+            <a:off x="3129006" y="3050109"/>
+            <a:ext cx="1740050" cy="482246"/>
+          </a:xfrm>
+          <a:prstGeom prst="rect">
+            <a:avLst/>
+          </a:prstGeom>
+          <a:noFill/>
+          <a:ln>
+            <a:noFill/>
+          </a:ln>
+        </p:spPr>
+        <p:txBody>
+          <a:bodyPr spcFirstLastPara="1" wrap="square" lIns="107269" tIns="53620" rIns="107269" bIns="53620" anchor="t" anchorCtr="0">
+            <a:noAutofit/>
+          </a:bodyPr>
+          <a:lstStyle/>
+          <a:p>
+            <a:pPr>
+              <a:spcAft>
+                <a:spcPts val="200"/>
+              </a:spcAft>
+            </a:pPr>
+            <a:r>
+              <a:rPr lang="es-419" sz="1400" dirty="0" err="1">
+                <a:solidFill>
+                  <a:schemeClr val="dk1"/>
+                </a:solidFill>
+                <a:latin typeface="Calibri"/>
+                <a:ea typeface="Calibri"/>
+                <a:cs typeface="Calibri"/>
+                <a:sym typeface="Calibri"/>
+              </a:rPr>
+              <a:t>addPerson</a:t>
+            </a:r>
+            <a:endParaRPr lang="es-419" sz="1400" dirty="0">
+              <a:solidFill>
+                <a:schemeClr val="dk1"/>
+              </a:solidFill>
+              <a:latin typeface="Calibri"/>
+              <a:ea typeface="Calibri"/>
+              <a:cs typeface="Calibri"/>
+              <a:sym typeface="Calibri"/>
+            </a:endParaRPr>
+          </a:p>
+          <a:p>
+            <a:r>
+              <a:rPr lang="es-419" sz="1400" dirty="0">
+                <a:solidFill>
+                  <a:schemeClr val="dk1"/>
+                </a:solidFill>
+                <a:latin typeface="Calibri"/>
+                <a:ea typeface="Calibri"/>
+                <a:cs typeface="Calibri"/>
+                <a:sym typeface="Calibri"/>
+              </a:rPr>
+              <a:t>(user, pass)</a:t>
+            </a:r>
+            <a:endParaRPr sz="1400" dirty="0">
+              <a:solidFill>
+                <a:schemeClr val="dk1"/>
+              </a:solidFill>
+              <a:latin typeface="Calibri"/>
+              <a:ea typeface="Calibri"/>
+              <a:cs typeface="Calibri"/>
+              <a:sym typeface="Calibri"/>
+            </a:endParaRPr>
+          </a:p>
+        </p:txBody>
+      </p:sp>
+      <p:sp>
+        <p:nvSpPr>
+          <p:cNvPr id="302" name="Google Shape;302;p37"/>
+          <p:cNvSpPr/>
+          <p:nvPr/>
+        </p:nvSpPr>
+        <p:spPr>
+          <a:xfrm>
+            <a:off x="7349056" y="1106538"/>
+            <a:ext cx="808868" cy="369200"/>
+          </a:xfrm>
+          <a:prstGeom prst="rect">
+            <a:avLst/>
+          </a:prstGeom>
+          <a:solidFill>
+            <a:schemeClr val="lt1"/>
+          </a:solidFill>
+          <a:ln w="25400" cap="flat" cmpd="sng">
+            <a:solidFill>
+              <a:schemeClr val="accent1"/>
+            </a:solidFill>
+            <a:prstDash val="solid"/>
+            <a:round/>
+            <a:headEnd type="none" w="sm" len="sm"/>
+            <a:tailEnd type="none" w="sm" len="sm"/>
+          </a:ln>
+        </p:spPr>
+        <p:txBody>
+          <a:bodyPr spcFirstLastPara="1" wrap="square" lIns="107269" tIns="53620" rIns="107269" bIns="53620" anchor="ctr" anchorCtr="0">
+            <a:noAutofit/>
+          </a:bodyPr>
+          <a:lstStyle/>
+          <a:p>
+            <a:pPr algn="ctr"/>
+            <a:r>
+              <a:rPr lang="es-419" sz="1200" dirty="0">
+                <a:solidFill>
+                  <a:schemeClr val="dk1"/>
+                </a:solidFill>
+                <a:latin typeface="Calibri"/>
+                <a:ea typeface="Calibri"/>
+                <a:cs typeface="Calibri"/>
+                <a:sym typeface="Calibri"/>
+              </a:rPr>
+              <a:t>Window</a:t>
+            </a:r>
+            <a:endParaRPr sz="1200" dirty="0">
+              <a:solidFill>
+                <a:schemeClr val="dk1"/>
+              </a:solidFill>
+              <a:latin typeface="Calibri"/>
+              <a:ea typeface="Calibri"/>
+              <a:cs typeface="Calibri"/>
+              <a:sym typeface="Calibri"/>
+            </a:endParaRPr>
+          </a:p>
+        </p:txBody>
+      </p:sp>
+      <p:sp>
+        <p:nvSpPr>
+          <p:cNvPr id="35" name="Google Shape;290;p37"/>
+          <p:cNvSpPr/>
+          <p:nvPr/>
+        </p:nvSpPr>
+        <p:spPr>
+          <a:xfrm>
+            <a:off x="382133" y="994995"/>
+            <a:ext cx="1294894" cy="651379"/>
+          </a:xfrm>
+          <a:prstGeom prst="rect">
+            <a:avLst/>
+          </a:prstGeom>
+          <a:solidFill>
+            <a:schemeClr val="lt1"/>
+          </a:solidFill>
+          <a:ln w="25400" cap="flat" cmpd="sng">
+            <a:solidFill>
+              <a:schemeClr val="accent1"/>
+            </a:solidFill>
+            <a:prstDash val="solid"/>
+            <a:round/>
+            <a:headEnd type="none" w="sm" len="sm"/>
+            <a:tailEnd type="none" w="sm" len="sm"/>
+          </a:ln>
+        </p:spPr>
+        <p:txBody>
+          <a:bodyPr spcFirstLastPara="1" wrap="square" lIns="107269" tIns="53620" rIns="107269" bIns="53620" anchor="ctr" anchorCtr="0">
+            <a:noAutofit/>
+          </a:bodyPr>
+          <a:lstStyle/>
+          <a:p>
+            <a:pPr algn="ctr"/>
+            <a:r>
+              <a:rPr lang="es-419" sz="1200" dirty="0">
+                <a:solidFill>
+                  <a:schemeClr val="dk1"/>
+                </a:solidFill>
+                <a:latin typeface="Calibri"/>
+                <a:ea typeface="Calibri"/>
+                <a:cs typeface="Calibri"/>
+                <a:sym typeface="Calibri"/>
+              </a:rPr>
+              <a:t>index.html + checklogin.js</a:t>
+            </a:r>
+            <a:endParaRPr sz="1200" dirty="0">
+              <a:solidFill>
+                <a:schemeClr val="dk1"/>
+              </a:solidFill>
+              <a:latin typeface="Calibri"/>
+              <a:ea typeface="Calibri"/>
+              <a:cs typeface="Calibri"/>
+              <a:sym typeface="Calibri"/>
+            </a:endParaRPr>
+          </a:p>
+        </p:txBody>
+      </p:sp>
+      <p:sp>
+        <p:nvSpPr>
+          <p:cNvPr id="37" name="Google Shape;292;p37"/>
+          <p:cNvSpPr/>
+          <p:nvPr/>
+        </p:nvSpPr>
+        <p:spPr>
+          <a:xfrm>
+            <a:off x="858522" y="1873596"/>
+            <a:ext cx="342116" cy="4650030"/>
+          </a:xfrm>
+          <a:prstGeom prst="rect">
+            <a:avLst/>
+          </a:prstGeom>
+          <a:solidFill>
+            <a:schemeClr val="lt1"/>
+          </a:solidFill>
+          <a:ln w="25400" cap="flat" cmpd="sng">
+            <a:solidFill>
+              <a:schemeClr val="accent1"/>
+            </a:solidFill>
+            <a:prstDash val="solid"/>
+            <a:round/>
+            <a:headEnd type="none" w="sm" len="sm"/>
+            <a:tailEnd type="none" w="sm" len="sm"/>
+          </a:ln>
+        </p:spPr>
+        <p:txBody>
+          <a:bodyPr spcFirstLastPara="1" wrap="square" lIns="107269" tIns="53620" rIns="107269" bIns="53620" anchor="ctr" anchorCtr="0">
+            <a:noAutofit/>
+          </a:bodyPr>
+          <a:lstStyle/>
+          <a:p>
+            <a:pPr algn="ctr"/>
+            <a:endParaRPr sz="1400">
+              <a:solidFill>
+                <a:schemeClr val="dk1"/>
+              </a:solidFill>
+              <a:latin typeface="Calibri"/>
+              <a:ea typeface="Calibri"/>
+              <a:cs typeface="Calibri"/>
+              <a:sym typeface="Calibri"/>
+            </a:endParaRPr>
+          </a:p>
+        </p:txBody>
+      </p:sp>
+      <p:cxnSp>
+        <p:nvCxnSpPr>
+          <p:cNvPr id="50" name="Google Shape;293;p37"/>
+          <p:cNvCxnSpPr/>
+          <p:nvPr/>
+        </p:nvCxnSpPr>
+        <p:spPr>
+          <a:xfrm>
+            <a:off x="1195294" y="4046375"/>
+            <a:ext cx="1800899" cy="0"/>
+          </a:xfrm>
+          <a:prstGeom prst="straightConnector1">
+            <a:avLst/>
+          </a:prstGeom>
+          <a:noFill/>
+          <a:ln w="25400" cap="flat" cmpd="sng">
+            <a:solidFill>
+              <a:schemeClr val="accent1"/>
+            </a:solidFill>
+            <a:prstDash val="dash"/>
+            <a:round/>
+            <a:headEnd type="triangle" w="med" len="med"/>
+            <a:tailEnd type="none" w="med" len="med"/>
+          </a:ln>
+          <a:effectLst>
+            <a:outerShdw blurRad="40000" dist="20000" dir="5400000" rotWithShape="0">
+              <a:srgbClr val="000000">
+                <a:alpha val="37647"/>
+              </a:srgbClr>
+            </a:outerShdw>
+          </a:effectLst>
+        </p:spPr>
+      </p:cxnSp>
+      <p:sp>
+        <p:nvSpPr>
+          <p:cNvPr id="51" name="Google Shape;298;p37"/>
+          <p:cNvSpPr txBox="1"/>
+          <p:nvPr/>
+        </p:nvSpPr>
+        <p:spPr>
+          <a:xfrm>
+            <a:off x="1310774" y="3756625"/>
+            <a:ext cx="1494032" cy="467174"/>
+          </a:xfrm>
+          <a:prstGeom prst="rect">
+            <a:avLst/>
+          </a:prstGeom>
+          <a:noFill/>
+          <a:ln>
+            <a:noFill/>
+          </a:ln>
+        </p:spPr>
+        <p:txBody>
+          <a:bodyPr spcFirstLastPara="1" wrap="square" lIns="107269" tIns="53620" rIns="107269" bIns="53620" anchor="t" anchorCtr="0">
+            <a:noAutofit/>
+          </a:bodyPr>
+          <a:lstStyle/>
+          <a:p>
+            <a:pPr algn="ctr"/>
+            <a:r>
+              <a:rPr lang="es-419" sz="1400" dirty="0">
+                <a:solidFill>
+                  <a:schemeClr val="dk1"/>
+                </a:solidFill>
+                <a:latin typeface="Calibri"/>
+                <a:ea typeface="Calibri"/>
+                <a:cs typeface="Calibri"/>
+                <a:sym typeface="Calibri"/>
+              </a:rPr>
+              <a:t>[user  == null ]</a:t>
+            </a:r>
+          </a:p>
+          <a:p>
+            <a:pPr algn="ctr"/>
+            <a:r>
+              <a:rPr lang="en-US" sz="1400" dirty="0">
+                <a:solidFill>
+                  <a:schemeClr val="dk1"/>
+                </a:solidFill>
+                <a:latin typeface="Calibri"/>
+                <a:ea typeface="Calibri"/>
+                <a:cs typeface="Calibri"/>
+                <a:sym typeface="Calibri"/>
+              </a:rPr>
+              <a:t>s</a:t>
+            </a:r>
+            <a:r>
+              <a:rPr lang="es-419" sz="1400" dirty="0">
+                <a:solidFill>
+                  <a:schemeClr val="dk1"/>
+                </a:solidFill>
+                <a:latin typeface="Calibri"/>
+                <a:ea typeface="Calibri"/>
+                <a:cs typeface="Calibri"/>
+                <a:sym typeface="Calibri"/>
+              </a:rPr>
+              <a:t>tatus </a:t>
+            </a:r>
+            <a:r>
+              <a:rPr lang="es-419" sz="1400" dirty="0" err="1">
+                <a:solidFill>
+                  <a:schemeClr val="dk1"/>
+                </a:solidFill>
+                <a:latin typeface="Calibri"/>
+                <a:ea typeface="Calibri"/>
+                <a:cs typeface="Calibri"/>
+                <a:sym typeface="Calibri"/>
+              </a:rPr>
+              <a:t>code</a:t>
+            </a:r>
+            <a:r>
+              <a:rPr lang="es-419" sz="1400" dirty="0">
+                <a:solidFill>
+                  <a:schemeClr val="dk1"/>
+                </a:solidFill>
+                <a:latin typeface="Calibri"/>
+                <a:ea typeface="Calibri"/>
+                <a:cs typeface="Calibri"/>
+                <a:sym typeface="Calibri"/>
+              </a:rPr>
+              <a:t> 406</a:t>
+            </a:r>
+            <a:endParaRPr sz="1400" dirty="0">
+              <a:solidFill>
+                <a:schemeClr val="dk1"/>
+              </a:solidFill>
+              <a:latin typeface="Calibri"/>
+              <a:ea typeface="Calibri"/>
+              <a:cs typeface="Calibri"/>
+              <a:sym typeface="Calibri"/>
+            </a:endParaRPr>
+          </a:p>
+        </p:txBody>
+      </p:sp>
+      <p:sp>
+        <p:nvSpPr>
+          <p:cNvPr id="53" name="Google Shape;282;p37"/>
+          <p:cNvSpPr/>
+          <p:nvPr/>
+        </p:nvSpPr>
+        <p:spPr>
+          <a:xfrm>
+            <a:off x="71651" y="120557"/>
+            <a:ext cx="330200" cy="628400"/>
+          </a:xfrm>
+          <a:prstGeom prst="rect">
+            <a:avLst/>
+          </a:prstGeom>
+          <a:solidFill>
+            <a:schemeClr val="bg1"/>
+          </a:solidFill>
+          <a:ln w="25400" cap="flat" cmpd="sng">
+            <a:solidFill>
+              <a:schemeClr val="accent1"/>
+            </a:solidFill>
+            <a:prstDash val="solid"/>
+            <a:round/>
+            <a:headEnd type="none" w="sm" len="sm"/>
+            <a:tailEnd type="none" w="sm" len="sm"/>
+          </a:ln>
+        </p:spPr>
+        <p:txBody>
+          <a:bodyPr spcFirstLastPara="1" wrap="square" lIns="107269" tIns="53620" rIns="107269" bIns="53620" anchor="ctr" anchorCtr="0">
+            <a:noAutofit/>
+          </a:bodyPr>
+          <a:lstStyle/>
+          <a:p>
+            <a:pPr algn="ctr"/>
+            <a:endParaRPr sz="2100">
+              <a:solidFill>
+                <a:schemeClr val="dk1"/>
+              </a:solidFill>
+              <a:latin typeface="Calibri"/>
+              <a:ea typeface="Calibri"/>
+              <a:cs typeface="Calibri"/>
+              <a:sym typeface="Calibri"/>
+            </a:endParaRPr>
+          </a:p>
+        </p:txBody>
+      </p:sp>
+      <p:sp>
+        <p:nvSpPr>
+          <p:cNvPr id="15" name="TextBox 14"/>
+          <p:cNvSpPr txBox="1"/>
+          <p:nvPr/>
+        </p:nvSpPr>
+        <p:spPr>
+          <a:xfrm>
+            <a:off x="363168" y="434757"/>
+            <a:ext cx="1197764" cy="338554"/>
+          </a:xfrm>
+          <a:prstGeom prst="rect">
+            <a:avLst/>
+          </a:prstGeom>
+          <a:noFill/>
+        </p:spPr>
+        <p:txBody>
+          <a:bodyPr wrap="none" rtlCol="0">
+            <a:spAutoFit/>
+          </a:bodyPr>
+          <a:lstStyle/>
+          <a:p>
+            <a:r>
+              <a:rPr lang="en-US" dirty="0"/>
+              <a:t>Client side </a:t>
+            </a:r>
+          </a:p>
+        </p:txBody>
+      </p:sp>
+      <p:sp>
+        <p:nvSpPr>
+          <p:cNvPr id="55" name="Google Shape;282;p37"/>
+          <p:cNvSpPr/>
+          <p:nvPr/>
+        </p:nvSpPr>
+        <p:spPr>
+          <a:xfrm>
+            <a:off x="1643443" y="122829"/>
+            <a:ext cx="330200" cy="628400"/>
+          </a:xfrm>
+          <a:prstGeom prst="rect">
+            <a:avLst/>
+          </a:prstGeom>
+          <a:solidFill>
+            <a:schemeClr val="tx2">
+              <a:lumMod val="20000"/>
+              <a:lumOff val="80000"/>
+            </a:schemeClr>
+          </a:solidFill>
+          <a:ln w="25400" cap="flat" cmpd="sng">
+            <a:solidFill>
+              <a:schemeClr val="accent1"/>
+            </a:solidFill>
+            <a:prstDash val="solid"/>
+            <a:round/>
+            <a:headEnd type="none" w="sm" len="sm"/>
+            <a:tailEnd type="none" w="sm" len="sm"/>
+          </a:ln>
+        </p:spPr>
+        <p:txBody>
+          <a:bodyPr spcFirstLastPara="1" wrap="square" lIns="107269" tIns="53620" rIns="107269" bIns="53620" anchor="ctr" anchorCtr="0">
+            <a:noAutofit/>
+          </a:bodyPr>
+          <a:lstStyle/>
+          <a:p>
+            <a:pPr algn="ctr"/>
+            <a:endParaRPr sz="2100">
+              <a:solidFill>
+                <a:schemeClr val="dk1"/>
+              </a:solidFill>
+              <a:latin typeface="Calibri"/>
+              <a:ea typeface="Calibri"/>
+              <a:cs typeface="Calibri"/>
+              <a:sym typeface="Calibri"/>
+            </a:endParaRPr>
+          </a:p>
+        </p:txBody>
+      </p:sp>
+      <p:sp>
+        <p:nvSpPr>
+          <p:cNvPr id="56" name="TextBox 55"/>
+          <p:cNvSpPr txBox="1"/>
+          <p:nvPr/>
+        </p:nvSpPr>
+        <p:spPr>
+          <a:xfrm>
+            <a:off x="1934960" y="437029"/>
+            <a:ext cx="1279517" cy="338554"/>
+          </a:xfrm>
+          <a:prstGeom prst="rect">
+            <a:avLst/>
+          </a:prstGeom>
+          <a:noFill/>
+        </p:spPr>
+        <p:txBody>
+          <a:bodyPr wrap="none" rtlCol="0">
+            <a:spAutoFit/>
+          </a:bodyPr>
+          <a:lstStyle/>
+          <a:p>
+            <a:r>
+              <a:rPr lang="en-US" dirty="0"/>
+              <a:t>Server side </a:t>
+            </a:r>
+          </a:p>
+        </p:txBody>
+      </p:sp>
+      <p:cxnSp>
+        <p:nvCxnSpPr>
+          <p:cNvPr id="59" name="Google Shape;293;p37"/>
+          <p:cNvCxnSpPr/>
+          <p:nvPr/>
+        </p:nvCxnSpPr>
+        <p:spPr>
+          <a:xfrm>
+            <a:off x="1224862" y="4771991"/>
+            <a:ext cx="1771331" cy="0"/>
+          </a:xfrm>
+          <a:prstGeom prst="straightConnector1">
+            <a:avLst/>
+          </a:prstGeom>
+          <a:noFill/>
+          <a:ln w="25400" cap="flat" cmpd="sng">
+            <a:solidFill>
+              <a:schemeClr val="accent1"/>
+            </a:solidFill>
+            <a:prstDash val="dash"/>
+            <a:round/>
+            <a:headEnd type="triangle" w="med" len="med"/>
+            <a:tailEnd type="none" w="med" len="med"/>
+          </a:ln>
+          <a:effectLst>
+            <a:outerShdw blurRad="40000" dist="20000" dir="5400000" rotWithShape="0">
+              <a:srgbClr val="000000">
+                <a:alpha val="37647"/>
+              </a:srgbClr>
+            </a:outerShdw>
+          </a:effectLst>
+        </p:spPr>
+      </p:cxnSp>
+      <p:sp>
+        <p:nvSpPr>
+          <p:cNvPr id="60" name="Google Shape;298;p37"/>
+          <p:cNvSpPr txBox="1"/>
+          <p:nvPr/>
+        </p:nvSpPr>
+        <p:spPr>
+          <a:xfrm>
+            <a:off x="1310774" y="4495889"/>
+            <a:ext cx="1523600" cy="651920"/>
+          </a:xfrm>
+          <a:prstGeom prst="rect">
+            <a:avLst/>
+          </a:prstGeom>
+          <a:noFill/>
+          <a:ln>
+            <a:noFill/>
+          </a:ln>
+        </p:spPr>
+        <p:txBody>
+          <a:bodyPr spcFirstLastPara="1" wrap="square" lIns="107269" tIns="53620" rIns="107269" bIns="53620" anchor="t" anchorCtr="0">
+            <a:noAutofit/>
+          </a:bodyPr>
+          <a:lstStyle/>
+          <a:p>
+            <a:pPr algn="ctr"/>
+            <a:r>
+              <a:rPr lang="es-419" sz="1400" dirty="0">
+                <a:solidFill>
+                  <a:schemeClr val="dk1"/>
+                </a:solidFill>
+                <a:latin typeface="Calibri"/>
+                <a:ea typeface="Calibri"/>
+                <a:cs typeface="Calibri"/>
+                <a:sym typeface="Calibri"/>
+              </a:rPr>
+              <a:t>[user  != null ]</a:t>
+            </a:r>
+          </a:p>
+          <a:p>
+            <a:pPr algn="ctr"/>
+            <a:r>
+              <a:rPr lang="en-US" sz="1400" dirty="0">
+                <a:solidFill>
+                  <a:schemeClr val="dk1"/>
+                </a:solidFill>
+                <a:latin typeface="Calibri"/>
+                <a:ea typeface="Calibri"/>
+                <a:cs typeface="Calibri"/>
+                <a:sym typeface="Calibri"/>
+              </a:rPr>
+              <a:t>s</a:t>
+            </a:r>
+            <a:r>
+              <a:rPr lang="es-419" sz="1400" dirty="0">
+                <a:solidFill>
+                  <a:schemeClr val="dk1"/>
+                </a:solidFill>
+                <a:latin typeface="Calibri"/>
+                <a:ea typeface="Calibri"/>
+                <a:cs typeface="Calibri"/>
+                <a:sym typeface="Calibri"/>
+              </a:rPr>
+              <a:t>tatus code </a:t>
+            </a:r>
+            <a:r>
+              <a:rPr lang="en-US" sz="1400" dirty="0"/>
+              <a:t>200</a:t>
+            </a:r>
+          </a:p>
+          <a:p>
+            <a:pPr algn="ctr"/>
+            <a:r>
+              <a:rPr lang="en-US" sz="1400" dirty="0">
+                <a:solidFill>
+                  <a:schemeClr val="dk1"/>
+                </a:solidFill>
+                <a:latin typeface="Calibri"/>
+                <a:ea typeface="Calibri"/>
+                <a:cs typeface="Calibri"/>
+                <a:sym typeface="Calibri"/>
+              </a:rPr>
+              <a:t>username</a:t>
+            </a:r>
+            <a:endParaRPr sz="1400" dirty="0">
+              <a:solidFill>
+                <a:schemeClr val="dk1"/>
+              </a:solidFill>
+              <a:latin typeface="Calibri"/>
+              <a:ea typeface="Calibri"/>
+              <a:cs typeface="Calibri"/>
+              <a:sym typeface="Calibri"/>
+            </a:endParaRPr>
+          </a:p>
+        </p:txBody>
+      </p:sp>
+      <p:sp>
+        <p:nvSpPr>
+          <p:cNvPr id="87" name="Google Shape;297;p37"/>
+          <p:cNvSpPr txBox="1"/>
+          <p:nvPr/>
+        </p:nvSpPr>
+        <p:spPr>
+          <a:xfrm>
+            <a:off x="5336262" y="5882359"/>
+            <a:ext cx="2385914" cy="299897"/>
+          </a:xfrm>
+          <a:prstGeom prst="rect">
+            <a:avLst/>
+          </a:prstGeom>
+          <a:noFill/>
+          <a:ln>
+            <a:noFill/>
+          </a:ln>
+        </p:spPr>
+        <p:txBody>
+          <a:bodyPr spcFirstLastPara="1" wrap="square" lIns="107269" tIns="53620" rIns="107269" bIns="53620" anchor="t" anchorCtr="0">
+            <a:noAutofit/>
+          </a:bodyPr>
+          <a:lstStyle/>
+          <a:p>
+            <a:pPr algn="ctr"/>
+            <a:r>
+              <a:rPr lang="es-419" sz="1400" dirty="0">
+                <a:solidFill>
+                  <a:schemeClr val="dk1"/>
+                </a:solidFill>
+                <a:latin typeface="Calibri"/>
+                <a:ea typeface="Calibri"/>
+                <a:cs typeface="Calibri"/>
+                <a:sym typeface="Calibri"/>
+              </a:rPr>
+              <a:t>[location  = homePage.html]</a:t>
+            </a:r>
+            <a:endParaRPr sz="1400" dirty="0">
+              <a:solidFill>
+                <a:schemeClr val="dk1"/>
+              </a:solidFill>
+              <a:latin typeface="Calibri"/>
+              <a:ea typeface="Calibri"/>
+              <a:cs typeface="Calibri"/>
+              <a:sym typeface="Calibri"/>
+            </a:endParaRPr>
+          </a:p>
+        </p:txBody>
+      </p:sp>
+      <p:grpSp>
+        <p:nvGrpSpPr>
+          <p:cNvPr id="62" name="Group 61"/>
+          <p:cNvGrpSpPr/>
+          <p:nvPr/>
+        </p:nvGrpSpPr>
+        <p:grpSpPr>
+          <a:xfrm>
+            <a:off x="345527" y="4130029"/>
+            <a:ext cx="484693" cy="272090"/>
+            <a:chOff x="614149" y="4401223"/>
+            <a:chExt cx="484693" cy="507248"/>
+          </a:xfrm>
+        </p:grpSpPr>
+        <p:cxnSp>
+          <p:nvCxnSpPr>
+            <p:cNvPr id="52" name="Straight Connector 51"/>
+            <p:cNvCxnSpPr/>
+            <p:nvPr/>
+          </p:nvCxnSpPr>
+          <p:spPr>
+            <a:xfrm flipH="1">
+              <a:off x="614149" y="4401223"/>
+              <a:ext cx="484693" cy="0"/>
+            </a:xfrm>
+            <a:prstGeom prst="line">
+              <a:avLst/>
+            </a:prstGeom>
+            <a:ln w="28575">
+              <a:solidFill>
+                <a:srgbClr val="0070C0"/>
+              </a:solidFill>
+            </a:ln>
+          </p:spPr>
+          <p:style>
+            <a:lnRef idx="1">
+              <a:schemeClr val="accent1"/>
+            </a:lnRef>
+            <a:fillRef idx="0">
+              <a:schemeClr val="accent1"/>
+            </a:fillRef>
+            <a:effectRef idx="0">
+              <a:schemeClr val="accent1"/>
+            </a:effectRef>
+            <a:fontRef idx="minor">
+              <a:schemeClr val="tx1"/>
+            </a:fontRef>
+          </p:style>
+        </p:cxnSp>
+        <p:cxnSp>
+          <p:nvCxnSpPr>
+            <p:cNvPr id="57" name="Straight Connector 56"/>
+            <p:cNvCxnSpPr/>
+            <p:nvPr/>
+          </p:nvCxnSpPr>
+          <p:spPr>
+            <a:xfrm>
+              <a:off x="614149" y="4401223"/>
+              <a:ext cx="0" cy="505677"/>
+            </a:xfrm>
+            <a:prstGeom prst="line">
+              <a:avLst/>
+            </a:prstGeom>
+            <a:ln w="28575">
+              <a:solidFill>
+                <a:srgbClr val="0070C0"/>
+              </a:solidFill>
+            </a:ln>
+          </p:spPr>
+          <p:style>
+            <a:lnRef idx="1">
+              <a:schemeClr val="accent1"/>
+            </a:lnRef>
+            <a:fillRef idx="0">
+              <a:schemeClr val="accent1"/>
+            </a:fillRef>
+            <a:effectRef idx="0">
+              <a:schemeClr val="accent1"/>
+            </a:effectRef>
+            <a:fontRef idx="minor">
+              <a:schemeClr val="tx1"/>
+            </a:fontRef>
+          </p:style>
+        </p:cxnSp>
+        <p:cxnSp>
+          <p:nvCxnSpPr>
+            <p:cNvPr id="61" name="Straight Arrow Connector 60"/>
+            <p:cNvCxnSpPr/>
+            <p:nvPr/>
+          </p:nvCxnSpPr>
+          <p:spPr>
+            <a:xfrm>
+              <a:off x="614149" y="4908471"/>
+              <a:ext cx="484693" cy="0"/>
+            </a:xfrm>
+            <a:prstGeom prst="straightConnector1">
+              <a:avLst/>
+            </a:prstGeom>
+            <a:ln w="28575">
+              <a:solidFill>
+                <a:srgbClr val="0070C0"/>
+              </a:solidFill>
+              <a:tailEnd type="arrow"/>
+            </a:ln>
+          </p:spPr>
+          <p:style>
+            <a:lnRef idx="1">
+              <a:schemeClr val="accent1"/>
+            </a:lnRef>
+            <a:fillRef idx="0">
+              <a:schemeClr val="accent1"/>
+            </a:fillRef>
+            <a:effectRef idx="0">
+              <a:schemeClr val="accent1"/>
+            </a:effectRef>
+            <a:fontRef idx="minor">
+              <a:schemeClr val="tx1"/>
+            </a:fontRef>
+          </p:style>
+        </p:cxnSp>
+      </p:grpSp>
+      <p:sp>
+        <p:nvSpPr>
+          <p:cNvPr id="97" name="Google Shape;297;p37"/>
+          <p:cNvSpPr txBox="1"/>
+          <p:nvPr/>
+        </p:nvSpPr>
+        <p:spPr>
+          <a:xfrm>
+            <a:off x="-138883" y="3541054"/>
+            <a:ext cx="1100443" cy="555727"/>
+          </a:xfrm>
+          <a:prstGeom prst="rect">
+            <a:avLst/>
+          </a:prstGeom>
+          <a:noFill/>
+          <a:ln>
+            <a:noFill/>
+          </a:ln>
+        </p:spPr>
+        <p:txBody>
+          <a:bodyPr spcFirstLastPara="1" wrap="square" lIns="107269" tIns="53620" rIns="107269" bIns="53620" anchor="t" anchorCtr="0">
+            <a:noAutofit/>
+          </a:bodyPr>
+          <a:lstStyle/>
+          <a:p>
+            <a:pPr algn="ctr"/>
+            <a:r>
+              <a:rPr lang="it-IT" sz="1400" dirty="0">
+                <a:solidFill>
+                  <a:schemeClr val="dk1"/>
+                </a:solidFill>
+                <a:latin typeface="Calibri"/>
+                <a:ea typeface="Calibri"/>
+                <a:cs typeface="Calibri"/>
+                <a:sym typeface="Calibri"/>
+              </a:rPr>
+              <a:t>Show </a:t>
+            </a:r>
+            <a:r>
+              <a:rPr lang="it-IT" sz="1400" dirty="0" err="1">
+                <a:solidFill>
+                  <a:schemeClr val="dk1"/>
+                </a:solidFill>
+                <a:latin typeface="Calibri"/>
+                <a:ea typeface="Calibri"/>
+                <a:cs typeface="Calibri"/>
+                <a:sym typeface="Calibri"/>
+              </a:rPr>
+              <a:t>error</a:t>
+            </a:r>
+            <a:r>
+              <a:rPr lang="it-IT" sz="1400" dirty="0">
+                <a:solidFill>
+                  <a:schemeClr val="dk1"/>
+                </a:solidFill>
+                <a:latin typeface="Calibri"/>
+                <a:ea typeface="Calibri"/>
+                <a:cs typeface="Calibri"/>
+                <a:sym typeface="Calibri"/>
+              </a:rPr>
+              <a:t> msg</a:t>
+            </a:r>
+            <a:endParaRPr sz="1400" dirty="0">
+              <a:solidFill>
+                <a:schemeClr val="dk1"/>
+              </a:solidFill>
+              <a:latin typeface="Calibri"/>
+              <a:ea typeface="Calibri"/>
+              <a:cs typeface="Calibri"/>
+              <a:sym typeface="Calibri"/>
+            </a:endParaRPr>
+          </a:p>
+        </p:txBody>
+      </p:sp>
+      <p:cxnSp>
+        <p:nvCxnSpPr>
+          <p:cNvPr id="98" name="Google Shape;275;p37"/>
+          <p:cNvCxnSpPr/>
+          <p:nvPr/>
+        </p:nvCxnSpPr>
+        <p:spPr>
+          <a:xfrm>
+            <a:off x="71651" y="1975879"/>
+            <a:ext cx="783799" cy="0"/>
+          </a:xfrm>
+          <a:prstGeom prst="straightConnector1">
+            <a:avLst/>
+          </a:prstGeom>
+          <a:noFill/>
+          <a:ln w="25400" cap="flat" cmpd="sng">
+            <a:solidFill>
+              <a:schemeClr val="accent1"/>
+            </a:solidFill>
+            <a:prstDash val="solid"/>
+            <a:round/>
+            <a:headEnd type="none" w="sm" len="sm"/>
+            <a:tailEnd type="stealth" w="med" len="med"/>
+          </a:ln>
+          <a:effectLst>
+            <a:outerShdw blurRad="40000" dist="20000" dir="5400000" rotWithShape="0">
+              <a:srgbClr val="000000">
+                <a:alpha val="37647"/>
+              </a:srgbClr>
+            </a:outerShdw>
+          </a:effectLst>
+        </p:spPr>
+      </p:cxnSp>
+      <p:cxnSp>
+        <p:nvCxnSpPr>
+          <p:cNvPr id="58" name="Google Shape;295;p37"/>
+          <p:cNvCxnSpPr/>
+          <p:nvPr/>
+        </p:nvCxnSpPr>
+        <p:spPr>
+          <a:xfrm>
+            <a:off x="6511698" y="1540207"/>
+            <a:ext cx="11040" cy="4858959"/>
+          </a:xfrm>
+          <a:prstGeom prst="straightConnector1">
+            <a:avLst/>
+          </a:prstGeom>
+          <a:noFill/>
+          <a:ln w="38100" cap="flat" cmpd="sng">
+            <a:solidFill>
+              <a:schemeClr val="accent1"/>
+            </a:solidFill>
+            <a:prstDash val="dot"/>
+            <a:round/>
+            <a:headEnd type="none" w="sm" len="sm"/>
+            <a:tailEnd type="none" w="sm" len="sm"/>
+          </a:ln>
+          <a:effectLst>
+            <a:outerShdw blurRad="40000" dist="23000" dir="5400000" rotWithShape="0">
+              <a:srgbClr val="000000">
+                <a:alpha val="34901"/>
+              </a:srgbClr>
+            </a:outerShdw>
+          </a:effectLst>
+        </p:spPr>
+      </p:cxnSp>
+      <p:sp>
+        <p:nvSpPr>
+          <p:cNvPr id="63" name="Google Shape;296;p37"/>
+          <p:cNvSpPr/>
+          <p:nvPr/>
+        </p:nvSpPr>
+        <p:spPr>
+          <a:xfrm>
+            <a:off x="6344155" y="4851818"/>
+            <a:ext cx="313904" cy="931949"/>
+          </a:xfrm>
+          <a:prstGeom prst="rect">
+            <a:avLst/>
+          </a:prstGeom>
+          <a:solidFill>
+            <a:schemeClr val="lt1"/>
+          </a:solidFill>
+          <a:ln w="25400" cap="flat" cmpd="sng">
+            <a:solidFill>
+              <a:schemeClr val="accent1"/>
+            </a:solidFill>
+            <a:prstDash val="solid"/>
+            <a:round/>
+            <a:headEnd type="none" w="sm" len="sm"/>
+            <a:tailEnd type="none" w="sm" len="sm"/>
+          </a:ln>
+        </p:spPr>
+        <p:txBody>
+          <a:bodyPr spcFirstLastPara="1" wrap="square" lIns="107269" tIns="53620" rIns="107269" bIns="53620" anchor="ctr" anchorCtr="0">
+            <a:noAutofit/>
+          </a:bodyPr>
+          <a:lstStyle/>
+          <a:p>
+            <a:pPr algn="ctr"/>
+            <a:endParaRPr sz="1400">
+              <a:solidFill>
+                <a:schemeClr val="dk1"/>
+              </a:solidFill>
+              <a:latin typeface="Calibri"/>
+              <a:ea typeface="Calibri"/>
+              <a:cs typeface="Calibri"/>
+              <a:sym typeface="Calibri"/>
+            </a:endParaRPr>
+          </a:p>
+        </p:txBody>
+      </p:sp>
+      <p:sp>
+        <p:nvSpPr>
+          <p:cNvPr id="64" name="Google Shape;302;p37"/>
+          <p:cNvSpPr/>
+          <p:nvPr/>
+        </p:nvSpPr>
+        <p:spPr>
+          <a:xfrm>
+            <a:off x="5970303" y="1103815"/>
+            <a:ext cx="1093830" cy="515985"/>
+          </a:xfrm>
+          <a:prstGeom prst="rect">
+            <a:avLst/>
+          </a:prstGeom>
+          <a:solidFill>
+            <a:schemeClr val="lt1"/>
+          </a:solidFill>
+          <a:ln w="25400" cap="flat" cmpd="sng">
+            <a:solidFill>
+              <a:schemeClr val="accent1"/>
+            </a:solidFill>
+            <a:prstDash val="solid"/>
+            <a:round/>
+            <a:headEnd type="none" w="sm" len="sm"/>
+            <a:tailEnd type="none" w="sm" len="sm"/>
+          </a:ln>
+        </p:spPr>
+        <p:txBody>
+          <a:bodyPr spcFirstLastPara="1" wrap="square" lIns="107269" tIns="53620" rIns="107269" bIns="53620" anchor="ctr" anchorCtr="0">
+            <a:noAutofit/>
+          </a:bodyPr>
+          <a:lstStyle/>
+          <a:p>
+            <a:pPr algn="ctr"/>
+            <a:r>
+              <a:rPr lang="es-419" sz="1200" dirty="0">
+                <a:solidFill>
+                  <a:schemeClr val="dk1"/>
+                </a:solidFill>
+                <a:latin typeface="Calibri"/>
+                <a:ea typeface="Calibri"/>
+                <a:cs typeface="Calibri"/>
+                <a:sym typeface="Calibri"/>
+              </a:rPr>
+              <a:t>Cookie</a:t>
+            </a:r>
+            <a:endParaRPr sz="1200" dirty="0">
+              <a:solidFill>
+                <a:schemeClr val="dk1"/>
+              </a:solidFill>
+              <a:latin typeface="Calibri"/>
+              <a:ea typeface="Calibri"/>
+              <a:cs typeface="Calibri"/>
+              <a:sym typeface="Calibri"/>
+            </a:endParaRPr>
+          </a:p>
+        </p:txBody>
+      </p:sp>
+      <p:cxnSp>
+        <p:nvCxnSpPr>
+          <p:cNvPr id="65" name="Google Shape;299;p37"/>
+          <p:cNvCxnSpPr>
+            <a:cxnSpLocks/>
+          </p:cNvCxnSpPr>
+          <p:nvPr/>
+        </p:nvCxnSpPr>
+        <p:spPr>
+          <a:xfrm>
+            <a:off x="1195294" y="5390676"/>
+            <a:ext cx="5176973" cy="0"/>
+          </a:xfrm>
+          <a:prstGeom prst="straightConnector1">
+            <a:avLst/>
+          </a:prstGeom>
+          <a:noFill/>
+          <a:ln w="25400" cap="flat" cmpd="sng">
+            <a:solidFill>
+              <a:schemeClr val="accent1"/>
+            </a:solidFill>
+            <a:prstDash val="solid"/>
+            <a:round/>
+            <a:headEnd type="none" w="sm" len="sm"/>
+            <a:tailEnd type="stealth" w="med" len="med"/>
+          </a:ln>
+          <a:effectLst>
+            <a:outerShdw blurRad="40000" dist="20000" dir="5400000" rotWithShape="0">
+              <a:srgbClr val="000000">
+                <a:alpha val="37647"/>
+              </a:srgbClr>
+            </a:outerShdw>
+          </a:effectLst>
+        </p:spPr>
+      </p:cxnSp>
+      <p:sp>
+        <p:nvSpPr>
+          <p:cNvPr id="66" name="Google Shape;297;p37"/>
+          <p:cNvSpPr txBox="1"/>
+          <p:nvPr/>
+        </p:nvSpPr>
+        <p:spPr>
+          <a:xfrm>
+            <a:off x="1236011" y="5425183"/>
+            <a:ext cx="2047680" cy="338400"/>
+          </a:xfrm>
+          <a:prstGeom prst="rect">
+            <a:avLst/>
+          </a:prstGeom>
+          <a:noFill/>
+          <a:ln>
+            <a:noFill/>
+          </a:ln>
+        </p:spPr>
+        <p:txBody>
+          <a:bodyPr spcFirstLastPara="1" wrap="square" lIns="107269" tIns="53620" rIns="107269" bIns="53620" anchor="t" anchorCtr="0">
+            <a:noAutofit/>
+          </a:bodyPr>
+          <a:lstStyle/>
+          <a:p>
+            <a:pPr algn="ctr"/>
+            <a:r>
+              <a:rPr lang="es-419" sz="1400" dirty="0">
+                <a:solidFill>
+                  <a:schemeClr val="dk1"/>
+                </a:solidFill>
+                <a:latin typeface="Calibri"/>
+                <a:ea typeface="Calibri"/>
+                <a:cs typeface="Calibri"/>
+                <a:sym typeface="Calibri"/>
+              </a:rPr>
+              <a:t>[status code == 200 ]</a:t>
+            </a:r>
+            <a:endParaRPr sz="1400" dirty="0">
+              <a:solidFill>
+                <a:schemeClr val="dk1"/>
+              </a:solidFill>
+              <a:latin typeface="Calibri"/>
+              <a:ea typeface="Calibri"/>
+              <a:cs typeface="Calibri"/>
+              <a:sym typeface="Calibri"/>
+            </a:endParaRPr>
+          </a:p>
+        </p:txBody>
+      </p:sp>
+      <p:sp>
+        <p:nvSpPr>
+          <p:cNvPr id="277" name="Google Shape;277;p37"/>
+          <p:cNvSpPr/>
+          <p:nvPr/>
+        </p:nvSpPr>
+        <p:spPr>
+          <a:xfrm>
+            <a:off x="2832417" y="1847543"/>
+            <a:ext cx="327356" cy="3049519"/>
+          </a:xfrm>
+          <a:prstGeom prst="rect">
+            <a:avLst/>
+          </a:prstGeom>
+          <a:solidFill>
+            <a:schemeClr val="tx2">
+              <a:lumMod val="20000"/>
+              <a:lumOff val="80000"/>
+            </a:schemeClr>
+          </a:solidFill>
+          <a:ln w="25400" cap="flat" cmpd="sng">
+            <a:solidFill>
+              <a:schemeClr val="accent1"/>
+            </a:solidFill>
+            <a:prstDash val="solid"/>
+            <a:round/>
+            <a:headEnd type="none" w="sm" len="sm"/>
+            <a:tailEnd type="none" w="sm" len="sm"/>
+          </a:ln>
+        </p:spPr>
+        <p:txBody>
+          <a:bodyPr spcFirstLastPara="1" wrap="square" lIns="107269" tIns="53620" rIns="107269" bIns="53620" anchor="ctr" anchorCtr="0">
+            <a:noAutofit/>
+          </a:bodyPr>
+          <a:lstStyle/>
+          <a:p>
+            <a:pPr algn="ctr"/>
+            <a:endParaRPr sz="1400">
+              <a:solidFill>
+                <a:schemeClr val="dk1"/>
+              </a:solidFill>
+              <a:latin typeface="Calibri"/>
+              <a:ea typeface="Calibri"/>
+              <a:cs typeface="Calibri"/>
+              <a:sym typeface="Calibri"/>
+            </a:endParaRPr>
+          </a:p>
+        </p:txBody>
+      </p:sp>
+      <p:sp>
+        <p:nvSpPr>
+          <p:cNvPr id="71" name="TextBox 70">
+            <a:extLst>
+              <a:ext uri="{FF2B5EF4-FFF2-40B4-BE49-F238E27FC236}">
+                <a16:creationId xmlns:a16="http://schemas.microsoft.com/office/drawing/2014/main" id="{F8B27D3A-2C7B-4441-A58E-925D2C8B97F8}"/>
+              </a:ext>
+            </a:extLst>
+          </p:cNvPr>
+          <p:cNvSpPr txBox="1"/>
+          <p:nvPr/>
+        </p:nvSpPr>
+        <p:spPr>
+          <a:xfrm>
+            <a:off x="2367643" y="3259723"/>
+            <a:ext cx="5022668" cy="338554"/>
+          </a:xfrm>
+          <a:prstGeom prst="rect">
+            <a:avLst/>
+          </a:prstGeom>
+          <a:noFill/>
+        </p:spPr>
+        <p:txBody>
+          <a:bodyPr wrap="square">
+            <a:spAutoFit/>
+          </a:bodyPr>
+          <a:lstStyle/>
+          <a:p>
+            <a:r>
+              <a:rPr lang="es-419" sz="1600" dirty="0">
+                <a:solidFill>
+                  <a:schemeClr val="dk1"/>
+                </a:solidFill>
+                <a:latin typeface="Calibri"/>
+                <a:ea typeface="Calibri"/>
+                <a:cs typeface="Calibri"/>
+                <a:sym typeface="Calibri"/>
+              </a:rPr>
+              <a:t>AJAX</a:t>
+            </a:r>
+            <a:endParaRPr lang="en-US" dirty="0"/>
+          </a:p>
+        </p:txBody>
+      </p:sp>
+      <p:sp>
+        <p:nvSpPr>
+          <p:cNvPr id="2" name="Google Shape;289;p37">
+            <a:extLst>
+              <a:ext uri="{FF2B5EF4-FFF2-40B4-BE49-F238E27FC236}">
+                <a16:creationId xmlns:a16="http://schemas.microsoft.com/office/drawing/2014/main" id="{68A15837-B034-4F98-B8AB-4C1624913C12}"/>
+              </a:ext>
+            </a:extLst>
+          </p:cNvPr>
+          <p:cNvSpPr txBox="1"/>
+          <p:nvPr/>
+        </p:nvSpPr>
+        <p:spPr>
+          <a:xfrm>
+            <a:off x="3180377" y="4159610"/>
+            <a:ext cx="3373026" cy="579613"/>
+          </a:xfrm>
+          <a:prstGeom prst="rect">
+            <a:avLst/>
+          </a:prstGeom>
+          <a:noFill/>
+          <a:ln>
+            <a:noFill/>
+          </a:ln>
+        </p:spPr>
+        <p:txBody>
+          <a:bodyPr spcFirstLastPara="1" wrap="square" lIns="107269" tIns="53620" rIns="107269" bIns="53620" anchor="t" anchorCtr="0">
+            <a:noAutofit/>
+          </a:bodyPr>
+          <a:lstStyle/>
+          <a:p>
+            <a:pPr lvl="0">
+              <a:spcAft>
+                <a:spcPts val="200"/>
+              </a:spcAft>
+            </a:pPr>
+            <a:r>
+              <a:rPr lang="es-419" sz="1400" dirty="0">
+                <a:solidFill>
+                  <a:schemeClr val="dk1"/>
+                </a:solidFill>
+                <a:latin typeface="Calibri"/>
+                <a:ea typeface="Calibri"/>
+                <a:cs typeface="Calibri"/>
+                <a:sym typeface="Calibri"/>
+              </a:rPr>
+              <a:t>[user != null ] </a:t>
+            </a:r>
+          </a:p>
+          <a:p>
+            <a:pPr lvl="0">
+              <a:spcAft>
+                <a:spcPts val="200"/>
+              </a:spcAft>
+            </a:pPr>
+            <a:r>
+              <a:rPr lang="es-419" sz="1400" dirty="0" err="1">
+                <a:solidFill>
+                  <a:schemeClr val="dk1"/>
+                </a:solidFill>
+                <a:latin typeface="Calibri"/>
+                <a:ea typeface="Calibri"/>
+                <a:cs typeface="Calibri"/>
+                <a:sym typeface="Calibri"/>
+              </a:rPr>
+              <a:t>setCookie</a:t>
+            </a:r>
+            <a:r>
+              <a:rPr lang="es-419" sz="1400" dirty="0">
+                <a:solidFill>
+                  <a:schemeClr val="dk1"/>
+                </a:solidFill>
+                <a:latin typeface="Calibri"/>
+                <a:ea typeface="Calibri"/>
+                <a:cs typeface="Calibri"/>
+                <a:sym typeface="Calibri"/>
+              </a:rPr>
+              <a:t>  (“id", </a:t>
+            </a:r>
+            <a:r>
+              <a:rPr lang="es-419" sz="1400" dirty="0" err="1">
+                <a:solidFill>
+                  <a:schemeClr val="dk1"/>
+                </a:solidFill>
+                <a:latin typeface="Calibri"/>
+                <a:ea typeface="Calibri"/>
+                <a:cs typeface="Calibri"/>
+                <a:sym typeface="Calibri"/>
+              </a:rPr>
+              <a:t>user.id</a:t>
+            </a:r>
+            <a:r>
+              <a:rPr lang="es-419" sz="1400" dirty="0">
+                <a:solidFill>
+                  <a:schemeClr val="dk1"/>
+                </a:solidFill>
+                <a:latin typeface="Calibri"/>
+                <a:ea typeface="Calibri"/>
+                <a:cs typeface="Calibri"/>
+                <a:sym typeface="Calibri"/>
+              </a:rPr>
+              <a:t>)</a:t>
+            </a:r>
+            <a:endParaRPr sz="1400" dirty="0">
+              <a:solidFill>
+                <a:schemeClr val="dk1"/>
+              </a:solidFill>
+              <a:latin typeface="Calibri"/>
+              <a:ea typeface="Calibri"/>
+              <a:cs typeface="Calibri"/>
+              <a:sym typeface="Calibri"/>
+            </a:endParaRPr>
+          </a:p>
+        </p:txBody>
+      </p:sp>
+      <p:cxnSp>
+        <p:nvCxnSpPr>
+          <p:cNvPr id="73" name="Google Shape;288;p37">
+            <a:extLst>
+              <a:ext uri="{FF2B5EF4-FFF2-40B4-BE49-F238E27FC236}">
+                <a16:creationId xmlns:a16="http://schemas.microsoft.com/office/drawing/2014/main" id="{7D31F41E-3BC6-4D0F-A25B-F7904C4E3AD7}"/>
+              </a:ext>
+            </a:extLst>
+          </p:cNvPr>
+          <p:cNvCxnSpPr/>
+          <p:nvPr/>
+        </p:nvCxnSpPr>
+        <p:spPr>
+          <a:xfrm>
+            <a:off x="3214477" y="4851818"/>
+            <a:ext cx="3072075" cy="0"/>
+          </a:xfrm>
+          <a:prstGeom prst="straightConnector1">
+            <a:avLst/>
+          </a:prstGeom>
+          <a:noFill/>
+          <a:ln w="25400" cap="flat" cmpd="sng">
+            <a:solidFill>
+              <a:schemeClr val="accent1"/>
+            </a:solidFill>
+            <a:prstDash val="solid"/>
+            <a:round/>
+            <a:headEnd type="none" w="sm" len="sm"/>
+            <a:tailEnd type="stealth" w="med" len="med"/>
+          </a:ln>
+          <a:effectLst>
+            <a:outerShdw blurRad="40000" dist="20000" dir="5400000" rotWithShape="0">
+              <a:srgbClr val="000000">
+                <a:alpha val="37647"/>
+              </a:srgbClr>
+            </a:outerShdw>
+          </a:effectLst>
+        </p:spPr>
+      </p:cxnSp>
+    </p:spTree>
+    <p:extLst>
+      <p:ext uri="{BB962C8B-B14F-4D97-AF65-F5344CB8AC3E}">
+        <p14:creationId xmlns:p14="http://schemas.microsoft.com/office/powerpoint/2010/main" val="1310512074"/>
+      </p:ext>
+    </p:extLst>
+  </p:cSld>
+  <p:clrMapOvr>
+    <a:masterClrMapping/>
+  </p:clrMapOvr>
+</p:sld>
+</file>
+
+<file path=ppt/slides/slide13.xml><?xml version="1.0" encoding="utf-8"?>
+<p:sld xmlns:a="http://schemas.openxmlformats.org/drawingml/2006/main" xmlns:r="http://schemas.openxmlformats.org/officeDocument/2006/relationships" xmlns:p="http://schemas.openxmlformats.org/presentationml/2006/main">
+  <p:cSld>
+    <p:spTree>
+      <p:nvGrpSpPr>
+        <p:cNvPr id="1" name="Shape 308"/>
+        <p:cNvGrpSpPr/>
+        <p:nvPr/>
+      </p:nvGrpSpPr>
+      <p:grpSpPr>
+        <a:xfrm>
+          <a:off x="0" y="0"/>
+          <a:ext cx="0" cy="0"/>
+          <a:chOff x="0" y="0"/>
+          <a:chExt cx="0" cy="0"/>
+        </a:xfrm>
+      </p:grpSpPr>
+      <p:sp>
+        <p:nvSpPr>
+          <p:cNvPr id="309" name="Google Shape;309;p38"/>
+          <p:cNvSpPr txBox="1">
+            <a:spLocks noGrp="1"/>
+          </p:cNvSpPr>
+          <p:nvPr>
+            <p:ph type="title"/>
+          </p:nvPr>
+        </p:nvSpPr>
+        <p:spPr>
+          <a:prstGeom prst="rect">
+            <a:avLst/>
+          </a:prstGeom>
+          <a:noFill/>
+          <a:ln>
+            <a:noFill/>
+          </a:ln>
+        </p:spPr>
+        <p:txBody>
+          <a:bodyPr spcFirstLastPara="1" wrap="square" lIns="107269" tIns="53620" rIns="107269" bIns="53620" anchor="ctr" anchorCtr="0">
+            <a:noAutofit/>
+          </a:bodyPr>
+          <a:lstStyle/>
+          <a:p>
+            <a:pPr>
+              <a:buSzPts val="4400"/>
+            </a:pPr>
+            <a:r>
+              <a:rPr lang="es-419" dirty="0"/>
+              <a:t>Home page</a:t>
+            </a:r>
+            <a:endParaRPr dirty="0"/>
+          </a:p>
+        </p:txBody>
+      </p:sp>
+      <p:sp>
+        <p:nvSpPr>
+          <p:cNvPr id="2" name="Text Placeholder 1">
+            <a:extLst>
+              <a:ext uri="{FF2B5EF4-FFF2-40B4-BE49-F238E27FC236}">
+                <a16:creationId xmlns:a16="http://schemas.microsoft.com/office/drawing/2014/main" id="{85FAB331-5618-4CF6-81C6-A182AAA09657}"/>
+              </a:ext>
+            </a:extLst>
+          </p:cNvPr>
+          <p:cNvSpPr>
+            <a:spLocks noGrp="1"/>
+          </p:cNvSpPr>
+          <p:nvPr>
+            <p:ph type="body" idx="1"/>
+          </p:nvPr>
+        </p:nvSpPr>
+        <p:spPr/>
+        <p:txBody>
+          <a:bodyPr/>
+          <a:lstStyle/>
+          <a:p>
+            <a:pPr marL="134108" indent="0">
+              <a:buNone/>
+            </a:pPr>
+            <a:r>
+              <a:rPr lang="en-US" sz="2400" dirty="0"/>
+              <a:t>On load of the home page, the client will send an HTTP “GET” request to the server that, if the cookie “id” of the request called is valid will return as JSON every meeting that the user owns or is invited to. Once received it </a:t>
+            </a:r>
+            <a:r>
+              <a:rPr lang="en-US" sz="2400" dirty="0" err="1"/>
+              <a:t>MeetingData</a:t>
+            </a:r>
+            <a:r>
+              <a:rPr lang="en-US" sz="2400" dirty="0"/>
+              <a:t> will handle the creation of the page feeling tables, adding listeners to buttons and creating a hidden box in which, filled the form to create a meeting, the user will select who wants to invite to the meeting. If the form is valid, and the current user decides to create the meeting,  an HTTP "POST" request will be sent to the server. On success, without reloading, the page will be added to the new meeting just created in the "own meetings" table.</a:t>
+            </a:r>
+          </a:p>
+        </p:txBody>
+      </p:sp>
+    </p:spTree>
+  </p:cSld>
+  <p:clrMapOvr>
+    <a:masterClrMapping/>
+  </p:clrMapOvr>
+</p:sld>
+</file>
+
+<file path=ppt/slides/slide14.xml><?xml version="1.0" encoding="utf-8"?>
+<p:sld xmlns:a="http://schemas.openxmlformats.org/drawingml/2006/main" xmlns:r="http://schemas.openxmlformats.org/officeDocument/2006/relationships" xmlns:p="http://schemas.openxmlformats.org/presentationml/2006/main">
+  <p:cSld>
+    <p:spTree>
+      <p:nvGrpSpPr>
         <p:cNvPr id="1" name=""/>
         <p:cNvGrpSpPr/>
         <p:nvPr/>

--- a/Meetings management.pptx
+++ b/Meetings management.pptx
@@ -18049,7 +18049,7 @@
         </p:nvSpPr>
         <p:spPr>
           <a:xfrm>
-            <a:off x="1754783" y="4363367"/>
+            <a:off x="4205504" y="5227379"/>
             <a:ext cx="1273350" cy="495200"/>
           </a:xfrm>
           <a:prstGeom prst="rect">
@@ -18107,7 +18107,7 @@
         </p:nvSpPr>
         <p:spPr>
           <a:xfrm>
-            <a:off x="230967" y="1772800"/>
+            <a:off x="5383190" y="1488732"/>
             <a:ext cx="1455675" cy="1088400"/>
           </a:xfrm>
           <a:prstGeom prst="rect">
@@ -18197,7 +18197,7 @@
         </p:nvSpPr>
         <p:spPr>
           <a:xfrm>
-            <a:off x="1754774" y="1772792"/>
+            <a:off x="4263517" y="1486014"/>
             <a:ext cx="1157325" cy="526400"/>
           </a:xfrm>
           <a:prstGeom prst="rect">
@@ -18224,7 +18224,7 @@
           <a:p>
             <a:pPr algn="ctr"/>
             <a:r>
-              <a:rPr lang="es-419" sz="2100">
+              <a:rPr lang="es-419" sz="2100" dirty="0" err="1">
                 <a:solidFill>
                   <a:schemeClr val="dk1"/>
                 </a:solidFill>
@@ -18235,7 +18235,7 @@
               </a:rPr>
               <a:t>User</a:t>
             </a:r>
-            <a:endParaRPr sz="2100">
+            <a:endParaRPr sz="2100" dirty="0">
               <a:solidFill>
                 <a:schemeClr val="dk1"/>
               </a:solidFill>
@@ -18255,7 +18255,7 @@
         </p:nvSpPr>
         <p:spPr>
           <a:xfrm>
-            <a:off x="49021" y="4330067"/>
+            <a:off x="5125512" y="4870363"/>
             <a:ext cx="1675700" cy="1525200"/>
           </a:xfrm>
           <a:prstGeom prst="rect">
@@ -18417,7 +18417,7 @@
         </p:nvSpPr>
         <p:spPr>
           <a:xfrm>
-            <a:off x="7341290" y="3387533"/>
+            <a:off x="6801212" y="3188052"/>
             <a:ext cx="1609400" cy="975834"/>
           </a:xfrm>
           <a:prstGeom prst="rect">
@@ -18507,71 +18507,13 @@
       </p:sp>
       <p:sp>
         <p:nvSpPr>
-          <p:cNvPr id="153" name="Google Shape;153;p28"/>
-          <p:cNvSpPr/>
-          <p:nvPr/>
-        </p:nvSpPr>
-        <p:spPr>
-          <a:xfrm>
-            <a:off x="5642222" y="3387524"/>
-            <a:ext cx="1547325" cy="636800"/>
-          </a:xfrm>
-          <a:prstGeom prst="rect">
-            <a:avLst/>
-          </a:prstGeom>
-          <a:solidFill>
-            <a:schemeClr val="lt1"/>
-          </a:solidFill>
-          <a:ln w="25400" cap="flat" cmpd="sng">
-            <a:solidFill>
-              <a:schemeClr val="accent1"/>
-            </a:solidFill>
-            <a:prstDash val="solid"/>
-            <a:round/>
-            <a:headEnd type="none" w="sm" len="sm"/>
-            <a:tailEnd type="none" w="sm" len="sm"/>
-          </a:ln>
-        </p:spPr>
-        <p:txBody>
-          <a:bodyPr spcFirstLastPara="1" wrap="square" lIns="107269" tIns="53620" rIns="107269" bIns="53620" anchor="ctr" anchorCtr="0">
-            <a:noAutofit/>
-          </a:bodyPr>
-          <a:lstStyle/>
-          <a:p>
-            <a:pPr algn="ctr"/>
-            <a:r>
-              <a:rPr lang="en-US" sz="2100" dirty="0">
-                <a:solidFill>
-                  <a:schemeClr val="dk1"/>
-                </a:solidFill>
-                <a:latin typeface="Calibri"/>
-                <a:ea typeface="Calibri"/>
-                <a:cs typeface="Calibri"/>
-                <a:sym typeface="Calibri"/>
-              </a:rPr>
-              <a:t>Intersection</a:t>
-            </a:r>
-            <a:endParaRPr sz="2100" dirty="0">
-              <a:solidFill>
-                <a:schemeClr val="dk1"/>
-              </a:solidFill>
-              <a:latin typeface="Calibri"/>
-              <a:ea typeface="Calibri"/>
-              <a:cs typeface="Calibri"/>
-              <a:sym typeface="Calibri"/>
-            </a:endParaRPr>
-          </a:p>
-        </p:txBody>
-      </p:sp>
-      <p:sp>
-        <p:nvSpPr>
           <p:cNvPr id="154" name="Google Shape;154;p28"/>
           <p:cNvSpPr txBox="1"/>
           <p:nvPr/>
         </p:nvSpPr>
         <p:spPr>
           <a:xfrm>
-            <a:off x="2980254" y="1572817"/>
+            <a:off x="4338750" y="2080791"/>
             <a:ext cx="614250" cy="308000"/>
           </a:xfrm>
           <a:prstGeom prst="rect">
@@ -18589,7 +18531,7 @@
           <a:lstStyle/>
           <a:p>
             <a:r>
-              <a:rPr lang="es-419">
+              <a:rPr lang="es-419" dirty="0">
                 <a:solidFill>
                   <a:schemeClr val="dk1"/>
                 </a:solidFill>
@@ -18600,7 +18542,7 @@
               </a:rPr>
               <a:t>0:N</a:t>
             </a:r>
-            <a:endParaRPr>
+            <a:endParaRPr dirty="0">
               <a:solidFill>
                 <a:schemeClr val="dk1"/>
               </a:solidFill>
@@ -18638,10 +18580,6 @@
           <a:lstStyle/>
           <a:p>
             <a:pPr algn="r"/>
-            <a:r>
-              <a:rPr lang="en-US" dirty="0"/>
-              <a:t>Participate</a:t>
-            </a:r>
             <a:endParaRPr dirty="0"/>
           </a:p>
         </p:txBody>
@@ -18654,8 +18592,8 @@
         </p:nvSpPr>
         <p:spPr>
           <a:xfrm>
-            <a:off x="6092566" y="1772816"/>
-            <a:ext cx="646750" cy="526400"/>
+            <a:off x="2980253" y="3188052"/>
+            <a:ext cx="3723852" cy="674496"/>
           </a:xfrm>
           <a:prstGeom prst="diamond">
             <a:avLst/>
@@ -18680,7 +18618,19 @@
           <a:lstStyle/>
           <a:p>
             <a:pPr algn="ctr"/>
-            <a:endParaRPr sz="2100">
+            <a:r>
+              <a:rPr lang="en-US" sz="2400" dirty="0">
+                <a:solidFill>
+                  <a:schemeClr val="dk1"/>
+                </a:solidFill>
+                <a:latin typeface="Calibri"/>
+                <a:ea typeface="Calibri"/>
+                <a:cs typeface="Calibri"/>
+                <a:sym typeface="Calibri"/>
+              </a:rPr>
+              <a:t>Intersection</a:t>
+            </a:r>
+            <a:endParaRPr sz="2100" dirty="0">
               <a:solidFill>
                 <a:schemeClr val="dk1"/>
               </a:solidFill>
@@ -18695,118 +18645,17 @@
       <p:cxnSp>
         <p:nvCxnSpPr>
           <p:cNvPr id="157" name="Google Shape;157;p28"/>
-          <p:cNvCxnSpPr/>
-          <p:nvPr/>
-        </p:nvCxnSpPr>
-        <p:spPr>
-          <a:xfrm>
-            <a:off x="2912103" y="2035987"/>
-            <a:ext cx="3180450" cy="0"/>
-          </a:xfrm>
-          <a:prstGeom prst="straightConnector1">
-            <a:avLst/>
-          </a:prstGeom>
-          <a:noFill/>
-          <a:ln w="9525" cap="flat" cmpd="sng">
-            <a:solidFill>
-              <a:srgbClr val="4A7DBA"/>
-            </a:solidFill>
-            <a:prstDash val="solid"/>
-            <a:round/>
-            <a:headEnd type="none" w="sm" len="sm"/>
-            <a:tailEnd type="none" w="sm" len="sm"/>
-          </a:ln>
-        </p:spPr>
-      </p:cxnSp>
-      <p:cxnSp>
-        <p:nvCxnSpPr>
-          <p:cNvPr id="158" name="Google Shape;158;p28"/>
           <p:cNvCxnSpPr>
-            <a:stCxn id="156" idx="2"/>
-            <a:endCxn id="153" idx="0"/>
+            <a:cxnSpLocks/>
+            <a:stCxn id="150" idx="2"/>
+            <a:endCxn id="156" idx="0"/>
           </p:cNvCxnSpPr>
           <p:nvPr/>
         </p:nvCxnSpPr>
         <p:spPr>
-          <a:xfrm>
-            <a:off x="6415941" y="2299216"/>
-            <a:ext cx="0" cy="1088400"/>
-          </a:xfrm>
-          <a:prstGeom prst="straightConnector1">
-            <a:avLst/>
-          </a:prstGeom>
-          <a:noFill/>
-          <a:ln w="9525" cap="flat" cmpd="sng">
-            <a:solidFill>
-              <a:srgbClr val="4A7DBA"/>
-            </a:solidFill>
-            <a:prstDash val="solid"/>
-            <a:round/>
-            <a:headEnd type="none" w="sm" len="sm"/>
-            <a:tailEnd type="none" w="sm" len="sm"/>
-          </a:ln>
-        </p:spPr>
-      </p:cxnSp>
-      <p:sp>
-        <p:nvSpPr>
-          <p:cNvPr id="160" name="Google Shape;160;p28"/>
-          <p:cNvSpPr/>
-          <p:nvPr/>
-        </p:nvSpPr>
-        <p:spPr>
-          <a:xfrm>
-            <a:off x="6063756" y="4343015"/>
-            <a:ext cx="646750" cy="526400"/>
-          </a:xfrm>
-          <a:prstGeom prst="diamond">
-            <a:avLst/>
-          </a:prstGeom>
-          <a:solidFill>
-            <a:schemeClr val="lt1"/>
-          </a:solidFill>
-          <a:ln w="25400" cap="flat" cmpd="sng">
-            <a:solidFill>
-              <a:schemeClr val="accent6"/>
-            </a:solidFill>
-            <a:prstDash val="solid"/>
-            <a:round/>
-            <a:headEnd type="none" w="sm" len="sm"/>
-            <a:tailEnd type="none" w="sm" len="sm"/>
-          </a:ln>
-        </p:spPr>
-        <p:txBody>
-          <a:bodyPr spcFirstLastPara="1" wrap="square" lIns="107269" tIns="53620" rIns="107269" bIns="53620" anchor="ctr" anchorCtr="0">
-            <a:noAutofit/>
-          </a:bodyPr>
-          <a:lstStyle/>
-          <a:p>
-            <a:pPr algn="ctr"/>
-            <a:endParaRPr sz="2100">
-              <a:solidFill>
-                <a:schemeClr val="dk1"/>
-              </a:solidFill>
-              <a:latin typeface="Calibri"/>
-              <a:ea typeface="Calibri"/>
-              <a:cs typeface="Calibri"/>
-              <a:sym typeface="Calibri"/>
-            </a:endParaRPr>
-          </a:p>
-        </p:txBody>
-      </p:sp>
-      <p:cxnSp>
-        <p:nvCxnSpPr>
-          <p:cNvPr id="161" name="Google Shape;161;p28"/>
-          <p:cNvCxnSpPr>
-            <a:cxnSpLocks/>
-            <a:stCxn id="160" idx="0"/>
-            <a:endCxn id="153" idx="2"/>
-          </p:cNvCxnSpPr>
-          <p:nvPr/>
-        </p:nvCxnSpPr>
-        <p:spPr>
-          <a:xfrm flipV="1">
-            <a:off x="6387131" y="4024324"/>
-            <a:ext cx="28754" cy="318691"/>
+          <a:xfrm flipH="1">
+            <a:off x="4842179" y="2012414"/>
+            <a:ext cx="1" cy="1175638"/>
           </a:xfrm>
           <a:prstGeom prst="straightConnector1">
             <a:avLst/>
@@ -18831,7 +18680,7 @@
         </p:nvSpPr>
         <p:spPr>
           <a:xfrm>
-            <a:off x="3053341" y="4873764"/>
+            <a:off x="4280809" y="4791000"/>
             <a:ext cx="556075" cy="369200"/>
           </a:xfrm>
           <a:prstGeom prst="rect">
@@ -18877,15 +18726,15 @@
           <p:cNvPr id="166" name="Google Shape;166;p28"/>
           <p:cNvCxnSpPr>
             <a:cxnSpLocks/>
-            <a:stCxn id="148" idx="3"/>
-            <a:endCxn id="160" idx="1"/>
+            <a:stCxn id="148" idx="0"/>
+            <a:endCxn id="156" idx="2"/>
           </p:cNvCxnSpPr>
           <p:nvPr/>
         </p:nvCxnSpPr>
         <p:spPr>
-          <a:xfrm flipV="1">
-            <a:off x="3028133" y="4606215"/>
-            <a:ext cx="3035623" cy="4752"/>
+          <a:xfrm rot="5400000" flipH="1" flipV="1">
+            <a:off x="4159764" y="4544964"/>
+            <a:ext cx="1364831" cy="12700"/>
           </a:xfrm>
           <a:prstGeom prst="bentConnector3">
             <a:avLst>
@@ -18904,6 +18753,116 @@
           </a:ln>
         </p:spPr>
       </p:cxnSp>
+      <p:sp>
+        <p:nvSpPr>
+          <p:cNvPr id="21" name="Google Shape;154;p28">
+            <a:extLst>
+              <a:ext uri="{FF2B5EF4-FFF2-40B4-BE49-F238E27FC236}">
+                <a16:creationId xmlns:a16="http://schemas.microsoft.com/office/drawing/2014/main" id="{86FBD6FD-F6D3-46BA-8A0A-1F2E12CD3D28}"/>
+              </a:ext>
+            </a:extLst>
+          </p:cNvPr>
+          <p:cNvSpPr txBox="1"/>
+          <p:nvPr/>
+        </p:nvSpPr>
+        <p:spPr>
+          <a:xfrm>
+            <a:off x="5207446" y="2880052"/>
+            <a:ext cx="614250" cy="308000"/>
+          </a:xfrm>
+          <a:prstGeom prst="rect">
+            <a:avLst/>
+          </a:prstGeom>
+          <a:noFill/>
+          <a:ln>
+            <a:noFill/>
+          </a:ln>
+        </p:spPr>
+        <p:txBody>
+          <a:bodyPr spcFirstLastPara="1" wrap="square" lIns="107269" tIns="53620" rIns="107269" bIns="53620" anchor="t" anchorCtr="0">
+            <a:noAutofit/>
+          </a:bodyPr>
+          <a:lstStyle/>
+          <a:p>
+            <a:r>
+              <a:rPr lang="es-419" dirty="0">
+                <a:solidFill>
+                  <a:schemeClr val="dk1"/>
+                </a:solidFill>
+                <a:latin typeface="Calibri"/>
+                <a:ea typeface="Calibri"/>
+                <a:cs typeface="Calibri"/>
+                <a:sym typeface="Calibri"/>
+              </a:rPr>
+              <a:t>1:1</a:t>
+            </a:r>
+            <a:endParaRPr dirty="0">
+              <a:solidFill>
+                <a:schemeClr val="dk1"/>
+              </a:solidFill>
+              <a:latin typeface="Calibri"/>
+              <a:ea typeface="Calibri"/>
+              <a:cs typeface="Calibri"/>
+              <a:sym typeface="Calibri"/>
+            </a:endParaRPr>
+          </a:p>
+        </p:txBody>
+      </p:sp>
+      <p:sp>
+        <p:nvSpPr>
+          <p:cNvPr id="22" name="Google Shape;154;p28">
+            <a:extLst>
+              <a:ext uri="{FF2B5EF4-FFF2-40B4-BE49-F238E27FC236}">
+                <a16:creationId xmlns:a16="http://schemas.microsoft.com/office/drawing/2014/main" id="{6C904FAF-0C3A-4253-8875-45CE60253E15}"/>
+              </a:ext>
+            </a:extLst>
+          </p:cNvPr>
+          <p:cNvSpPr txBox="1"/>
+          <p:nvPr/>
+        </p:nvSpPr>
+        <p:spPr>
+          <a:xfrm>
+            <a:off x="4914550" y="3894529"/>
+            <a:ext cx="614250" cy="308000"/>
+          </a:xfrm>
+          <a:prstGeom prst="rect">
+            <a:avLst/>
+          </a:prstGeom>
+          <a:noFill/>
+          <a:ln>
+            <a:noFill/>
+          </a:ln>
+        </p:spPr>
+        <p:txBody>
+          <a:bodyPr spcFirstLastPara="1" wrap="square" lIns="107269" tIns="53620" rIns="107269" bIns="53620" anchor="t" anchorCtr="0">
+            <a:noAutofit/>
+          </a:bodyPr>
+          <a:lstStyle/>
+          <a:p>
+            <a:r>
+              <a:rPr lang="es-419" dirty="0">
+                <a:solidFill>
+                  <a:schemeClr val="dk1"/>
+                </a:solidFill>
+                <a:latin typeface="Calibri"/>
+                <a:ea typeface="Calibri"/>
+                <a:cs typeface="Calibri"/>
+                <a:sym typeface="Calibri"/>
+              </a:rPr>
+              <a:t>1:1</a:t>
+            </a:r>
+            <a:endParaRPr dirty="0">
+              <a:solidFill>
+                <a:schemeClr val="dk1"/>
+              </a:solidFill>
+              <a:latin typeface="Calibri"/>
+              <a:ea typeface="Calibri"/>
+              <a:cs typeface="Calibri"/>
+              <a:sym typeface="Calibri"/>
+            </a:endParaRPr>
+          </a:p>
+        </p:txBody>
+      </p:sp>
     </p:spTree>
   </p:cSld>
   <p:clrMapOvr>

--- a/Meetings management.pptx
+++ b/Meetings management.pptx
@@ -5,7 +5,7 @@
     <p:sldMasterId id="2147483671" r:id="rId1"/>
   </p:sldMasterIdLst>
   <p:notesMasterIdLst>
-    <p:notesMasterId r:id="rId16"/>
+    <p:notesMasterId r:id="rId18"/>
   </p:notesMasterIdLst>
   <p:sldIdLst>
     <p:sldId id="256" r:id="rId2"/>
@@ -21,7 +21,9 @@
     <p:sldId id="268" r:id="rId12"/>
     <p:sldId id="310" r:id="rId13"/>
     <p:sldId id="269" r:id="rId14"/>
-    <p:sldId id="287" r:id="rId15"/>
+    <p:sldId id="313" r:id="rId15"/>
+    <p:sldId id="287" r:id="rId16"/>
+    <p:sldId id="311" r:id="rId17"/>
   </p:sldIdLst>
   <p:sldSz cx="9906000" cy="6858000" type="A4"/>
   <p:notesSz cx="6858000" cy="9144000"/>
@@ -17270,7 +17272,7 @@
             </a:pPr>
             <a:r>
               <a:rPr lang="es-419" dirty="0"/>
-              <a:t>Home page</a:t>
+              <a:t>Home page RIA</a:t>
             </a:r>
             <a:endParaRPr dirty="0"/>
           </a:p>
@@ -17324,6 +17326,103 @@
 </file>
 
 <file path=ppt/slides/slide14.xml><?xml version="1.0" encoding="utf-8"?>
+<p:sld xmlns:a="http://schemas.openxmlformats.org/drawingml/2006/main" xmlns:r="http://schemas.openxmlformats.org/officeDocument/2006/relationships" xmlns:p="http://schemas.openxmlformats.org/presentationml/2006/main">
+  <p:cSld>
+    <p:spTree>
+      <p:nvGrpSpPr>
+        <p:cNvPr id="1" name=""/>
+        <p:cNvGrpSpPr/>
+        <p:nvPr/>
+      </p:nvGrpSpPr>
+      <p:grpSpPr>
+        <a:xfrm>
+          <a:off x="0" y="0"/>
+          <a:ext cx="0" cy="0"/>
+          <a:chOff x="0" y="0"/>
+          <a:chExt cx="0" cy="0"/>
+        </a:xfrm>
+      </p:grpSpPr>
+      <p:sp>
+        <p:nvSpPr>
+          <p:cNvPr id="2" name="Title 1">
+            <a:extLst>
+              <a:ext uri="{FF2B5EF4-FFF2-40B4-BE49-F238E27FC236}">
+                <a16:creationId xmlns:a16="http://schemas.microsoft.com/office/drawing/2014/main" id="{711FCAD5-5F1D-452A-B0FD-F1FC87CFC81B}"/>
+              </a:ext>
+            </a:extLst>
+          </p:cNvPr>
+          <p:cNvSpPr>
+            <a:spLocks noGrp="1"/>
+          </p:cNvSpPr>
+          <p:nvPr>
+            <p:ph type="title"/>
+          </p:nvPr>
+        </p:nvSpPr>
+        <p:spPr/>
+        <p:txBody>
+          <a:bodyPr/>
+          <a:lstStyle/>
+          <a:p>
+            <a:r>
+              <a:rPr lang="en-US" dirty="0"/>
+              <a:t>Home page pure HTML</a:t>
+            </a:r>
+          </a:p>
+        </p:txBody>
+      </p:sp>
+      <p:sp>
+        <p:nvSpPr>
+          <p:cNvPr id="3" name="Text Placeholder 2">
+            <a:extLst>
+              <a:ext uri="{FF2B5EF4-FFF2-40B4-BE49-F238E27FC236}">
+                <a16:creationId xmlns:a16="http://schemas.microsoft.com/office/drawing/2014/main" id="{31750797-5C3E-455E-B64C-70CEB1DC05F1}"/>
+              </a:ext>
+            </a:extLst>
+          </p:cNvPr>
+          <p:cNvSpPr>
+            <a:spLocks noGrp="1"/>
+          </p:cNvSpPr>
+          <p:nvPr>
+            <p:ph type="body" idx="1"/>
+          </p:nvPr>
+        </p:nvSpPr>
+        <p:spPr/>
+        <p:txBody>
+          <a:bodyPr/>
+          <a:lstStyle/>
+          <a:p>
+            <a:pPr marL="134108" indent="0">
+              <a:buNone/>
+            </a:pPr>
+            <a:r>
+              <a:rPr lang="en-US" dirty="0"/>
+              <a:t>When the user agent does the login or the signup the servlet will automatically redirect to the home page servlet, that, retrieving the user id will calculate and print the page from a template using </a:t>
+            </a:r>
+            <a:r>
+              <a:rPr lang="en-US" dirty="0" err="1"/>
+              <a:t>Thymeleaf</a:t>
+            </a:r>
+            <a:r>
+              <a:rPr lang="en-US" dirty="0"/>
+              <a:t>. All the page and interactions will be handled with CSS or with a full reload of the page</a:t>
+            </a:r>
+          </a:p>
+        </p:txBody>
+      </p:sp>
+    </p:spTree>
+    <p:extLst>
+      <p:ext uri="{BB962C8B-B14F-4D97-AF65-F5344CB8AC3E}">
+        <p14:creationId xmlns:p14="http://schemas.microsoft.com/office/powerpoint/2010/main" val="3777285639"/>
+      </p:ext>
+    </p:extLst>
+  </p:cSld>
+  <p:clrMapOvr>
+    <a:masterClrMapping/>
+  </p:clrMapOvr>
+</p:sld>
+</file>
+
+<file path=ppt/slides/slide15.xml><?xml version="1.0" encoding="utf-8"?>
 <p:sld xmlns:a="http://schemas.openxmlformats.org/drawingml/2006/main" xmlns:r="http://schemas.openxmlformats.org/officeDocument/2006/relationships" xmlns:p="http://schemas.openxmlformats.org/presentationml/2006/main">
   <p:cSld>
     <p:spTree>
@@ -17395,6 +17494,206 @@
     <p:extLst>
       <p:ext uri="{BB962C8B-B14F-4D97-AF65-F5344CB8AC3E}">
         <p14:creationId xmlns:p14="http://schemas.microsoft.com/office/powerpoint/2010/main" val="3611794068"/>
+      </p:ext>
+    </p:extLst>
+  </p:cSld>
+  <p:clrMapOvr>
+    <a:masterClrMapping/>
+  </p:clrMapOvr>
+</p:sld>
+</file>
+
+<file path=ppt/slides/slide16.xml><?xml version="1.0" encoding="utf-8"?>
+<p:sld xmlns:a="http://schemas.openxmlformats.org/drawingml/2006/main" xmlns:r="http://schemas.openxmlformats.org/officeDocument/2006/relationships" xmlns:p="http://schemas.openxmlformats.org/presentationml/2006/main">
+  <p:cSld>
+    <p:spTree>
+      <p:nvGrpSpPr>
+        <p:cNvPr id="1" name=""/>
+        <p:cNvGrpSpPr/>
+        <p:nvPr/>
+      </p:nvGrpSpPr>
+      <p:grpSpPr>
+        <a:xfrm>
+          <a:off x="0" y="0"/>
+          <a:ext cx="0" cy="0"/>
+          <a:chOff x="0" y="0"/>
+          <a:chExt cx="0" cy="0"/>
+        </a:xfrm>
+      </p:grpSpPr>
+      <p:sp>
+        <p:nvSpPr>
+          <p:cNvPr id="2" name="Title 1">
+            <a:extLst>
+              <a:ext uri="{FF2B5EF4-FFF2-40B4-BE49-F238E27FC236}">
+                <a16:creationId xmlns:a16="http://schemas.microsoft.com/office/drawing/2014/main" id="{DF629F99-1D5B-4889-A1E5-8D9C1F308946}"/>
+              </a:ext>
+            </a:extLst>
+          </p:cNvPr>
+          <p:cNvSpPr>
+            <a:spLocks noGrp="1"/>
+          </p:cNvSpPr>
+          <p:nvPr>
+            <p:ph type="title"/>
+          </p:nvPr>
+        </p:nvSpPr>
+        <p:spPr/>
+        <p:txBody>
+          <a:bodyPr/>
+          <a:lstStyle/>
+          <a:p>
+            <a:r>
+              <a:rPr lang="en-US" dirty="0"/>
+              <a:t>Pure HTML vs RIA</a:t>
+            </a:r>
+          </a:p>
+        </p:txBody>
+      </p:sp>
+      <p:sp>
+        <p:nvSpPr>
+          <p:cNvPr id="3" name="Text Placeholder 2">
+            <a:extLst>
+              <a:ext uri="{FF2B5EF4-FFF2-40B4-BE49-F238E27FC236}">
+                <a16:creationId xmlns:a16="http://schemas.microsoft.com/office/drawing/2014/main" id="{F160ADF3-9C03-45AA-90AC-A357EC682F36}"/>
+              </a:ext>
+            </a:extLst>
+          </p:cNvPr>
+          <p:cNvSpPr>
+            <a:spLocks noGrp="1"/>
+          </p:cNvSpPr>
+          <p:nvPr>
+            <p:ph type="body" idx="1"/>
+          </p:nvPr>
+        </p:nvSpPr>
+        <p:spPr/>
+        <p:txBody>
+          <a:bodyPr/>
+          <a:lstStyle/>
+          <a:p>
+            <a:r>
+              <a:rPr lang="en-US" dirty="0"/>
+              <a:t>Pure HTML</a:t>
+            </a:r>
+          </a:p>
+        </p:txBody>
+      </p:sp>
+      <p:sp>
+        <p:nvSpPr>
+          <p:cNvPr id="4" name="Text Placeholder 3">
+            <a:extLst>
+              <a:ext uri="{FF2B5EF4-FFF2-40B4-BE49-F238E27FC236}">
+                <a16:creationId xmlns:a16="http://schemas.microsoft.com/office/drawing/2014/main" id="{98D515DA-0B30-4496-9779-8E3EFA62D09A}"/>
+              </a:ext>
+            </a:extLst>
+          </p:cNvPr>
+          <p:cNvSpPr>
+            <a:spLocks noGrp="1"/>
+          </p:cNvSpPr>
+          <p:nvPr>
+            <p:ph type="body" idx="2"/>
+          </p:nvPr>
+        </p:nvSpPr>
+        <p:spPr/>
+        <p:txBody>
+          <a:bodyPr/>
+          <a:lstStyle/>
+          <a:p>
+            <a:r>
+              <a:rPr lang="en-US" sz="2000" dirty="0"/>
+              <a:t>All the transitions are handled by the CSS that will dynamically hide or show blocks of HTML</a:t>
+            </a:r>
+          </a:p>
+          <a:p>
+            <a:r>
+              <a:rPr lang="en-US" sz="2000" dirty="0"/>
+              <a:t>The page is fully calculated server-side</a:t>
+            </a:r>
+          </a:p>
+          <a:p>
+            <a:r>
+              <a:rPr lang="en-US" sz="2000" dirty="0"/>
+              <a:t>On incorrect input the server will redirect the user agent to an alert page that will automatically redirect to the index or homepage</a:t>
+            </a:r>
+          </a:p>
+          <a:p>
+            <a:r>
+              <a:rPr lang="en-US" sz="2000" dirty="0"/>
+              <a:t>Alerts will be displayed as a page that will auto-redirect</a:t>
+            </a:r>
+          </a:p>
+        </p:txBody>
+      </p:sp>
+      <p:sp>
+        <p:nvSpPr>
+          <p:cNvPr id="5" name="Text Placeholder 4">
+            <a:extLst>
+              <a:ext uri="{FF2B5EF4-FFF2-40B4-BE49-F238E27FC236}">
+                <a16:creationId xmlns:a16="http://schemas.microsoft.com/office/drawing/2014/main" id="{D79DB723-03E9-42C8-9C95-BEDAB3AA70EA}"/>
+              </a:ext>
+            </a:extLst>
+          </p:cNvPr>
+          <p:cNvSpPr>
+            <a:spLocks noGrp="1"/>
+          </p:cNvSpPr>
+          <p:nvPr>
+            <p:ph type="body" idx="3"/>
+          </p:nvPr>
+        </p:nvSpPr>
+        <p:spPr/>
+        <p:txBody>
+          <a:bodyPr/>
+          <a:lstStyle/>
+          <a:p>
+            <a:r>
+              <a:rPr lang="en-US" dirty="0"/>
+              <a:t>RIA</a:t>
+            </a:r>
+          </a:p>
+        </p:txBody>
+      </p:sp>
+      <p:sp>
+        <p:nvSpPr>
+          <p:cNvPr id="6" name="Text Placeholder 5">
+            <a:extLst>
+              <a:ext uri="{FF2B5EF4-FFF2-40B4-BE49-F238E27FC236}">
+                <a16:creationId xmlns:a16="http://schemas.microsoft.com/office/drawing/2014/main" id="{03EBF766-1DE0-4381-A086-C91E551C8D38}"/>
+              </a:ext>
+            </a:extLst>
+          </p:cNvPr>
+          <p:cNvSpPr>
+            <a:spLocks noGrp="1"/>
+          </p:cNvSpPr>
+          <p:nvPr>
+            <p:ph type="body" idx="4"/>
+          </p:nvPr>
+        </p:nvSpPr>
+        <p:spPr/>
+        <p:txBody>
+          <a:bodyPr/>
+          <a:lstStyle/>
+          <a:p>
+            <a:r>
+              <a:rPr lang="en-US" sz="2000" dirty="0"/>
+              <a:t>All transitions are handled by the JavaScript itself adding listeners to proper buttons in the page</a:t>
+            </a:r>
+          </a:p>
+          <a:p>
+            <a:r>
+              <a:rPr lang="en-US" sz="2000" dirty="0"/>
+              <a:t>The user agent will receive a row HTML page with a JSON with all the variables of the page. JavaScript will draw the actual page.</a:t>
+            </a:r>
+          </a:p>
+          <a:p>
+            <a:r>
+              <a:rPr lang="en-US" sz="2000" dirty="0"/>
+              <a:t>On wrong input JavaScript will print an alert on the page itself</a:t>
+            </a:r>
+          </a:p>
+        </p:txBody>
+      </p:sp>
+    </p:spTree>
+    <p:extLst>
+      <p:ext uri="{BB962C8B-B14F-4D97-AF65-F5344CB8AC3E}">
+        <p14:creationId xmlns:p14="http://schemas.microsoft.com/office/powerpoint/2010/main" val="1786119343"/>
       </p:ext>
     </p:extLst>
   </p:cSld>
@@ -18135,7 +18434,7 @@
                 <a:cs typeface="Calibri"/>
                 <a:sym typeface="Calibri"/>
               </a:rPr>
-              <a:t>UserId</a:t>
+              <a:t>iduser</a:t>
             </a:r>
             <a:endParaRPr sz="2100" b="1" dirty="0"/>
           </a:p>
@@ -18283,7 +18582,7 @@
                 <a:cs typeface="Calibri"/>
                 <a:sym typeface="Calibri"/>
               </a:rPr>
-              <a:t>MeetingId</a:t>
+              <a:t>idmeeting</a:t>
             </a:r>
             <a:endParaRPr sz="2100" b="1" dirty="0"/>
           </a:p>
@@ -18494,55 +18793,6 @@
               <a:t>meetingID</a:t>
             </a:r>
             <a:endParaRPr sz="1900" dirty="0">
-              <a:solidFill>
-                <a:schemeClr val="dk1"/>
-              </a:solidFill>
-              <a:latin typeface="Calibri"/>
-              <a:ea typeface="Calibri"/>
-              <a:cs typeface="Calibri"/>
-              <a:sym typeface="Calibri"/>
-            </a:endParaRPr>
-          </a:p>
-        </p:txBody>
-      </p:sp>
-      <p:sp>
-        <p:nvSpPr>
-          <p:cNvPr id="154" name="Google Shape;154;p28"/>
-          <p:cNvSpPr txBox="1"/>
-          <p:nvPr/>
-        </p:nvSpPr>
-        <p:spPr>
-          <a:xfrm>
-            <a:off x="4338750" y="2080791"/>
-            <a:ext cx="614250" cy="308000"/>
-          </a:xfrm>
-          <a:prstGeom prst="rect">
-            <a:avLst/>
-          </a:prstGeom>
-          <a:noFill/>
-          <a:ln>
-            <a:noFill/>
-          </a:ln>
-        </p:spPr>
-        <p:txBody>
-          <a:bodyPr spcFirstLastPara="1" wrap="square" lIns="107269" tIns="53620" rIns="107269" bIns="53620" anchor="t" anchorCtr="0">
-            <a:noAutofit/>
-          </a:bodyPr>
-          <a:lstStyle/>
-          <a:p>
-            <a:r>
-              <a:rPr lang="es-419" dirty="0">
-                <a:solidFill>
-                  <a:schemeClr val="dk1"/>
-                </a:solidFill>
-                <a:latin typeface="Calibri"/>
-                <a:ea typeface="Calibri"/>
-                <a:cs typeface="Calibri"/>
-                <a:sym typeface="Calibri"/>
-              </a:rPr>
-              <a:t>0:N</a:t>
-            </a:r>
-            <a:endParaRPr dirty="0">
               <a:solidFill>
                 <a:schemeClr val="dk1"/>
               </a:solidFill>
@@ -18767,7 +19017,7 @@
         </p:nvSpPr>
         <p:spPr>
           <a:xfrm>
-            <a:off x="5207446" y="2880052"/>
+            <a:off x="4805560" y="2547544"/>
             <a:ext cx="614250" cy="308000"/>
           </a:xfrm>
           <a:prstGeom prst="rect">
@@ -18794,7 +19044,7 @@
                 <a:cs typeface="Calibri"/>
                 <a:sym typeface="Calibri"/>
               </a:rPr>
-              <a:t>1:1</a:t>
+              <a:t>1:N</a:t>
             </a:r>
             <a:endParaRPr dirty="0">
               <a:solidFill>
@@ -18850,6 +19100,257 @@
                 <a:sym typeface="Calibri"/>
               </a:rPr>
               <a:t>1:1</a:t>
+            </a:r>
+            <a:endParaRPr dirty="0">
+              <a:solidFill>
+                <a:schemeClr val="dk1"/>
+              </a:solidFill>
+              <a:latin typeface="Calibri"/>
+              <a:ea typeface="Calibri"/>
+              <a:cs typeface="Calibri"/>
+              <a:sym typeface="Calibri"/>
+            </a:endParaRPr>
+          </a:p>
+        </p:txBody>
+      </p:sp>
+      <p:sp>
+        <p:nvSpPr>
+          <p:cNvPr id="2" name="Google Shape;150;p28">
+            <a:extLst>
+              <a:ext uri="{FF2B5EF4-FFF2-40B4-BE49-F238E27FC236}">
+                <a16:creationId xmlns:a16="http://schemas.microsoft.com/office/drawing/2014/main" id="{12594CFF-D9D8-421A-A15D-E9CB4477988B}"/>
+              </a:ext>
+            </a:extLst>
+          </p:cNvPr>
+          <p:cNvSpPr/>
+          <p:nvPr/>
+        </p:nvSpPr>
+        <p:spPr>
+          <a:xfrm>
+            <a:off x="758317" y="1486014"/>
+            <a:ext cx="1157325" cy="526400"/>
+          </a:xfrm>
+          <a:prstGeom prst="rect">
+            <a:avLst/>
+          </a:prstGeom>
+          <a:solidFill>
+            <a:schemeClr val="lt1"/>
+          </a:solidFill>
+          <a:ln w="25400" cap="flat" cmpd="sng">
+            <a:solidFill>
+              <a:schemeClr val="accent1"/>
+            </a:solidFill>
+            <a:prstDash val="solid"/>
+            <a:round/>
+            <a:headEnd type="none" w="sm" len="sm"/>
+            <a:tailEnd type="none" w="sm" len="sm"/>
+          </a:ln>
+        </p:spPr>
+        <p:txBody>
+          <a:bodyPr spcFirstLastPara="1" wrap="square" lIns="107269" tIns="53620" rIns="107269" bIns="53620" anchor="ctr" anchorCtr="0">
+            <a:noAutofit/>
+          </a:bodyPr>
+          <a:lstStyle/>
+          <a:p>
+            <a:pPr algn="ctr"/>
+            <a:r>
+              <a:rPr lang="es-419" sz="2100" dirty="0" err="1">
+                <a:solidFill>
+                  <a:schemeClr val="dk1"/>
+                </a:solidFill>
+                <a:latin typeface="Calibri"/>
+                <a:ea typeface="Calibri"/>
+                <a:cs typeface="Calibri"/>
+                <a:sym typeface="Calibri"/>
+              </a:rPr>
+              <a:t>Session</a:t>
+            </a:r>
+            <a:endParaRPr sz="2100" dirty="0">
+              <a:solidFill>
+                <a:schemeClr val="dk1"/>
+              </a:solidFill>
+              <a:latin typeface="Calibri"/>
+              <a:ea typeface="Calibri"/>
+              <a:cs typeface="Calibri"/>
+              <a:sym typeface="Calibri"/>
+            </a:endParaRPr>
+          </a:p>
+        </p:txBody>
+      </p:sp>
+      <p:cxnSp>
+        <p:nvCxnSpPr>
+          <p:cNvPr id="18" name="Google Shape;157;p28">
+            <a:extLst>
+              <a:ext uri="{FF2B5EF4-FFF2-40B4-BE49-F238E27FC236}">
+                <a16:creationId xmlns:a16="http://schemas.microsoft.com/office/drawing/2014/main" id="{6152E486-C622-4B41-A482-DA1F7A99EA85}"/>
+              </a:ext>
+            </a:extLst>
+          </p:cNvPr>
+          <p:cNvCxnSpPr>
+            <a:cxnSpLocks/>
+            <a:stCxn id="150" idx="1"/>
+            <a:endCxn id="2" idx="3"/>
+          </p:cNvCxnSpPr>
+          <p:nvPr/>
+        </p:nvCxnSpPr>
+        <p:spPr>
+          <a:xfrm flipH="1">
+            <a:off x="1915642" y="1749214"/>
+            <a:ext cx="2347875" cy="0"/>
+          </a:xfrm>
+          <a:prstGeom prst="straightConnector1">
+            <a:avLst/>
+          </a:prstGeom>
+          <a:noFill/>
+          <a:ln w="9525" cap="flat" cmpd="sng">
+            <a:solidFill>
+              <a:srgbClr val="4A7DBA"/>
+            </a:solidFill>
+            <a:prstDash val="solid"/>
+            <a:round/>
+            <a:headEnd type="none" w="sm" len="sm"/>
+            <a:tailEnd type="none" w="sm" len="sm"/>
+          </a:ln>
+        </p:spPr>
+      </p:cxnSp>
+      <p:sp>
+        <p:nvSpPr>
+          <p:cNvPr id="5" name="Google Shape;149;p28">
+            <a:extLst>
+              <a:ext uri="{FF2B5EF4-FFF2-40B4-BE49-F238E27FC236}">
+                <a16:creationId xmlns:a16="http://schemas.microsoft.com/office/drawing/2014/main" id="{826A847D-F858-4D17-B033-1457959D3093}"/>
+              </a:ext>
+            </a:extLst>
+          </p:cNvPr>
+          <p:cNvSpPr txBox="1"/>
+          <p:nvPr/>
+        </p:nvSpPr>
+        <p:spPr>
+          <a:xfrm>
+            <a:off x="459967" y="2247806"/>
+            <a:ext cx="1455675" cy="1088400"/>
+          </a:xfrm>
+          <a:prstGeom prst="rect">
+            <a:avLst/>
+          </a:prstGeom>
+          <a:noFill/>
+          <a:ln>
+            <a:noFill/>
+          </a:ln>
+        </p:spPr>
+        <p:txBody>
+          <a:bodyPr spcFirstLastPara="1" wrap="square" lIns="107269" tIns="53620" rIns="107269" bIns="53620" anchor="t" anchorCtr="0">
+            <a:noAutofit/>
+          </a:bodyPr>
+          <a:lstStyle/>
+          <a:p>
+            <a:pPr algn="r"/>
+            <a:r>
+              <a:rPr lang="es-419" sz="2100" b="1" dirty="0" err="1">
+                <a:solidFill>
+                  <a:schemeClr val="dk1"/>
+                </a:solidFill>
+                <a:latin typeface="Calibri"/>
+                <a:ea typeface="Calibri"/>
+                <a:cs typeface="Calibri"/>
+                <a:sym typeface="Calibri"/>
+              </a:rPr>
+              <a:t>idsession</a:t>
+            </a:r>
+            <a:endParaRPr sz="2100" b="1" dirty="0"/>
+          </a:p>
+          <a:p>
+            <a:pPr algn="r"/>
+            <a:r>
+              <a:rPr lang="es-419" sz="1900" dirty="0" err="1">
+                <a:solidFill>
+                  <a:schemeClr val="dk1"/>
+                </a:solidFill>
+                <a:latin typeface="Calibri"/>
+                <a:ea typeface="Calibri"/>
+                <a:cs typeface="Calibri"/>
+                <a:sym typeface="Calibri"/>
+              </a:rPr>
+              <a:t>user</a:t>
+            </a:r>
+            <a:endParaRPr sz="1900" dirty="0">
+              <a:solidFill>
+                <a:schemeClr val="dk1"/>
+              </a:solidFill>
+              <a:latin typeface="Calibri"/>
+              <a:ea typeface="Calibri"/>
+              <a:cs typeface="Calibri"/>
+              <a:sym typeface="Calibri"/>
+            </a:endParaRPr>
+          </a:p>
+          <a:p>
+            <a:pPr algn="r"/>
+            <a:r>
+              <a:rPr lang="es-419" sz="1900" dirty="0">
+                <a:solidFill>
+                  <a:schemeClr val="dk1"/>
+                </a:solidFill>
+                <a:latin typeface="Calibri"/>
+                <a:ea typeface="Calibri"/>
+                <a:cs typeface="Calibri"/>
+                <a:sym typeface="Calibri"/>
+              </a:rPr>
+              <a:t>date</a:t>
+            </a:r>
+            <a:endParaRPr sz="1900" dirty="0">
+              <a:solidFill>
+                <a:schemeClr val="dk1"/>
+              </a:solidFill>
+              <a:latin typeface="Calibri"/>
+              <a:ea typeface="Calibri"/>
+              <a:cs typeface="Calibri"/>
+              <a:sym typeface="Calibri"/>
+            </a:endParaRPr>
+          </a:p>
+        </p:txBody>
+      </p:sp>
+      <p:sp>
+        <p:nvSpPr>
+          <p:cNvPr id="6" name="Google Shape;154;p28">
+            <a:extLst>
+              <a:ext uri="{FF2B5EF4-FFF2-40B4-BE49-F238E27FC236}">
+                <a16:creationId xmlns:a16="http://schemas.microsoft.com/office/drawing/2014/main" id="{97991688-6477-4E4F-9F23-8D12875FB486}"/>
+              </a:ext>
+            </a:extLst>
+          </p:cNvPr>
+          <p:cNvSpPr txBox="1"/>
+          <p:nvPr/>
+        </p:nvSpPr>
+        <p:spPr>
+          <a:xfrm>
+            <a:off x="2835479" y="1486014"/>
+            <a:ext cx="614250" cy="308000"/>
+          </a:xfrm>
+          <a:prstGeom prst="rect">
+            <a:avLst/>
+          </a:prstGeom>
+          <a:noFill/>
+          <a:ln>
+            <a:noFill/>
+          </a:ln>
+        </p:spPr>
+        <p:txBody>
+          <a:bodyPr spcFirstLastPara="1" wrap="square" lIns="107269" tIns="53620" rIns="107269" bIns="53620" anchor="t" anchorCtr="0">
+            <a:noAutofit/>
+          </a:bodyPr>
+          <a:lstStyle/>
+          <a:p>
+            <a:r>
+              <a:rPr lang="es-419" dirty="0">
+                <a:solidFill>
+                  <a:schemeClr val="dk1"/>
+                </a:solidFill>
+                <a:latin typeface="Calibri"/>
+                <a:ea typeface="Calibri"/>
+                <a:cs typeface="Calibri"/>
+                <a:sym typeface="Calibri"/>
+              </a:rPr>
+              <a:t>0:1</a:t>
             </a:r>
             <a:endParaRPr dirty="0">
               <a:solidFill>
@@ -19548,7 +20049,7 @@
         <p:spPr>
           <a:xfrm>
             <a:off x="4953000" y="1491799"/>
-            <a:ext cx="4953000" cy="4995037"/>
+            <a:ext cx="4953000" cy="5069200"/>
           </a:xfrm>
           <a:prstGeom prst="rect">
             <a:avLst/>
@@ -20256,6 +20757,206 @@
                 <a:sym typeface="Courier New"/>
               </a:rPr>
               <a:t>ON UPDATE NO ACTION);</a:t>
+            </a:r>
+          </a:p>
+          <a:p>
+            <a:pPr marL="0" indent="0">
+              <a:spcBef>
+                <a:spcPts val="0"/>
+              </a:spcBef>
+              <a:buSzPts val="1800"/>
+              <a:buFont typeface="Arial"/>
+              <a:buNone/>
+            </a:pPr>
+            <a:endParaRPr lang="en-US" sz="1300" dirty="0">
+              <a:latin typeface="Courier New"/>
+              <a:ea typeface="Courier New"/>
+              <a:cs typeface="Courier New"/>
+              <a:sym typeface="Courier New"/>
+            </a:endParaRPr>
+          </a:p>
+          <a:p>
+            <a:pPr marL="0" indent="0">
+              <a:spcBef>
+                <a:spcPts val="0"/>
+              </a:spcBef>
+              <a:buSzPts val="1800"/>
+              <a:buFont typeface="Arial"/>
+              <a:buNone/>
+            </a:pPr>
+            <a:endParaRPr lang="en-US" sz="1300" dirty="0">
+              <a:latin typeface="Courier New"/>
+              <a:ea typeface="Courier New"/>
+              <a:cs typeface="Courier New"/>
+              <a:sym typeface="Courier New"/>
+            </a:endParaRPr>
+          </a:p>
+          <a:p>
+            <a:pPr marL="0" indent="0">
+              <a:spcBef>
+                <a:spcPts val="0"/>
+              </a:spcBef>
+              <a:buSzPts val="1800"/>
+              <a:buFont typeface="Arial"/>
+              <a:buNone/>
+            </a:pPr>
+            <a:r>
+              <a:rPr lang="en-US" sz="1300" dirty="0">
+                <a:latin typeface="Courier New"/>
+                <a:ea typeface="Courier New"/>
+                <a:cs typeface="Courier New"/>
+                <a:sym typeface="Courier New"/>
+              </a:rPr>
+              <a:t>CREATE TABLE `session` (  </a:t>
+            </a:r>
+          </a:p>
+          <a:p>
+            <a:pPr marL="0" indent="0">
+              <a:spcBef>
+                <a:spcPts val="0"/>
+              </a:spcBef>
+              <a:buSzPts val="1800"/>
+              <a:buFont typeface="Arial"/>
+              <a:buNone/>
+            </a:pPr>
+            <a:r>
+              <a:rPr lang="en-US" sz="1300" dirty="0">
+                <a:latin typeface="Courier New"/>
+                <a:ea typeface="Courier New"/>
+                <a:cs typeface="Courier New"/>
+                <a:sym typeface="Courier New"/>
+              </a:rPr>
+              <a:t>`</a:t>
+            </a:r>
+            <a:r>
+              <a:rPr lang="en-US" sz="1300" dirty="0" err="1">
+                <a:latin typeface="Courier New"/>
+                <a:ea typeface="Courier New"/>
+                <a:cs typeface="Courier New"/>
+                <a:sym typeface="Courier New"/>
+              </a:rPr>
+              <a:t>idsession</a:t>
+            </a:r>
+            <a:r>
+              <a:rPr lang="en-US" sz="1300" dirty="0">
+                <a:latin typeface="Courier New"/>
+                <a:ea typeface="Courier New"/>
+                <a:cs typeface="Courier New"/>
+                <a:sym typeface="Courier New"/>
+              </a:rPr>
+              <a:t>` varchar(36) NOT NULL,</a:t>
+            </a:r>
+          </a:p>
+          <a:p>
+            <a:pPr marL="0" indent="0">
+              <a:spcBef>
+                <a:spcPts val="0"/>
+              </a:spcBef>
+              <a:buSzPts val="1800"/>
+              <a:buFont typeface="Arial"/>
+              <a:buNone/>
+            </a:pPr>
+            <a:r>
+              <a:rPr lang="en-US" sz="1300" dirty="0">
+                <a:latin typeface="Courier New"/>
+                <a:ea typeface="Courier New"/>
+                <a:cs typeface="Courier New"/>
+                <a:sym typeface="Courier New"/>
+              </a:rPr>
+              <a:t>`user` int NOT NULL,  </a:t>
+            </a:r>
+          </a:p>
+          <a:p>
+            <a:pPr marL="0" indent="0">
+              <a:spcBef>
+                <a:spcPts val="0"/>
+              </a:spcBef>
+              <a:buSzPts val="1800"/>
+              <a:buFont typeface="Arial"/>
+              <a:buNone/>
+            </a:pPr>
+            <a:r>
+              <a:rPr lang="en-US" sz="1300" dirty="0">
+                <a:latin typeface="Courier New"/>
+                <a:ea typeface="Courier New"/>
+                <a:cs typeface="Courier New"/>
+                <a:sym typeface="Courier New"/>
+              </a:rPr>
+              <a:t>`date` datetime NOT NULL,  </a:t>
+            </a:r>
+          </a:p>
+          <a:p>
+            <a:pPr marL="0" indent="0">
+              <a:spcBef>
+                <a:spcPts val="0"/>
+              </a:spcBef>
+              <a:buSzPts val="1800"/>
+              <a:buFont typeface="Arial"/>
+              <a:buNone/>
+            </a:pPr>
+            <a:r>
+              <a:rPr lang="en-US" sz="1300" dirty="0">
+                <a:latin typeface="Courier New"/>
+                <a:ea typeface="Courier New"/>
+                <a:cs typeface="Courier New"/>
+                <a:sym typeface="Courier New"/>
+              </a:rPr>
+              <a:t>PRIMARY KEY (`</a:t>
+            </a:r>
+            <a:r>
+              <a:rPr lang="en-US" sz="1300" dirty="0" err="1">
+                <a:latin typeface="Courier New"/>
+                <a:ea typeface="Courier New"/>
+                <a:cs typeface="Courier New"/>
+                <a:sym typeface="Courier New"/>
+              </a:rPr>
+              <a:t>idsession</a:t>
+            </a:r>
+            <a:r>
+              <a:rPr lang="en-US" sz="1300" dirty="0">
+                <a:latin typeface="Courier New"/>
+                <a:ea typeface="Courier New"/>
+                <a:cs typeface="Courier New"/>
+                <a:sym typeface="Courier New"/>
+              </a:rPr>
+              <a:t>`),  </a:t>
+            </a:r>
+          </a:p>
+          <a:p>
+            <a:pPr marL="0" indent="0">
+              <a:spcBef>
+                <a:spcPts val="0"/>
+              </a:spcBef>
+              <a:buSzPts val="1800"/>
+              <a:buFont typeface="Arial"/>
+              <a:buNone/>
+            </a:pPr>
+            <a:r>
+              <a:rPr lang="en-US" sz="1300" dirty="0">
+                <a:latin typeface="Courier New"/>
+                <a:ea typeface="Courier New"/>
+                <a:cs typeface="Courier New"/>
+                <a:sym typeface="Courier New"/>
+              </a:rPr>
+              <a:t>KEY `</a:t>
+            </a:r>
+            <a:r>
+              <a:rPr lang="en-US" sz="1300" dirty="0" err="1">
+                <a:latin typeface="Courier New"/>
+                <a:ea typeface="Courier New"/>
+                <a:cs typeface="Courier New"/>
+                <a:sym typeface="Courier New"/>
+              </a:rPr>
+              <a:t>user_idx</a:t>
+            </a:r>
+            <a:r>
+              <a:rPr lang="en-US" sz="1300" dirty="0">
+                <a:latin typeface="Courier New"/>
+                <a:ea typeface="Courier New"/>
+                <a:cs typeface="Courier New"/>
+                <a:sym typeface="Courier New"/>
+              </a:rPr>
+              <a:t>` (`user`))</a:t>
             </a:r>
           </a:p>
         </p:txBody>

--- a/Meetings management.pptx
+++ b/Meetings management.pptx
@@ -12154,10 +12154,9 @@
               <a:buSzPts val="1750"/>
             </a:pPr>
             <a:r>
-              <a:rPr lang="en-US" sz="2100" dirty="0"/>
+              <a:rPr lang="en-US" sz="1200" dirty="0"/>
               <a:t>Model objects (Beans)</a:t>
             </a:r>
-            <a:endParaRPr lang="en-US" dirty="0"/>
           </a:p>
           <a:p>
             <a:pPr marL="871703" lvl="1" indent="-335270">
@@ -12170,10 +12169,9 @@
               <a:buSzPts val="1500"/>
             </a:pPr>
             <a:r>
-              <a:rPr lang="en-US" sz="1800" dirty="0"/>
+              <a:rPr lang="en-US" sz="1200" dirty="0"/>
               <a:t>User</a:t>
             </a:r>
-            <a:endParaRPr lang="en-US" dirty="0"/>
           </a:p>
           <a:p>
             <a:pPr marL="871703" lvl="1" indent="-335270">
@@ -12186,10 +12184,9 @@
               <a:buSzPts val="1500"/>
             </a:pPr>
             <a:r>
-              <a:rPr lang="en-US" sz="1800" dirty="0"/>
+              <a:rPr lang="en-US" sz="1200" dirty="0"/>
               <a:t>Meeting</a:t>
             </a:r>
-            <a:endParaRPr lang="en-US" dirty="0"/>
           </a:p>
           <a:p>
             <a:pPr marL="402325">
@@ -12202,10 +12199,9 @@
               <a:buSzPts val="1750"/>
             </a:pPr>
             <a:r>
-              <a:rPr lang="en-US" sz="2100" dirty="0"/>
+              <a:rPr lang="en-US" sz="1200" dirty="0"/>
               <a:t>Data Access Objects (Classes)</a:t>
             </a:r>
-            <a:endParaRPr lang="en-US" dirty="0"/>
           </a:p>
           <a:p>
             <a:pPr marL="871703" lvl="1" indent="-335270">
@@ -12218,10 +12214,10 @@
               <a:buSzPts val="1500"/>
             </a:pPr>
             <a:r>
-              <a:rPr lang="en-US" sz="1800" dirty="0" err="1"/>
+              <a:rPr lang="en-US" sz="1200" dirty="0" err="1"/>
               <a:t>UserDAO</a:t>
             </a:r>
-            <a:endParaRPr lang="en-US" sz="1800" dirty="0"/>
+            <a:endParaRPr lang="en-US" sz="1200" dirty="0"/>
           </a:p>
           <a:p>
             <a:pPr marL="1341082" lvl="2" indent="-208613">
@@ -12234,11 +12230,11 @@
               <a:buSzPts val="1200"/>
             </a:pPr>
             <a:r>
-              <a:rPr lang="en-US" sz="1400" dirty="0" err="1"/>
+              <a:rPr lang="en-US" sz="1200" dirty="0" err="1"/>
               <a:t>checkCredentials</a:t>
             </a:r>
             <a:r>
-              <a:rPr lang="en-US" sz="1400" dirty="0"/>
+              <a:rPr lang="en-US" sz="1200" dirty="0"/>
               <a:t>(username, password)</a:t>
             </a:r>
           </a:p>
@@ -12253,11 +12249,11 @@
               <a:buSzPts val="1200"/>
             </a:pPr>
             <a:r>
-              <a:rPr lang="en-US" sz="1400" dirty="0" err="1"/>
+              <a:rPr lang="en-US" sz="1200" dirty="0" err="1"/>
               <a:t>addUser</a:t>
             </a:r>
             <a:r>
-              <a:rPr lang="en-US" sz="1400" dirty="0"/>
+              <a:rPr lang="en-US" sz="1200" dirty="0"/>
               <a:t>(username, password)</a:t>
             </a:r>
           </a:p>
@@ -12272,7 +12268,7 @@
               <a:buSzPts val="1200"/>
             </a:pPr>
             <a:r>
-              <a:rPr lang="en-US" sz="1400" dirty="0" err="1">
+              <a:rPr lang="en-US" sz="1200" dirty="0" err="1">
                 <a:solidFill>
                   <a:schemeClr val="tx1"/>
                 </a:solidFill>
@@ -12282,7 +12278,7 @@
               <a:t>getAllIdsAndNames</a:t>
             </a:r>
             <a:r>
-              <a:rPr lang="en-US" sz="1400" dirty="0">
+              <a:rPr lang="en-US" sz="1200" dirty="0">
                 <a:solidFill>
                   <a:schemeClr val="tx1"/>
                 </a:solidFill>
@@ -12303,7 +12299,7 @@
               <a:buSzPts val="1200"/>
             </a:pPr>
             <a:r>
-              <a:rPr lang="en-US" sz="1400" dirty="0" err="1">
+              <a:rPr lang="en-US" sz="1200" dirty="0" err="1">
                 <a:solidFill>
                   <a:schemeClr val="tx1"/>
                 </a:solidFill>
@@ -12313,7 +12309,7 @@
               <a:t>getUserById</a:t>
             </a:r>
             <a:r>
-              <a:rPr lang="en-US" sz="1400" dirty="0">
+              <a:rPr lang="en-US" sz="1200" dirty="0">
                 <a:solidFill>
                   <a:schemeClr val="tx1"/>
                 </a:solidFill>
@@ -12334,7 +12330,7 @@
               <a:buSzPts val="1200"/>
             </a:pPr>
             <a:r>
-              <a:rPr lang="en-US" sz="1400" dirty="0" err="1">
+              <a:rPr lang="en-US" sz="1200" dirty="0" err="1">
                 <a:solidFill>
                   <a:schemeClr val="tx1"/>
                 </a:solidFill>
@@ -12344,7 +12340,7 @@
               <a:t>getUserByUsername</a:t>
             </a:r>
             <a:r>
-              <a:rPr lang="en-US" sz="1400" dirty="0">
+              <a:rPr lang="en-US" sz="1200" dirty="0">
                 <a:solidFill>
                   <a:schemeClr val="tx1"/>
                 </a:solidFill>
@@ -12365,10 +12361,10 @@
               <a:buSzPts val="1500"/>
             </a:pPr>
             <a:r>
-              <a:rPr lang="en-US" sz="1800" dirty="0" err="1"/>
+              <a:rPr lang="en-US" sz="1200" dirty="0" err="1"/>
               <a:t>MeetingDAO</a:t>
             </a:r>
-            <a:endParaRPr lang="en-US" sz="1400" dirty="0"/>
+            <a:endParaRPr lang="en-US" sz="1200" dirty="0"/>
           </a:p>
           <a:p>
             <a:pPr marL="1341082" lvl="2" indent="-208613">
@@ -12381,22 +12377,21 @@
               <a:buSzPts val="1200"/>
             </a:pPr>
             <a:r>
-              <a:rPr lang="en-US" sz="1400" dirty="0" err="1"/>
+              <a:rPr lang="en-US" sz="1200" dirty="0" err="1"/>
               <a:t>addMeating</a:t>
             </a:r>
             <a:r>
-              <a:rPr lang="en-US" sz="1400" dirty="0"/>
+              <a:rPr lang="en-US" sz="1200" dirty="0"/>
               <a:t>(name, date, </a:t>
             </a:r>
             <a:r>
-              <a:rPr lang="en-US" sz="1400" dirty="0" err="1"/>
+              <a:rPr lang="en-US" sz="1200" dirty="0" err="1"/>
               <a:t>expiringDate</a:t>
             </a:r>
             <a:r>
-              <a:rPr lang="en-US" sz="1400" dirty="0"/>
+              <a:rPr lang="en-US" sz="1200" dirty="0"/>
               <a:t>, participants, owner)</a:t>
             </a:r>
-            <a:endParaRPr lang="en-US" sz="1800" dirty="0"/>
           </a:p>
           <a:p>
             <a:pPr marL="1341082" lvl="2" indent="-208613">
@@ -12409,19 +12404,19 @@
               <a:buSzPts val="1200"/>
             </a:pPr>
             <a:r>
-              <a:rPr lang="en-US" sz="1400" dirty="0" err="1"/>
+              <a:rPr lang="en-US" sz="1200" dirty="0" err="1"/>
               <a:t>getMeetingbyId</a:t>
             </a:r>
             <a:r>
-              <a:rPr lang="en-US" sz="1400" dirty="0"/>
+              <a:rPr lang="en-US" sz="1200" dirty="0"/>
               <a:t>(</a:t>
             </a:r>
             <a:r>
-              <a:rPr lang="en-US" sz="1400" dirty="0" err="1"/>
+              <a:rPr lang="en-US" sz="1200" dirty="0" err="1"/>
               <a:t>userid</a:t>
             </a:r>
             <a:r>
-              <a:rPr lang="en-US" sz="1400" dirty="0"/>
+              <a:rPr lang="en-US" sz="1200" dirty="0"/>
               <a:t>)</a:t>
             </a:r>
           </a:p>
@@ -12436,10 +12431,10 @@
               <a:buSzPts val="1500"/>
             </a:pPr>
             <a:r>
-              <a:rPr lang="en-US" sz="1800" dirty="0" err="1"/>
+              <a:rPr lang="en-US" sz="1200" dirty="0" err="1"/>
               <a:t>IntersectionDAO</a:t>
             </a:r>
-            <a:endParaRPr lang="en-US" sz="1800" dirty="0"/>
+            <a:endParaRPr lang="en-US" sz="1200" dirty="0"/>
           </a:p>
           <a:p>
             <a:pPr marL="1341082" lvl="2" indent="-208613">
@@ -12452,27 +12447,27 @@
               <a:buSzPts val="1200"/>
             </a:pPr>
             <a:r>
-              <a:rPr lang="en-US" sz="1400" dirty="0" err="1"/>
+              <a:rPr lang="en-US" sz="1200" dirty="0" err="1"/>
               <a:t>addIntersection</a:t>
             </a:r>
             <a:r>
-              <a:rPr lang="en-US" sz="1400" dirty="0"/>
+              <a:rPr lang="en-US" sz="1200" dirty="0"/>
               <a:t>(</a:t>
             </a:r>
             <a:r>
-              <a:rPr lang="en-US" sz="1400" dirty="0" err="1"/>
+              <a:rPr lang="en-US" sz="1200" dirty="0" err="1"/>
               <a:t>userID</a:t>
             </a:r>
             <a:r>
-              <a:rPr lang="en-US" sz="1400" dirty="0"/>
+              <a:rPr lang="en-US" sz="1200" dirty="0"/>
               <a:t>, </a:t>
             </a:r>
             <a:r>
-              <a:rPr lang="en-US" sz="1400" dirty="0" err="1"/>
+              <a:rPr lang="en-US" sz="1200" dirty="0" err="1"/>
               <a:t>meetingID</a:t>
             </a:r>
             <a:r>
-              <a:rPr lang="en-US" sz="1400" dirty="0"/>
+              <a:rPr lang="en-US" sz="1200" dirty="0"/>
               <a:t>)</a:t>
             </a:r>
           </a:p>
@@ -12487,19 +12482,19 @@
               <a:buSzPts val="1200"/>
             </a:pPr>
             <a:r>
-              <a:rPr lang="en-US" sz="1400" dirty="0" err="1"/>
+              <a:rPr lang="en-US" sz="1200" dirty="0" err="1"/>
               <a:t>getAllMeetingsIdByUserId</a:t>
             </a:r>
             <a:r>
-              <a:rPr lang="en-US" sz="1400" dirty="0"/>
+              <a:rPr lang="en-US" sz="1200" dirty="0"/>
               <a:t>(</a:t>
             </a:r>
             <a:r>
-              <a:rPr lang="en-US" sz="1400" dirty="0" err="1"/>
+              <a:rPr lang="en-US" sz="1200" dirty="0" err="1"/>
               <a:t>userID</a:t>
             </a:r>
             <a:r>
-              <a:rPr lang="en-US" sz="1400" dirty="0"/>
+              <a:rPr lang="en-US" sz="1200" dirty="0"/>
               <a:t>)</a:t>
             </a:r>
           </a:p>
@@ -12514,20 +12509,136 @@
               <a:buSzPts val="1200"/>
             </a:pPr>
             <a:r>
-              <a:rPr lang="en-US" sz="1400" dirty="0" err="1"/>
+              <a:rPr lang="en-US" sz="1200" dirty="0" err="1"/>
               <a:t>getAllUserIdByMeetingId</a:t>
             </a:r>
             <a:r>
-              <a:rPr lang="en-US" sz="1400" dirty="0"/>
+              <a:rPr lang="en-US" sz="1200" dirty="0"/>
               <a:t>(</a:t>
             </a:r>
             <a:r>
-              <a:rPr lang="en-US" sz="1400" dirty="0" err="1"/>
+              <a:rPr lang="en-US" sz="1200" dirty="0" err="1"/>
               <a:t>meetingID</a:t>
             </a:r>
             <a:r>
-              <a:rPr lang="en-US" sz="1400" dirty="0"/>
+              <a:rPr lang="en-US" sz="1200" dirty="0"/>
               <a:t>)</a:t>
+            </a:r>
+          </a:p>
+          <a:p>
+            <a:pPr marL="804650" lvl="1" indent="-208613">
+              <a:lnSpc>
+                <a:spcPct val="80000"/>
+              </a:lnSpc>
+              <a:spcBef>
+                <a:spcPts val="352"/>
+              </a:spcBef>
+              <a:buSzPts val="1200"/>
+            </a:pPr>
+            <a:r>
+              <a:rPr lang="en-US" sz="1200" dirty="0" err="1"/>
+              <a:t>SessionDAO</a:t>
+            </a:r>
+            <a:endParaRPr lang="en-US" sz="1200" dirty="0"/>
+          </a:p>
+          <a:p>
+            <a:pPr marL="1341082" lvl="2" indent="-208613">
+              <a:lnSpc>
+                <a:spcPct val="80000"/>
+              </a:lnSpc>
+              <a:spcBef>
+                <a:spcPts val="352"/>
+              </a:spcBef>
+              <a:buSzPts val="1200"/>
+            </a:pPr>
+            <a:r>
+              <a:rPr lang="en-US" sz="1200" dirty="0" err="1"/>
+              <a:t>addSession</a:t>
+            </a:r>
+            <a:r>
+              <a:rPr lang="en-US" sz="1200" dirty="0"/>
+              <a:t>(</a:t>
+            </a:r>
+            <a:r>
+              <a:rPr lang="en-US" sz="1200" dirty="0" err="1"/>
+              <a:t>userId</a:t>
+            </a:r>
+            <a:r>
+              <a:rPr lang="en-US" sz="1200" dirty="0"/>
+              <a:t>)</a:t>
+            </a:r>
+          </a:p>
+          <a:p>
+            <a:pPr marL="1341082" lvl="2" indent="-208613">
+              <a:lnSpc>
+                <a:spcPct val="80000"/>
+              </a:lnSpc>
+              <a:spcBef>
+                <a:spcPts val="352"/>
+              </a:spcBef>
+              <a:buSzPts val="1200"/>
+            </a:pPr>
+            <a:r>
+              <a:rPr lang="en-US" sz="1200" dirty="0" err="1"/>
+              <a:t>getSessionById</a:t>
+            </a:r>
+            <a:r>
+              <a:rPr lang="en-US" sz="1200" dirty="0"/>
+              <a:t>(</a:t>
+            </a:r>
+            <a:r>
+              <a:rPr lang="en-US" sz="1200" dirty="0" err="1"/>
+              <a:t>uuid</a:t>
+            </a:r>
+            <a:r>
+              <a:rPr lang="en-US" sz="1200" dirty="0"/>
+              <a:t>)</a:t>
+            </a:r>
+          </a:p>
+          <a:p>
+            <a:pPr marL="1341082" lvl="2" indent="-208613">
+              <a:lnSpc>
+                <a:spcPct val="80000"/>
+              </a:lnSpc>
+              <a:spcBef>
+                <a:spcPts val="352"/>
+              </a:spcBef>
+              <a:buSzPts val="1200"/>
+            </a:pPr>
+            <a:r>
+              <a:rPr lang="en-US" sz="1200" dirty="0" err="1"/>
+              <a:t>removeSessionByUserId</a:t>
+            </a:r>
+            <a:r>
+              <a:rPr lang="en-US" sz="1200" dirty="0"/>
+              <a:t>(</a:t>
+            </a:r>
+            <a:r>
+              <a:rPr lang="en-US" sz="1200" dirty="0" err="1"/>
+              <a:t>userId</a:t>
+            </a:r>
+            <a:r>
+              <a:rPr lang="en-US" sz="1200" dirty="0"/>
+              <a:t>)</a:t>
+            </a:r>
+          </a:p>
+          <a:p>
+            <a:pPr marL="1341082" lvl="2" indent="-208613">
+              <a:lnSpc>
+                <a:spcPct val="80000"/>
+              </a:lnSpc>
+              <a:spcBef>
+                <a:spcPts val="352"/>
+              </a:spcBef>
+              <a:buSzPts val="1200"/>
+            </a:pPr>
+            <a:r>
+              <a:rPr lang="en-US" sz="1200" dirty="0" err="1"/>
+              <a:t>removeSessionById</a:t>
+            </a:r>
+            <a:r>
+              <a:rPr lang="en-US" sz="1200" dirty="0"/>
+              <a:t>(id)</a:t>
             </a:r>
           </a:p>
         </p:txBody>
@@ -17611,14 +17722,13 @@
           <a:p>
             <a:r>
               <a:rPr lang="en-US" sz="2000" dirty="0"/>
-              <a:t>On incorrect input the server will redirect the user agent to an alert page that will automatically redirect to the index or homepage</a:t>
-            </a:r>
-          </a:p>
-          <a:p>
-            <a:r>
-              <a:rPr lang="en-US" sz="2000" dirty="0"/>
-              <a:t>Alerts will be displayed as a page that will auto-redirect</a:t>
-            </a:r>
+              <a:t>On incorrect input the server will redirect the user agent to an alert page that will automatically redirect to the index </a:t>
+            </a:r>
+            <a:r>
+              <a:rPr lang="en-US" sz="2000"/>
+              <a:t>or homepage</a:t>
+            </a:r>
+            <a:endParaRPr lang="en-US" sz="2000" dirty="0"/>
           </a:p>
         </p:txBody>
       </p:sp>
@@ -17898,10 +18008,26 @@
               <a:buSzPts val="4400"/>
             </a:pPr>
             <a:r>
-              <a:rPr lang="es-419" sz="4700"/>
-              <a:t>Analisi dei dati</a:t>
-            </a:r>
-            <a:endParaRPr sz="4700"/>
+              <a:rPr lang="es-419" sz="4700" dirty="0" err="1"/>
+              <a:t>Analisi</a:t>
+            </a:r>
+            <a:r>
+              <a:rPr lang="es-419" sz="4700" dirty="0"/>
+              <a:t> </a:t>
+            </a:r>
+            <a:r>
+              <a:rPr lang="es-419" sz="4700" dirty="0" err="1"/>
+              <a:t>dei</a:t>
+            </a:r>
+            <a:r>
+              <a:rPr lang="es-419" sz="4700" dirty="0"/>
+              <a:t> </a:t>
+            </a:r>
+            <a:r>
+              <a:rPr lang="es-419" sz="4700" dirty="0" err="1"/>
+              <a:t>dati</a:t>
+            </a:r>
+            <a:endParaRPr sz="4700" dirty="0"/>
           </a:p>
         </p:txBody>
       </p:sp>
